--- a/Presentation1.pptx
+++ b/Presentation1.pptx
@@ -274,7 +274,7 @@
           <a:p>
             <a:fld id="{9494DC9F-7EAA-4755-AD6E-941E28643ADA}" type="datetimeFigureOut">
               <a:rPr lang="en-US" smtClean="0"/>
-              <a:t>9/16/2024</a:t>
+              <a:t>9/19/2024</a:t>
             </a:fld>
             <a:endParaRPr lang="en-US"/>
           </a:p>
@@ -473,7 +473,7 @@
           <a:p>
             <a:fld id="{9494DC9F-7EAA-4755-AD6E-941E28643ADA}" type="datetimeFigureOut">
               <a:rPr lang="en-US" smtClean="0"/>
-              <a:t>9/16/2024</a:t>
+              <a:t>9/19/2024</a:t>
             </a:fld>
             <a:endParaRPr lang="en-US"/>
           </a:p>
@@ -682,7 +682,7 @@
           <a:p>
             <a:fld id="{9494DC9F-7EAA-4755-AD6E-941E28643ADA}" type="datetimeFigureOut">
               <a:rPr lang="en-US" smtClean="0"/>
-              <a:t>9/16/2024</a:t>
+              <a:t>9/19/2024</a:t>
             </a:fld>
             <a:endParaRPr lang="en-US"/>
           </a:p>
@@ -881,7 +881,7 @@
           <a:p>
             <a:fld id="{9494DC9F-7EAA-4755-AD6E-941E28643ADA}" type="datetimeFigureOut">
               <a:rPr lang="en-US" smtClean="0"/>
-              <a:t>9/16/2024</a:t>
+              <a:t>9/19/2024</a:t>
             </a:fld>
             <a:endParaRPr lang="en-US"/>
           </a:p>
@@ -1157,7 +1157,7 @@
           <a:p>
             <a:fld id="{9494DC9F-7EAA-4755-AD6E-941E28643ADA}" type="datetimeFigureOut">
               <a:rPr lang="en-US" smtClean="0"/>
-              <a:t>9/16/2024</a:t>
+              <a:t>9/19/2024</a:t>
             </a:fld>
             <a:endParaRPr lang="en-US"/>
           </a:p>
@@ -1423,7 +1423,7 @@
           <a:p>
             <a:fld id="{9494DC9F-7EAA-4755-AD6E-941E28643ADA}" type="datetimeFigureOut">
               <a:rPr lang="en-US" smtClean="0"/>
-              <a:t>9/16/2024</a:t>
+              <a:t>9/19/2024</a:t>
             </a:fld>
             <a:endParaRPr lang="en-US"/>
           </a:p>
@@ -1836,7 +1836,7 @@
           <a:p>
             <a:fld id="{9494DC9F-7EAA-4755-AD6E-941E28643ADA}" type="datetimeFigureOut">
               <a:rPr lang="en-US" smtClean="0"/>
-              <a:t>9/16/2024</a:t>
+              <a:t>9/19/2024</a:t>
             </a:fld>
             <a:endParaRPr lang="en-US"/>
           </a:p>
@@ -1978,7 +1978,7 @@
           <a:p>
             <a:fld id="{9494DC9F-7EAA-4755-AD6E-941E28643ADA}" type="datetimeFigureOut">
               <a:rPr lang="en-US" smtClean="0"/>
-              <a:t>9/16/2024</a:t>
+              <a:t>9/19/2024</a:t>
             </a:fld>
             <a:endParaRPr lang="en-US"/>
           </a:p>
@@ -2092,7 +2092,7 @@
           <a:p>
             <a:fld id="{9494DC9F-7EAA-4755-AD6E-941E28643ADA}" type="datetimeFigureOut">
               <a:rPr lang="en-US" smtClean="0"/>
-              <a:t>9/16/2024</a:t>
+              <a:t>9/19/2024</a:t>
             </a:fld>
             <a:endParaRPr lang="en-US"/>
           </a:p>
@@ -2404,7 +2404,7 @@
           <a:p>
             <a:fld id="{9494DC9F-7EAA-4755-AD6E-941E28643ADA}" type="datetimeFigureOut">
               <a:rPr lang="en-US" smtClean="0"/>
-              <a:t>9/16/2024</a:t>
+              <a:t>9/19/2024</a:t>
             </a:fld>
             <a:endParaRPr lang="en-US"/>
           </a:p>
@@ -2693,7 +2693,7 @@
           <a:p>
             <a:fld id="{9494DC9F-7EAA-4755-AD6E-941E28643ADA}" type="datetimeFigureOut">
               <a:rPr lang="en-US" smtClean="0"/>
-              <a:t>9/16/2024</a:t>
+              <a:t>9/19/2024</a:t>
             </a:fld>
             <a:endParaRPr lang="en-US"/>
           </a:p>
@@ -2935,7 +2935,7 @@
           <a:p>
             <a:fld id="{9494DC9F-7EAA-4755-AD6E-941E28643ADA}" type="datetimeFigureOut">
               <a:rPr lang="en-US" smtClean="0"/>
-              <a:t>9/16/2024</a:t>
+              <a:t>9/19/2024</a:t>
             </a:fld>
             <a:endParaRPr lang="en-US"/>
           </a:p>
@@ -4465,7 +4465,7 @@
                   <a:schemeClr val="bg1"/>
                 </a:solidFill>
               </a:rPr>
-              <a:t>PERPECTIVES</a:t>
+              <a:t>PERSPECTIVES</a:t>
             </a:r>
           </a:p>
         </p:txBody>
@@ -4647,7 +4647,7 @@
                   <a:schemeClr val="bg1"/>
                 </a:solidFill>
               </a:rPr>
-              <a:t>CONLUSION</a:t>
+              <a:t>CONCLUSION</a:t>
             </a:r>
           </a:p>
         </p:txBody>

--- a/Presentation1.pptx
+++ b/Presentation1.pptx
@@ -19,11 +19,12 @@
     <p:sldId id="270" r:id="rId13"/>
     <p:sldId id="271" r:id="rId14"/>
     <p:sldId id="272" r:id="rId15"/>
-    <p:sldId id="273" r:id="rId16"/>
-    <p:sldId id="274" r:id="rId17"/>
-    <p:sldId id="275" r:id="rId18"/>
-    <p:sldId id="266" r:id="rId19"/>
-    <p:sldId id="276" r:id="rId20"/>
+    <p:sldId id="281" r:id="rId16"/>
+    <p:sldId id="273" r:id="rId17"/>
+    <p:sldId id="274" r:id="rId18"/>
+    <p:sldId id="275" r:id="rId19"/>
+    <p:sldId id="266" r:id="rId20"/>
+    <p:sldId id="276" r:id="rId21"/>
   </p:sldIdLst>
   <p:sldSz cx="12192000" cy="6858000"/>
   <p:notesSz cx="6858000" cy="9144000"/>
@@ -277,7 +278,7 @@
           <a:p>
             <a:fld id="{9494DC9F-7EAA-4755-AD6E-941E28643ADA}" type="datetimeFigureOut">
               <a:rPr lang="en-US" smtClean="0"/>
-              <a:t>10/2/2024</a:t>
+              <a:t>10/4/2024</a:t>
             </a:fld>
             <a:endParaRPr lang="en-US"/>
           </a:p>
@@ -476,7 +477,7 @@
           <a:p>
             <a:fld id="{9494DC9F-7EAA-4755-AD6E-941E28643ADA}" type="datetimeFigureOut">
               <a:rPr lang="en-US" smtClean="0"/>
-              <a:t>10/2/2024</a:t>
+              <a:t>10/4/2024</a:t>
             </a:fld>
             <a:endParaRPr lang="en-US"/>
           </a:p>
@@ -685,7 +686,7 @@
           <a:p>
             <a:fld id="{9494DC9F-7EAA-4755-AD6E-941E28643ADA}" type="datetimeFigureOut">
               <a:rPr lang="en-US" smtClean="0"/>
-              <a:t>10/2/2024</a:t>
+              <a:t>10/4/2024</a:t>
             </a:fld>
             <a:endParaRPr lang="en-US"/>
           </a:p>
@@ -884,7 +885,7 @@
           <a:p>
             <a:fld id="{9494DC9F-7EAA-4755-AD6E-941E28643ADA}" type="datetimeFigureOut">
               <a:rPr lang="en-US" smtClean="0"/>
-              <a:t>10/2/2024</a:t>
+              <a:t>10/4/2024</a:t>
             </a:fld>
             <a:endParaRPr lang="en-US"/>
           </a:p>
@@ -1160,7 +1161,7 @@
           <a:p>
             <a:fld id="{9494DC9F-7EAA-4755-AD6E-941E28643ADA}" type="datetimeFigureOut">
               <a:rPr lang="en-US" smtClean="0"/>
-              <a:t>10/2/2024</a:t>
+              <a:t>10/4/2024</a:t>
             </a:fld>
             <a:endParaRPr lang="en-US"/>
           </a:p>
@@ -1426,7 +1427,7 @@
           <a:p>
             <a:fld id="{9494DC9F-7EAA-4755-AD6E-941E28643ADA}" type="datetimeFigureOut">
               <a:rPr lang="en-US" smtClean="0"/>
-              <a:t>10/2/2024</a:t>
+              <a:t>10/4/2024</a:t>
             </a:fld>
             <a:endParaRPr lang="en-US"/>
           </a:p>
@@ -1839,7 +1840,7 @@
           <a:p>
             <a:fld id="{9494DC9F-7EAA-4755-AD6E-941E28643ADA}" type="datetimeFigureOut">
               <a:rPr lang="en-US" smtClean="0"/>
-              <a:t>10/2/2024</a:t>
+              <a:t>10/4/2024</a:t>
             </a:fld>
             <a:endParaRPr lang="en-US"/>
           </a:p>
@@ -1981,7 +1982,7 @@
           <a:p>
             <a:fld id="{9494DC9F-7EAA-4755-AD6E-941E28643ADA}" type="datetimeFigureOut">
               <a:rPr lang="en-US" smtClean="0"/>
-              <a:t>10/2/2024</a:t>
+              <a:t>10/4/2024</a:t>
             </a:fld>
             <a:endParaRPr lang="en-US"/>
           </a:p>
@@ -2095,7 +2096,7 @@
           <a:p>
             <a:fld id="{9494DC9F-7EAA-4755-AD6E-941E28643ADA}" type="datetimeFigureOut">
               <a:rPr lang="en-US" smtClean="0"/>
-              <a:t>10/2/2024</a:t>
+              <a:t>10/4/2024</a:t>
             </a:fld>
             <a:endParaRPr lang="en-US"/>
           </a:p>
@@ -2407,7 +2408,7 @@
           <a:p>
             <a:fld id="{9494DC9F-7EAA-4755-AD6E-941E28643ADA}" type="datetimeFigureOut">
               <a:rPr lang="en-US" smtClean="0"/>
-              <a:t>10/2/2024</a:t>
+              <a:t>10/4/2024</a:t>
             </a:fld>
             <a:endParaRPr lang="en-US"/>
           </a:p>
@@ -2696,7 +2697,7 @@
           <a:p>
             <a:fld id="{9494DC9F-7EAA-4755-AD6E-941E28643ADA}" type="datetimeFigureOut">
               <a:rPr lang="en-US" smtClean="0"/>
-              <a:t>10/2/2024</a:t>
+              <a:t>10/4/2024</a:t>
             </a:fld>
             <a:endParaRPr lang="en-US"/>
           </a:p>
@@ -2938,7 +2939,7 @@
           <a:p>
             <a:fld id="{9494DC9F-7EAA-4755-AD6E-941E28643ADA}" type="datetimeFigureOut">
               <a:rPr lang="en-US" smtClean="0"/>
-              <a:t>10/2/2024</a:t>
+              <a:t>10/4/2024</a:t>
             </a:fld>
             <a:endParaRPr lang="en-US"/>
           </a:p>
@@ -4957,9 +4958,12 @@
         </p:nvSpPr>
         <p:spPr>
           <a:xfrm>
-            <a:off x="0" y="112543"/>
-            <a:ext cx="12192000" cy="1487657"/>
+            <a:off x="0" y="0"/>
+            <a:ext cx="12192000" cy="1533377"/>
           </a:xfrm>
+          <a:solidFill>
+            <a:srgbClr val="1B55BE"/>
+          </a:solidFill>
         </p:spPr>
         <p:txBody>
           <a:bodyPr>
@@ -4969,7 +4973,14 @@
           <a:p>
             <a:r>
               <a:rPr lang="en-US" dirty="0"/>
-              <a:t>SOLUTION</a:t>
+              <a:t> </a:t>
+            </a:r>
+            <a:br>
+              <a:rPr lang="en-US" dirty="0"/>
+            </a:br>
+            <a:r>
+              <a:rPr lang="en-US" dirty="0"/>
+              <a:t>Proposed SOLUTION</a:t>
             </a:r>
             <a:br>
               <a:rPr lang="en-US" dirty="0"/>
@@ -4996,8 +5007,8 @@
         </p:nvSpPr>
         <p:spPr>
           <a:xfrm>
-            <a:off x="407963" y="1350497"/>
-            <a:ext cx="11507372" cy="5176911"/>
+            <a:off x="0" y="1533377"/>
+            <a:ext cx="12192000" cy="5324623"/>
           </a:xfrm>
         </p:spPr>
         <p:txBody>
@@ -5008,53 +5019,6 @@
           </a:p>
         </p:txBody>
       </p:sp>
-      <p:pic>
-        <p:nvPicPr>
-          <p:cNvPr id="4" name="Picture 2" descr="Grow Business Cartoon Images – Browse 38,310 Stock Photos, Vectors, and  Video | Adobe Stock">
-            <a:extLst>
-              <a:ext uri="{FF2B5EF4-FFF2-40B4-BE49-F238E27FC236}">
-                <a16:creationId xmlns:a16="http://schemas.microsoft.com/office/drawing/2014/main" id="{44DCE58C-3C94-4B66-5B55-30F5D14CEA2C}"/>
-              </a:ext>
-            </a:extLst>
-          </p:cNvPr>
-          <p:cNvPicPr>
-            <a:picLocks noChangeAspect="1" noChangeArrowheads="1"/>
-          </p:cNvPicPr>
-          <p:nvPr/>
-        </p:nvPicPr>
-        <p:blipFill>
-          <a:blip r:embed="rId2">
-            <a:extLst>
-              <a:ext uri="{28A0092B-C50C-407E-A947-70E740481C1C}">
-                <a14:useLocalDpi xmlns:a14="http://schemas.microsoft.com/office/drawing/2010/main" val="0"/>
-              </a:ext>
-            </a:extLst>
-          </a:blip>
-          <a:srcRect/>
-          <a:stretch>
-            <a:fillRect/>
-          </a:stretch>
-        </p:blipFill>
-        <p:spPr bwMode="auto">
-          <a:xfrm>
-            <a:off x="117566" y="1071155"/>
-            <a:ext cx="12192000" cy="5456253"/>
-          </a:xfrm>
-          <a:prstGeom prst="rect">
-            <a:avLst/>
-          </a:prstGeom>
-          <a:noFill/>
-          <a:extLst>
-            <a:ext uri="{909E8E84-426E-40DD-AFC4-6F175D3DCCD1}">
-              <a14:hiddenFill xmlns:a14="http://schemas.microsoft.com/office/drawing/2010/main">
-                <a:solidFill>
-                  <a:srgbClr val="FFFFFF"/>
-                </a:solidFill>
-              </a14:hiddenFill>
-            </a:ext>
-          </a:extLst>
-        </p:spPr>
-      </p:pic>
     </p:spTree>
     <p:extLst>
       <p:ext uri="{BB962C8B-B14F-4D97-AF65-F5344CB8AC3E}">
@@ -5104,14 +5068,11 @@
         </p:nvSpPr>
         <p:spPr>
           <a:xfrm>
-            <a:off x="0" y="365126"/>
-            <a:ext cx="12192000" cy="992406"/>
+            <a:off x="0" y="1"/>
+            <a:ext cx="12192000" cy="1357532"/>
           </a:xfrm>
           <a:solidFill>
-            <a:schemeClr val="tx1">
-              <a:lumMod val="50000"/>
-              <a:lumOff val="50000"/>
-            </a:schemeClr>
+            <a:srgbClr val="6B90B2"/>
           </a:solidFill>
         </p:spPr>
         <p:txBody>
@@ -5276,7 +5237,7 @@
                             </p:stCondLst>
                             <p:childTnLst>
                               <p:par>
-                                <p:cTn id="5" presetID="42" presetClass="entr" presetSubtype="0" fill="hold" nodeType="clickEffect">
+                                <p:cTn id="5" presetID="1" presetClass="entr" presetSubtype="0" fill="hold" nodeType="clickEffect">
                                   <p:stCondLst>
                                     <p:cond delay="0"/>
                                   </p:stCondLst>
@@ -5299,60 +5260,6 @@
                                         <p:strVal val="visible"/>
                                       </p:to>
                                     </p:set>
-                                    <p:animEffect transition="in" filter="fade">
-                                      <p:cBhvr>
-                                        <p:cTn id="7" dur="1000"/>
-                                        <p:tgtEl>
-                                          <p:spTgt spid="7"/>
-                                        </p:tgtEl>
-                                      </p:cBhvr>
-                                    </p:animEffect>
-                                    <p:anim calcmode="lin" valueType="num">
-                                      <p:cBhvr>
-                                        <p:cTn id="8" dur="1000" fill="hold"/>
-                                        <p:tgtEl>
-                                          <p:spTgt spid="7"/>
-                                        </p:tgtEl>
-                                        <p:attrNameLst>
-                                          <p:attrName>ppt_x</p:attrName>
-                                        </p:attrNameLst>
-                                      </p:cBhvr>
-                                      <p:tavLst>
-                                        <p:tav tm="0">
-                                          <p:val>
-                                            <p:strVal val="#ppt_x"/>
-                                          </p:val>
-                                        </p:tav>
-                                        <p:tav tm="100000">
-                                          <p:val>
-                                            <p:strVal val="#ppt_x"/>
-                                          </p:val>
-                                        </p:tav>
-                                      </p:tavLst>
-                                    </p:anim>
-                                    <p:anim calcmode="lin" valueType="num">
-                                      <p:cBhvr>
-                                        <p:cTn id="9" dur="1000" fill="hold"/>
-                                        <p:tgtEl>
-                                          <p:spTgt spid="7"/>
-                                        </p:tgtEl>
-                                        <p:attrNameLst>
-                                          <p:attrName>ppt_y</p:attrName>
-                                        </p:attrNameLst>
-                                      </p:cBhvr>
-                                      <p:tavLst>
-                                        <p:tav tm="0">
-                                          <p:val>
-                                            <p:strVal val="#ppt_y+.1"/>
-                                          </p:val>
-                                        </p:tav>
-                                        <p:tav tm="100000">
-                                          <p:val>
-                                            <p:strVal val="#ppt_y"/>
-                                          </p:val>
-                                        </p:tav>
-                                      </p:tavLst>
-                                    </p:anim>
                                   </p:childTnLst>
                                 </p:cTn>
                               </p:par>
@@ -5363,26 +5270,71 @@
                     </p:cTn>
                   </p:par>
                   <p:par>
-                    <p:cTn id="10" fill="hold">
+                    <p:cTn id="7" fill="hold">
                       <p:stCondLst>
                         <p:cond delay="indefinite"/>
                       </p:stCondLst>
                       <p:childTnLst>
                         <p:par>
-                          <p:cTn id="11" fill="hold">
+                          <p:cTn id="8" fill="hold">
                             <p:stCondLst>
                               <p:cond delay="0"/>
                             </p:stCondLst>
                             <p:childTnLst>
                               <p:par>
-                                <p:cTn id="12" presetID="42" presetClass="entr" presetSubtype="0" fill="hold" nodeType="clickEffect">
+                                <p:cTn id="9" presetID="1" presetClass="entr" presetSubtype="0" fill="hold" grpId="0" nodeType="clickEffect">
                                   <p:stCondLst>
                                     <p:cond delay="0"/>
                                   </p:stCondLst>
                                   <p:childTnLst>
                                     <p:set>
                                       <p:cBhvr>
-                                        <p:cTn id="13" dur="1" fill="hold">
+                                        <p:cTn id="10" dur="1" fill="hold">
+                                          <p:stCondLst>
+                                            <p:cond delay="0"/>
+                                          </p:stCondLst>
+                                        </p:cTn>
+                                        <p:tgtEl>
+                                          <p:spTgt spid="9"/>
+                                        </p:tgtEl>
+                                        <p:attrNameLst>
+                                          <p:attrName>style.visibility</p:attrName>
+                                        </p:attrNameLst>
+                                      </p:cBhvr>
+                                      <p:to>
+                                        <p:strVal val="visible"/>
+                                      </p:to>
+                                    </p:set>
+                                  </p:childTnLst>
+                                </p:cTn>
+                              </p:par>
+                            </p:childTnLst>
+                          </p:cTn>
+                        </p:par>
+                      </p:childTnLst>
+                    </p:cTn>
+                  </p:par>
+                  <p:par>
+                    <p:cTn id="11" fill="hold">
+                      <p:stCondLst>
+                        <p:cond delay="indefinite"/>
+                      </p:stCondLst>
+                      <p:childTnLst>
+                        <p:par>
+                          <p:cTn id="12" fill="hold">
+                            <p:stCondLst>
+                              <p:cond delay="0"/>
+                            </p:stCondLst>
+                            <p:childTnLst>
+                              <p:par>
+                                <p:cTn id="13" presetID="1" presetClass="entr" presetSubtype="0" fill="hold" nodeType="clickEffect">
+                                  <p:stCondLst>
+                                    <p:cond delay="0"/>
+                                  </p:stCondLst>
+                                  <p:childTnLst>
+                                    <p:set>
+                                      <p:cBhvr>
+                                        <p:cTn id="14" dur="1" fill="hold">
                                           <p:stCondLst>
                                             <p:cond delay="0"/>
                                           </p:stCondLst>
@@ -5398,60 +5350,6 @@
                                         <p:strVal val="visible"/>
                                       </p:to>
                                     </p:set>
-                                    <p:animEffect transition="in" filter="fade">
-                                      <p:cBhvr>
-                                        <p:cTn id="14" dur="1000"/>
-                                        <p:tgtEl>
-                                          <p:spTgt spid="10"/>
-                                        </p:tgtEl>
-                                      </p:cBhvr>
-                                    </p:animEffect>
-                                    <p:anim calcmode="lin" valueType="num">
-                                      <p:cBhvr>
-                                        <p:cTn id="15" dur="1000" fill="hold"/>
-                                        <p:tgtEl>
-                                          <p:spTgt spid="10"/>
-                                        </p:tgtEl>
-                                        <p:attrNameLst>
-                                          <p:attrName>ppt_x</p:attrName>
-                                        </p:attrNameLst>
-                                      </p:cBhvr>
-                                      <p:tavLst>
-                                        <p:tav tm="0">
-                                          <p:val>
-                                            <p:strVal val="#ppt_x"/>
-                                          </p:val>
-                                        </p:tav>
-                                        <p:tav tm="100000">
-                                          <p:val>
-                                            <p:strVal val="#ppt_x"/>
-                                          </p:val>
-                                        </p:tav>
-                                      </p:tavLst>
-                                    </p:anim>
-                                    <p:anim calcmode="lin" valueType="num">
-                                      <p:cBhvr>
-                                        <p:cTn id="16" dur="1000" fill="hold"/>
-                                        <p:tgtEl>
-                                          <p:spTgt spid="10"/>
-                                        </p:tgtEl>
-                                        <p:attrNameLst>
-                                          <p:attrName>ppt_y</p:attrName>
-                                        </p:attrNameLst>
-                                      </p:cBhvr>
-                                      <p:tavLst>
-                                        <p:tav tm="0">
-                                          <p:val>
-                                            <p:strVal val="#ppt_y+.1"/>
-                                          </p:val>
-                                        </p:tav>
-                                        <p:tav tm="100000">
-                                          <p:val>
-                                            <p:strVal val="#ppt_y"/>
-                                          </p:val>
-                                        </p:tav>
-                                      </p:tavLst>
-                                    </p:anim>
                                   </p:childTnLst>
                                 </p:cTn>
                               </p:par>
@@ -5482,6 +5380,9 @@
         </p:cTn>
       </p:par>
     </p:tnLst>
+    <p:bldLst>
+      <p:bldP spid="9" grpId="0"/>
+    </p:bldLst>
   </p:timing>
 </p:sld>
 </file>
@@ -5647,16 +5548,23 @@
         </p:nvSpPr>
         <p:spPr>
           <a:xfrm>
-            <a:off x="98474" y="182881"/>
-            <a:ext cx="12093526" cy="956602"/>
+            <a:off x="98474" y="0"/>
+            <a:ext cx="12093526" cy="1181686"/>
           </a:xfrm>
+          <a:solidFill>
+            <a:srgbClr val="6B90B2"/>
+          </a:solidFill>
         </p:spPr>
         <p:txBody>
           <a:bodyPr/>
           <a:lstStyle/>
           <a:p>
             <a:r>
-              <a:rPr lang="en-US" dirty="0"/>
+              <a:rPr lang="en-US" dirty="0">
+                <a:solidFill>
+                  <a:schemeClr val="bg1"/>
+                </a:solidFill>
+              </a:rPr>
               <a:t>ACTIVITY DIAGRAM</a:t>
             </a:r>
           </a:p>
@@ -5714,8 +5622,8 @@
         </p:blipFill>
         <p:spPr>
           <a:xfrm>
-            <a:off x="49237" y="886264"/>
-            <a:ext cx="12093525" cy="5401994"/>
+            <a:off x="0" y="1181686"/>
+            <a:ext cx="12093525" cy="5711483"/>
           </a:xfrm>
           <a:prstGeom prst="rect">
             <a:avLst/>
@@ -5733,6 +5641,81 @@
     <a:masterClrMapping/>
   </p:clrMapOvr>
   <p:transition spd="med"/>
+  <p:timing>
+    <p:tnLst>
+      <p:par>
+        <p:cTn id="1" dur="indefinite" restart="never" nodeType="tmRoot">
+          <p:childTnLst>
+            <p:seq concurrent="1" nextAc="seek">
+              <p:cTn id="2" dur="indefinite" nodeType="mainSeq">
+                <p:childTnLst>
+                  <p:par>
+                    <p:cTn id="3" fill="hold">
+                      <p:stCondLst>
+                        <p:cond delay="indefinite"/>
+                      </p:stCondLst>
+                      <p:childTnLst>
+                        <p:par>
+                          <p:cTn id="4" fill="hold">
+                            <p:stCondLst>
+                              <p:cond delay="0"/>
+                            </p:stCondLst>
+                            <p:childTnLst>
+                              <p:par>
+                                <p:cTn id="5" presetID="1" presetClass="entr" presetSubtype="0" fill="hold" nodeType="clickEffect">
+                                  <p:stCondLst>
+                                    <p:cond delay="0"/>
+                                  </p:stCondLst>
+                                  <p:childTnLst>
+                                    <p:set>
+                                      <p:cBhvr>
+                                        <p:cTn id="6" dur="1" fill="hold">
+                                          <p:stCondLst>
+                                            <p:cond delay="0"/>
+                                          </p:stCondLst>
+                                        </p:cTn>
+                                        <p:tgtEl>
+                                          <p:spTgt spid="4"/>
+                                        </p:tgtEl>
+                                        <p:attrNameLst>
+                                          <p:attrName>style.visibility</p:attrName>
+                                        </p:attrNameLst>
+                                      </p:cBhvr>
+                                      <p:to>
+                                        <p:strVal val="visible"/>
+                                      </p:to>
+                                    </p:set>
+                                  </p:childTnLst>
+                                </p:cTn>
+                              </p:par>
+                            </p:childTnLst>
+                          </p:cTn>
+                        </p:par>
+                      </p:childTnLst>
+                    </p:cTn>
+                  </p:par>
+                </p:childTnLst>
+              </p:cTn>
+              <p:prevCondLst>
+                <p:cond evt="onPrev" delay="0">
+                  <p:tgtEl>
+                    <p:sldTgt/>
+                  </p:tgtEl>
+                </p:cond>
+              </p:prevCondLst>
+              <p:nextCondLst>
+                <p:cond evt="onNext" delay="0">
+                  <p:tgtEl>
+                    <p:sldTgt/>
+                  </p:tgtEl>
+                </p:cond>
+              </p:nextCondLst>
+            </p:seq>
+          </p:childTnLst>
+        </p:cTn>
+      </p:par>
+    </p:tnLst>
+  </p:timing>
 </p:sld>
 </file>
 
@@ -5771,19 +5754,26 @@
         </p:nvSpPr>
         <p:spPr>
           <a:xfrm>
-            <a:off x="0" y="281354"/>
-            <a:ext cx="12192000" cy="872197"/>
+            <a:off x="0" y="0"/>
+            <a:ext cx="12192000" cy="1153551"/>
           </a:xfrm>
+          <a:solidFill>
+            <a:srgbClr val="6B90B2"/>
+          </a:solidFill>
         </p:spPr>
         <p:txBody>
           <a:bodyPr>
-            <a:normAutofit fontScale="90000"/>
+            <a:normAutofit/>
           </a:bodyPr>
           <a:lstStyle/>
           <a:p>
             <a:r>
-              <a:rPr lang="en-US" dirty="0"/>
-              <a:t>CLASS DIAGRAM</a:t>
+              <a:rPr lang="en-US" dirty="0">
+                <a:solidFill>
+                  <a:schemeClr val="bg1"/>
+                </a:solidFill>
+              </a:rPr>
+              <a:t>Deployment DIAGRAM</a:t>
             </a:r>
           </a:p>
         </p:txBody>
@@ -5820,10 +5810,10 @@
       </p:sp>
       <p:pic>
         <p:nvPicPr>
-          <p:cNvPr id="5" name="Picture 4">
+          <p:cNvPr id="6" name="Picture 5">
             <a:extLst>
               <a:ext uri="{FF2B5EF4-FFF2-40B4-BE49-F238E27FC236}">
-                <a16:creationId xmlns:a16="http://schemas.microsoft.com/office/drawing/2014/main" id="{98C391A5-52A2-DBF3-D85C-17123C872611}"/>
+                <a16:creationId xmlns:a16="http://schemas.microsoft.com/office/drawing/2014/main" id="{ABD1D139-F54C-02AF-B702-8C2BB35C3F94}"/>
               </a:ext>
             </a:extLst>
           </p:cNvPr>
@@ -5840,8 +5830,8 @@
         </p:blipFill>
         <p:spPr>
           <a:xfrm>
-            <a:off x="0" y="1370622"/>
-            <a:ext cx="12192000" cy="5206023"/>
+            <a:off x="1" y="1153551"/>
+            <a:ext cx="12192000" cy="5704449"/>
           </a:xfrm>
           <a:prstGeom prst="rect">
             <a:avLst/>
@@ -5859,10 +5849,964 @@
     <a:masterClrMapping/>
   </p:clrMapOvr>
   <p:transition spd="med"/>
+  <p:timing>
+    <p:tnLst>
+      <p:par>
+        <p:cTn id="1" dur="indefinite" restart="never" nodeType="tmRoot">
+          <p:childTnLst>
+            <p:seq concurrent="1" nextAc="seek">
+              <p:cTn id="2" dur="indefinite" nodeType="mainSeq">
+                <p:childTnLst>
+                  <p:par>
+                    <p:cTn id="3" fill="hold">
+                      <p:stCondLst>
+                        <p:cond delay="indefinite"/>
+                      </p:stCondLst>
+                      <p:childTnLst>
+                        <p:par>
+                          <p:cTn id="4" fill="hold">
+                            <p:stCondLst>
+                              <p:cond delay="0"/>
+                            </p:stCondLst>
+                            <p:childTnLst>
+                              <p:par>
+                                <p:cTn id="5" presetID="1" presetClass="entr" presetSubtype="0" fill="hold" nodeType="clickEffect">
+                                  <p:stCondLst>
+                                    <p:cond delay="0"/>
+                                  </p:stCondLst>
+                                  <p:childTnLst>
+                                    <p:set>
+                                      <p:cBhvr>
+                                        <p:cTn id="6" dur="1" fill="hold">
+                                          <p:stCondLst>
+                                            <p:cond delay="0"/>
+                                          </p:stCondLst>
+                                        </p:cTn>
+                                        <p:tgtEl>
+                                          <p:spTgt spid="6"/>
+                                        </p:tgtEl>
+                                        <p:attrNameLst>
+                                          <p:attrName>style.visibility</p:attrName>
+                                        </p:attrNameLst>
+                                      </p:cBhvr>
+                                      <p:to>
+                                        <p:strVal val="visible"/>
+                                      </p:to>
+                                    </p:set>
+                                  </p:childTnLst>
+                                </p:cTn>
+                              </p:par>
+                            </p:childTnLst>
+                          </p:cTn>
+                        </p:par>
+                      </p:childTnLst>
+                    </p:cTn>
+                  </p:par>
+                </p:childTnLst>
+              </p:cTn>
+              <p:prevCondLst>
+                <p:cond evt="onPrev" delay="0">
+                  <p:tgtEl>
+                    <p:sldTgt/>
+                  </p:tgtEl>
+                </p:cond>
+              </p:prevCondLst>
+              <p:nextCondLst>
+                <p:cond evt="onNext" delay="0">
+                  <p:tgtEl>
+                    <p:sldTgt/>
+                  </p:tgtEl>
+                </p:cond>
+              </p:nextCondLst>
+            </p:seq>
+          </p:childTnLst>
+        </p:cTn>
+      </p:par>
+    </p:tnLst>
+  </p:timing>
 </p:sld>
 </file>
 
 <file path=ppt/slides/slide15.xml><?xml version="1.0" encoding="utf-8"?>
+<p:sld xmlns:a="http://schemas.openxmlformats.org/drawingml/2006/main" xmlns:r="http://schemas.openxmlformats.org/officeDocument/2006/relationships" xmlns:p="http://schemas.openxmlformats.org/presentationml/2006/main">
+  <p:cSld>
+    <p:spTree>
+      <p:nvGrpSpPr>
+        <p:cNvPr id="1" name=""/>
+        <p:cNvGrpSpPr/>
+        <p:nvPr/>
+      </p:nvGrpSpPr>
+      <p:grpSpPr>
+        <a:xfrm>
+          <a:off x="0" y="0"/>
+          <a:ext cx="0" cy="0"/>
+          <a:chOff x="0" y="0"/>
+          <a:chExt cx="0" cy="0"/>
+        </a:xfrm>
+      </p:grpSpPr>
+      <p:sp>
+        <p:nvSpPr>
+          <p:cNvPr id="2" name="Rectangle: Rounded Corners 1">
+            <a:extLst>
+              <a:ext uri="{FF2B5EF4-FFF2-40B4-BE49-F238E27FC236}">
+                <a16:creationId xmlns:a16="http://schemas.microsoft.com/office/drawing/2014/main" id="{C838F2D7-20B0-40F9-89F4-7232BF5A51E5}"/>
+              </a:ext>
+            </a:extLst>
+          </p:cNvPr>
+          <p:cNvSpPr/>
+          <p:nvPr/>
+        </p:nvSpPr>
+        <p:spPr>
+          <a:xfrm>
+            <a:off x="2712" y="9893"/>
+            <a:ext cx="12189288" cy="6858000"/>
+          </a:xfrm>
+          <a:prstGeom prst="roundRect">
+            <a:avLst>
+              <a:gd name="adj" fmla="val 3317"/>
+            </a:avLst>
+          </a:prstGeom>
+          <a:solidFill>
+            <a:schemeClr val="accent1">
+              <a:lumMod val="75000"/>
+              <a:alpha val="70000"/>
+            </a:schemeClr>
+          </a:solidFill>
+          <a:ln>
+            <a:solidFill>
+              <a:srgbClr val="6B90B2"/>
+            </a:solidFill>
+          </a:ln>
+        </p:spPr>
+        <p:style>
+          <a:lnRef idx="2">
+            <a:schemeClr val="accent1">
+              <a:shade val="50000"/>
+            </a:schemeClr>
+          </a:lnRef>
+          <a:fillRef idx="1">
+            <a:schemeClr val="accent1"/>
+          </a:fillRef>
+          <a:effectRef idx="0">
+            <a:schemeClr val="accent1"/>
+          </a:effectRef>
+          <a:fontRef idx="minor">
+            <a:schemeClr val="lt1"/>
+          </a:fontRef>
+        </p:style>
+        <p:txBody>
+          <a:bodyPr rtlCol="0" anchor="ctr"/>
+          <a:lstStyle>
+            <a:defPPr>
+              <a:defRPr lang="en-US"/>
+            </a:defPPr>
+            <a:lvl1pPr marL="0" algn="l" defTabSz="914400" rtl="0" eaLnBrk="1" latinLnBrk="0" hangingPunct="1">
+              <a:defRPr sz="1800" kern="1200">
+                <a:solidFill>
+                  <a:schemeClr val="lt1"/>
+                </a:solidFill>
+                <a:latin typeface="+mn-lt"/>
+                <a:ea typeface="+mn-ea"/>
+                <a:cs typeface="+mn-cs"/>
+              </a:defRPr>
+            </a:lvl1pPr>
+            <a:lvl2pPr marL="457200" algn="l" defTabSz="914400" rtl="0" eaLnBrk="1" latinLnBrk="0" hangingPunct="1">
+              <a:defRPr sz="1800" kern="1200">
+                <a:solidFill>
+                  <a:schemeClr val="lt1"/>
+                </a:solidFill>
+                <a:latin typeface="+mn-lt"/>
+                <a:ea typeface="+mn-ea"/>
+                <a:cs typeface="+mn-cs"/>
+              </a:defRPr>
+            </a:lvl2pPr>
+            <a:lvl3pPr marL="914400" algn="l" defTabSz="914400" rtl="0" eaLnBrk="1" latinLnBrk="0" hangingPunct="1">
+              <a:defRPr sz="1800" kern="1200">
+                <a:solidFill>
+                  <a:schemeClr val="lt1"/>
+                </a:solidFill>
+                <a:latin typeface="+mn-lt"/>
+                <a:ea typeface="+mn-ea"/>
+                <a:cs typeface="+mn-cs"/>
+              </a:defRPr>
+            </a:lvl3pPr>
+            <a:lvl4pPr marL="1371600" algn="l" defTabSz="914400" rtl="0" eaLnBrk="1" latinLnBrk="0" hangingPunct="1">
+              <a:defRPr sz="1800" kern="1200">
+                <a:solidFill>
+                  <a:schemeClr val="lt1"/>
+                </a:solidFill>
+                <a:latin typeface="+mn-lt"/>
+                <a:ea typeface="+mn-ea"/>
+                <a:cs typeface="+mn-cs"/>
+              </a:defRPr>
+            </a:lvl4pPr>
+            <a:lvl5pPr marL="1828800" algn="l" defTabSz="914400" rtl="0" eaLnBrk="1" latinLnBrk="0" hangingPunct="1">
+              <a:defRPr sz="1800" kern="1200">
+                <a:solidFill>
+                  <a:schemeClr val="lt1"/>
+                </a:solidFill>
+                <a:latin typeface="+mn-lt"/>
+                <a:ea typeface="+mn-ea"/>
+                <a:cs typeface="+mn-cs"/>
+              </a:defRPr>
+            </a:lvl5pPr>
+            <a:lvl6pPr marL="2286000" algn="l" defTabSz="914400" rtl="0" eaLnBrk="1" latinLnBrk="0" hangingPunct="1">
+              <a:defRPr sz="1800" kern="1200">
+                <a:solidFill>
+                  <a:schemeClr val="lt1"/>
+                </a:solidFill>
+                <a:latin typeface="+mn-lt"/>
+                <a:ea typeface="+mn-ea"/>
+                <a:cs typeface="+mn-cs"/>
+              </a:defRPr>
+            </a:lvl6pPr>
+            <a:lvl7pPr marL="2743200" algn="l" defTabSz="914400" rtl="0" eaLnBrk="1" latinLnBrk="0" hangingPunct="1">
+              <a:defRPr sz="1800" kern="1200">
+                <a:solidFill>
+                  <a:schemeClr val="lt1"/>
+                </a:solidFill>
+                <a:latin typeface="+mn-lt"/>
+                <a:ea typeface="+mn-ea"/>
+                <a:cs typeface="+mn-cs"/>
+              </a:defRPr>
+            </a:lvl7pPr>
+            <a:lvl8pPr marL="3200400" algn="l" defTabSz="914400" rtl="0" eaLnBrk="1" latinLnBrk="0" hangingPunct="1">
+              <a:defRPr sz="1800" kern="1200">
+                <a:solidFill>
+                  <a:schemeClr val="lt1"/>
+                </a:solidFill>
+                <a:latin typeface="+mn-lt"/>
+                <a:ea typeface="+mn-ea"/>
+                <a:cs typeface="+mn-cs"/>
+              </a:defRPr>
+            </a:lvl8pPr>
+            <a:lvl9pPr marL="3657600" algn="l" defTabSz="914400" rtl="0" eaLnBrk="1" latinLnBrk="0" hangingPunct="1">
+              <a:defRPr sz="1800" kern="1200">
+                <a:solidFill>
+                  <a:schemeClr val="lt1"/>
+                </a:solidFill>
+                <a:latin typeface="+mn-lt"/>
+                <a:ea typeface="+mn-ea"/>
+                <a:cs typeface="+mn-cs"/>
+              </a:defRPr>
+            </a:lvl9pPr>
+          </a:lstStyle>
+          <a:p>
+            <a:pPr algn="ctr"/>
+            <a:endParaRPr lang="en-US"/>
+          </a:p>
+        </p:txBody>
+      </p:sp>
+      <p:sp>
+        <p:nvSpPr>
+          <p:cNvPr id="3" name="ZoneTexte 11">
+            <a:extLst>
+              <a:ext uri="{FF2B5EF4-FFF2-40B4-BE49-F238E27FC236}">
+                <a16:creationId xmlns:a16="http://schemas.microsoft.com/office/drawing/2014/main" id="{E3E611FF-1152-E21E-6A11-C1D7A8A8B71E}"/>
+              </a:ext>
+            </a:extLst>
+          </p:cNvPr>
+          <p:cNvSpPr txBox="1"/>
+          <p:nvPr/>
+        </p:nvSpPr>
+        <p:spPr>
+          <a:xfrm>
+            <a:off x="0" y="-9893"/>
+            <a:ext cx="7351740" cy="646331"/>
+          </a:xfrm>
+          <a:prstGeom prst="rect">
+            <a:avLst/>
+          </a:prstGeom>
+          <a:solidFill>
+            <a:srgbClr val="CCD64D"/>
+          </a:solidFill>
+        </p:spPr>
+        <p:txBody>
+          <a:bodyPr wrap="square" rtlCol="0">
+            <a:spAutoFit/>
+          </a:bodyPr>
+          <a:lstStyle>
+            <a:defPPr>
+              <a:defRPr lang="en-US"/>
+            </a:defPPr>
+            <a:lvl1pPr marL="0" algn="l" defTabSz="914400" rtl="0" eaLnBrk="1" latinLnBrk="0" hangingPunct="1">
+              <a:defRPr sz="1800" kern="1200">
+                <a:solidFill>
+                  <a:schemeClr val="tx1"/>
+                </a:solidFill>
+                <a:latin typeface="+mn-lt"/>
+                <a:ea typeface="+mn-ea"/>
+                <a:cs typeface="+mn-cs"/>
+              </a:defRPr>
+            </a:lvl1pPr>
+            <a:lvl2pPr marL="457200" algn="l" defTabSz="914400" rtl="0" eaLnBrk="1" latinLnBrk="0" hangingPunct="1">
+              <a:defRPr sz="1800" kern="1200">
+                <a:solidFill>
+                  <a:schemeClr val="tx1"/>
+                </a:solidFill>
+                <a:latin typeface="+mn-lt"/>
+                <a:ea typeface="+mn-ea"/>
+                <a:cs typeface="+mn-cs"/>
+              </a:defRPr>
+            </a:lvl2pPr>
+            <a:lvl3pPr marL="914400" algn="l" defTabSz="914400" rtl="0" eaLnBrk="1" latinLnBrk="0" hangingPunct="1">
+              <a:defRPr sz="1800" kern="1200">
+                <a:solidFill>
+                  <a:schemeClr val="tx1"/>
+                </a:solidFill>
+                <a:latin typeface="+mn-lt"/>
+                <a:ea typeface="+mn-ea"/>
+                <a:cs typeface="+mn-cs"/>
+              </a:defRPr>
+            </a:lvl3pPr>
+            <a:lvl4pPr marL="1371600" algn="l" defTabSz="914400" rtl="0" eaLnBrk="1" latinLnBrk="0" hangingPunct="1">
+              <a:defRPr sz="1800" kern="1200">
+                <a:solidFill>
+                  <a:schemeClr val="tx1"/>
+                </a:solidFill>
+                <a:latin typeface="+mn-lt"/>
+                <a:ea typeface="+mn-ea"/>
+                <a:cs typeface="+mn-cs"/>
+              </a:defRPr>
+            </a:lvl4pPr>
+            <a:lvl5pPr marL="1828800" algn="l" defTabSz="914400" rtl="0" eaLnBrk="1" latinLnBrk="0" hangingPunct="1">
+              <a:defRPr sz="1800" kern="1200">
+                <a:solidFill>
+                  <a:schemeClr val="tx1"/>
+                </a:solidFill>
+                <a:latin typeface="+mn-lt"/>
+                <a:ea typeface="+mn-ea"/>
+                <a:cs typeface="+mn-cs"/>
+              </a:defRPr>
+            </a:lvl5pPr>
+            <a:lvl6pPr marL="2286000" algn="l" defTabSz="914400" rtl="0" eaLnBrk="1" latinLnBrk="0" hangingPunct="1">
+              <a:defRPr sz="1800" kern="1200">
+                <a:solidFill>
+                  <a:schemeClr val="tx1"/>
+                </a:solidFill>
+                <a:latin typeface="+mn-lt"/>
+                <a:ea typeface="+mn-ea"/>
+                <a:cs typeface="+mn-cs"/>
+              </a:defRPr>
+            </a:lvl6pPr>
+            <a:lvl7pPr marL="2743200" algn="l" defTabSz="914400" rtl="0" eaLnBrk="1" latinLnBrk="0" hangingPunct="1">
+              <a:defRPr sz="1800" kern="1200">
+                <a:solidFill>
+                  <a:schemeClr val="tx1"/>
+                </a:solidFill>
+                <a:latin typeface="+mn-lt"/>
+                <a:ea typeface="+mn-ea"/>
+                <a:cs typeface="+mn-cs"/>
+              </a:defRPr>
+            </a:lvl7pPr>
+            <a:lvl8pPr marL="3200400" algn="l" defTabSz="914400" rtl="0" eaLnBrk="1" latinLnBrk="0" hangingPunct="1">
+              <a:defRPr sz="1800" kern="1200">
+                <a:solidFill>
+                  <a:schemeClr val="tx1"/>
+                </a:solidFill>
+                <a:latin typeface="+mn-lt"/>
+                <a:ea typeface="+mn-ea"/>
+                <a:cs typeface="+mn-cs"/>
+              </a:defRPr>
+            </a:lvl8pPr>
+            <a:lvl9pPr marL="3657600" algn="l" defTabSz="914400" rtl="0" eaLnBrk="1" latinLnBrk="0" hangingPunct="1">
+              <a:defRPr sz="1800" kern="1200">
+                <a:solidFill>
+                  <a:schemeClr val="tx1"/>
+                </a:solidFill>
+                <a:latin typeface="+mn-lt"/>
+                <a:ea typeface="+mn-ea"/>
+                <a:cs typeface="+mn-cs"/>
+              </a:defRPr>
+            </a:lvl9pPr>
+          </a:lstStyle>
+          <a:p>
+            <a:r>
+              <a:rPr lang="fr-FR" sz="3600" dirty="0">
+                <a:solidFill>
+                  <a:schemeClr val="bg1"/>
+                </a:solidFill>
+              </a:rPr>
+              <a:t>System Deployment diagram</a:t>
+            </a:r>
+            <a:endParaRPr lang="en-US" sz="3600" b="1" dirty="0">
+              <a:solidFill>
+                <a:schemeClr val="bg1"/>
+              </a:solidFill>
+              <a:latin typeface="Algerian" panose="04020705040A02060702" pitchFamily="82" charset="0"/>
+            </a:endParaRPr>
+          </a:p>
+        </p:txBody>
+      </p:sp>
+      <p:pic>
+        <p:nvPicPr>
+          <p:cNvPr id="4" name="Picture 3">
+            <a:extLst>
+              <a:ext uri="{FF2B5EF4-FFF2-40B4-BE49-F238E27FC236}">
+                <a16:creationId xmlns:a16="http://schemas.microsoft.com/office/drawing/2014/main" id="{79B3B1F9-D1FC-4A17-BB43-454AAE5AE441}"/>
+              </a:ext>
+            </a:extLst>
+          </p:cNvPr>
+          <p:cNvPicPr>
+            <a:picLocks noChangeAspect="1"/>
+          </p:cNvPicPr>
+          <p:nvPr/>
+        </p:nvPicPr>
+        <p:blipFill>
+          <a:blip r:embed="rId2" cstate="print">
+            <a:extLst>
+              <a:ext uri="{28A0092B-C50C-407E-A947-70E740481C1C}">
+                <a14:useLocalDpi xmlns:a14="http://schemas.microsoft.com/office/drawing/2010/main" val="0"/>
+              </a:ext>
+            </a:extLst>
+          </a:blip>
+          <a:stretch>
+            <a:fillRect/>
+          </a:stretch>
+        </p:blipFill>
+        <p:spPr>
+          <a:xfrm>
+            <a:off x="429713" y="1051750"/>
+            <a:ext cx="5753970" cy="4697252"/>
+          </a:xfrm>
+          <a:prstGeom prst="rect">
+            <a:avLst/>
+          </a:prstGeom>
+        </p:spPr>
+      </p:pic>
+      <p:sp>
+        <p:nvSpPr>
+          <p:cNvPr id="5" name="Title 1">
+            <a:extLst>
+              <a:ext uri="{FF2B5EF4-FFF2-40B4-BE49-F238E27FC236}">
+                <a16:creationId xmlns:a16="http://schemas.microsoft.com/office/drawing/2014/main" id="{26FD8F5A-CBF8-4A70-B8EF-8B1C943E6D5E}"/>
+              </a:ext>
+            </a:extLst>
+          </p:cNvPr>
+          <p:cNvSpPr txBox="1">
+            <a:spLocks/>
+          </p:cNvSpPr>
+          <p:nvPr/>
+        </p:nvSpPr>
+        <p:spPr>
+          <a:xfrm>
+            <a:off x="493294" y="5793601"/>
+            <a:ext cx="5526279" cy="592428"/>
+          </a:xfrm>
+          <a:prstGeom prst="rect">
+            <a:avLst/>
+          </a:prstGeom>
+        </p:spPr>
+        <p:txBody>
+          <a:bodyPr vert="horz" lIns="91440" tIns="45720" rIns="91440" bIns="45720" rtlCol="0" anchor="ctr">
+            <a:noAutofit/>
+          </a:bodyPr>
+          <a:lstStyle>
+            <a:defPPr>
+              <a:defRPr lang="en-US"/>
+            </a:defPPr>
+            <a:lvl1pPr marL="0" algn="l" defTabSz="914400" rtl="0" eaLnBrk="1" latinLnBrk="0" hangingPunct="1">
+              <a:defRPr sz="1800" kern="1200">
+                <a:solidFill>
+                  <a:schemeClr val="tx1"/>
+                </a:solidFill>
+                <a:latin typeface="+mn-lt"/>
+                <a:ea typeface="+mn-ea"/>
+                <a:cs typeface="+mn-cs"/>
+              </a:defRPr>
+            </a:lvl1pPr>
+            <a:lvl2pPr marL="457200" algn="l" defTabSz="914400" rtl="0" eaLnBrk="1" latinLnBrk="0" hangingPunct="1">
+              <a:defRPr sz="1800" kern="1200">
+                <a:solidFill>
+                  <a:schemeClr val="tx1"/>
+                </a:solidFill>
+                <a:latin typeface="+mn-lt"/>
+                <a:ea typeface="+mn-ea"/>
+                <a:cs typeface="+mn-cs"/>
+              </a:defRPr>
+            </a:lvl2pPr>
+            <a:lvl3pPr marL="914400" algn="l" defTabSz="914400" rtl="0" eaLnBrk="1" latinLnBrk="0" hangingPunct="1">
+              <a:defRPr sz="1800" kern="1200">
+                <a:solidFill>
+                  <a:schemeClr val="tx1"/>
+                </a:solidFill>
+                <a:latin typeface="+mn-lt"/>
+                <a:ea typeface="+mn-ea"/>
+                <a:cs typeface="+mn-cs"/>
+              </a:defRPr>
+            </a:lvl3pPr>
+            <a:lvl4pPr marL="1371600" algn="l" defTabSz="914400" rtl="0" eaLnBrk="1" latinLnBrk="0" hangingPunct="1">
+              <a:defRPr sz="1800" kern="1200">
+                <a:solidFill>
+                  <a:schemeClr val="tx1"/>
+                </a:solidFill>
+                <a:latin typeface="+mn-lt"/>
+                <a:ea typeface="+mn-ea"/>
+                <a:cs typeface="+mn-cs"/>
+              </a:defRPr>
+            </a:lvl4pPr>
+            <a:lvl5pPr marL="1828800" algn="l" defTabSz="914400" rtl="0" eaLnBrk="1" latinLnBrk="0" hangingPunct="1">
+              <a:defRPr sz="1800" kern="1200">
+                <a:solidFill>
+                  <a:schemeClr val="tx1"/>
+                </a:solidFill>
+                <a:latin typeface="+mn-lt"/>
+                <a:ea typeface="+mn-ea"/>
+                <a:cs typeface="+mn-cs"/>
+              </a:defRPr>
+            </a:lvl5pPr>
+            <a:lvl6pPr marL="2286000" algn="l" defTabSz="914400" rtl="0" eaLnBrk="1" latinLnBrk="0" hangingPunct="1">
+              <a:defRPr sz="1800" kern="1200">
+                <a:solidFill>
+                  <a:schemeClr val="tx1"/>
+                </a:solidFill>
+                <a:latin typeface="+mn-lt"/>
+                <a:ea typeface="+mn-ea"/>
+                <a:cs typeface="+mn-cs"/>
+              </a:defRPr>
+            </a:lvl6pPr>
+            <a:lvl7pPr marL="2743200" algn="l" defTabSz="914400" rtl="0" eaLnBrk="1" latinLnBrk="0" hangingPunct="1">
+              <a:defRPr sz="1800" kern="1200">
+                <a:solidFill>
+                  <a:schemeClr val="tx1"/>
+                </a:solidFill>
+                <a:latin typeface="+mn-lt"/>
+                <a:ea typeface="+mn-ea"/>
+                <a:cs typeface="+mn-cs"/>
+              </a:defRPr>
+            </a:lvl7pPr>
+            <a:lvl8pPr marL="3200400" algn="l" defTabSz="914400" rtl="0" eaLnBrk="1" latinLnBrk="0" hangingPunct="1">
+              <a:defRPr sz="1800" kern="1200">
+                <a:solidFill>
+                  <a:schemeClr val="tx1"/>
+                </a:solidFill>
+                <a:latin typeface="+mn-lt"/>
+                <a:ea typeface="+mn-ea"/>
+                <a:cs typeface="+mn-cs"/>
+              </a:defRPr>
+            </a:lvl8pPr>
+            <a:lvl9pPr marL="3657600" algn="l" defTabSz="914400" rtl="0" eaLnBrk="1" latinLnBrk="0" hangingPunct="1">
+              <a:defRPr sz="1800" kern="1200">
+                <a:solidFill>
+                  <a:schemeClr val="tx1"/>
+                </a:solidFill>
+                <a:latin typeface="+mn-lt"/>
+                <a:ea typeface="+mn-ea"/>
+                <a:cs typeface="+mn-cs"/>
+              </a:defRPr>
+            </a:lvl9pPr>
+          </a:lstStyle>
+          <a:p>
+            <a:r>
+              <a:rPr lang="en-US" dirty="0">
+                <a:solidFill>
+                  <a:schemeClr val="bg1"/>
+                </a:solidFill>
+              </a:rPr>
+              <a:t>Logical architecture</a:t>
+            </a:r>
+          </a:p>
+        </p:txBody>
+      </p:sp>
+      <p:pic>
+        <p:nvPicPr>
+          <p:cNvPr id="6" name="Picture 5">
+            <a:extLst>
+              <a:ext uri="{FF2B5EF4-FFF2-40B4-BE49-F238E27FC236}">
+                <a16:creationId xmlns:a16="http://schemas.microsoft.com/office/drawing/2014/main" id="{81A136F2-6DFF-4B6D-B8AB-74AF1D2AF79E}"/>
+              </a:ext>
+            </a:extLst>
+          </p:cNvPr>
+          <p:cNvPicPr>
+            <a:picLocks noChangeAspect="1"/>
+          </p:cNvPicPr>
+          <p:nvPr/>
+        </p:nvPicPr>
+        <p:blipFill>
+          <a:blip r:embed="rId3">
+            <a:extLst>
+              <a:ext uri="{28A0092B-C50C-407E-A947-70E740481C1C}">
+                <a14:useLocalDpi xmlns:a14="http://schemas.microsoft.com/office/drawing/2010/main" val="0"/>
+              </a:ext>
+            </a:extLst>
+          </a:blip>
+          <a:stretch>
+            <a:fillRect/>
+          </a:stretch>
+        </p:blipFill>
+        <p:spPr>
+          <a:xfrm>
+            <a:off x="6456414" y="493270"/>
+            <a:ext cx="5360271" cy="5041270"/>
+          </a:xfrm>
+          <a:prstGeom prst="rect">
+            <a:avLst/>
+          </a:prstGeom>
+        </p:spPr>
+      </p:pic>
+      <p:sp>
+        <p:nvSpPr>
+          <p:cNvPr id="7" name="Title 1">
+            <a:extLst>
+              <a:ext uri="{FF2B5EF4-FFF2-40B4-BE49-F238E27FC236}">
+                <a16:creationId xmlns:a16="http://schemas.microsoft.com/office/drawing/2014/main" id="{56B51F29-21F9-4EC3-96EC-A083EDF1074A}"/>
+              </a:ext>
+            </a:extLst>
+          </p:cNvPr>
+          <p:cNvSpPr txBox="1">
+            <a:spLocks/>
+          </p:cNvSpPr>
+          <p:nvPr/>
+        </p:nvSpPr>
+        <p:spPr>
+          <a:xfrm>
+            <a:off x="6274349" y="5793601"/>
+            <a:ext cx="5672890" cy="592428"/>
+          </a:xfrm>
+          <a:prstGeom prst="rect">
+            <a:avLst/>
+          </a:prstGeom>
+        </p:spPr>
+        <p:txBody>
+          <a:bodyPr vert="horz" lIns="91440" tIns="45720" rIns="91440" bIns="45720" rtlCol="0" anchor="ctr">
+            <a:noAutofit/>
+          </a:bodyPr>
+          <a:lstStyle>
+            <a:defPPr>
+              <a:defRPr lang="en-US"/>
+            </a:defPPr>
+            <a:lvl1pPr marL="0" algn="l" defTabSz="914400" rtl="0" eaLnBrk="1" latinLnBrk="0" hangingPunct="1">
+              <a:defRPr sz="1800" kern="1200">
+                <a:solidFill>
+                  <a:schemeClr val="tx1"/>
+                </a:solidFill>
+                <a:latin typeface="+mn-lt"/>
+                <a:ea typeface="+mn-ea"/>
+                <a:cs typeface="+mn-cs"/>
+              </a:defRPr>
+            </a:lvl1pPr>
+            <a:lvl2pPr marL="457200" algn="l" defTabSz="914400" rtl="0" eaLnBrk="1" latinLnBrk="0" hangingPunct="1">
+              <a:defRPr sz="1800" kern="1200">
+                <a:solidFill>
+                  <a:schemeClr val="tx1"/>
+                </a:solidFill>
+                <a:latin typeface="+mn-lt"/>
+                <a:ea typeface="+mn-ea"/>
+                <a:cs typeface="+mn-cs"/>
+              </a:defRPr>
+            </a:lvl2pPr>
+            <a:lvl3pPr marL="914400" algn="l" defTabSz="914400" rtl="0" eaLnBrk="1" latinLnBrk="0" hangingPunct="1">
+              <a:defRPr sz="1800" kern="1200">
+                <a:solidFill>
+                  <a:schemeClr val="tx1"/>
+                </a:solidFill>
+                <a:latin typeface="+mn-lt"/>
+                <a:ea typeface="+mn-ea"/>
+                <a:cs typeface="+mn-cs"/>
+              </a:defRPr>
+            </a:lvl3pPr>
+            <a:lvl4pPr marL="1371600" algn="l" defTabSz="914400" rtl="0" eaLnBrk="1" latinLnBrk="0" hangingPunct="1">
+              <a:defRPr sz="1800" kern="1200">
+                <a:solidFill>
+                  <a:schemeClr val="tx1"/>
+                </a:solidFill>
+                <a:latin typeface="+mn-lt"/>
+                <a:ea typeface="+mn-ea"/>
+                <a:cs typeface="+mn-cs"/>
+              </a:defRPr>
+            </a:lvl4pPr>
+            <a:lvl5pPr marL="1828800" algn="l" defTabSz="914400" rtl="0" eaLnBrk="1" latinLnBrk="0" hangingPunct="1">
+              <a:defRPr sz="1800" kern="1200">
+                <a:solidFill>
+                  <a:schemeClr val="tx1"/>
+                </a:solidFill>
+                <a:latin typeface="+mn-lt"/>
+                <a:ea typeface="+mn-ea"/>
+                <a:cs typeface="+mn-cs"/>
+              </a:defRPr>
+            </a:lvl5pPr>
+            <a:lvl6pPr marL="2286000" algn="l" defTabSz="914400" rtl="0" eaLnBrk="1" latinLnBrk="0" hangingPunct="1">
+              <a:defRPr sz="1800" kern="1200">
+                <a:solidFill>
+                  <a:schemeClr val="tx1"/>
+                </a:solidFill>
+                <a:latin typeface="+mn-lt"/>
+                <a:ea typeface="+mn-ea"/>
+                <a:cs typeface="+mn-cs"/>
+              </a:defRPr>
+            </a:lvl6pPr>
+            <a:lvl7pPr marL="2743200" algn="l" defTabSz="914400" rtl="0" eaLnBrk="1" latinLnBrk="0" hangingPunct="1">
+              <a:defRPr sz="1800" kern="1200">
+                <a:solidFill>
+                  <a:schemeClr val="tx1"/>
+                </a:solidFill>
+                <a:latin typeface="+mn-lt"/>
+                <a:ea typeface="+mn-ea"/>
+                <a:cs typeface="+mn-cs"/>
+              </a:defRPr>
+            </a:lvl7pPr>
+            <a:lvl8pPr marL="3200400" algn="l" defTabSz="914400" rtl="0" eaLnBrk="1" latinLnBrk="0" hangingPunct="1">
+              <a:defRPr sz="1800" kern="1200">
+                <a:solidFill>
+                  <a:schemeClr val="tx1"/>
+                </a:solidFill>
+                <a:latin typeface="+mn-lt"/>
+                <a:ea typeface="+mn-ea"/>
+                <a:cs typeface="+mn-cs"/>
+              </a:defRPr>
+            </a:lvl8pPr>
+            <a:lvl9pPr marL="3657600" algn="l" defTabSz="914400" rtl="0" eaLnBrk="1" latinLnBrk="0" hangingPunct="1">
+              <a:defRPr sz="1800" kern="1200">
+                <a:solidFill>
+                  <a:schemeClr val="tx1"/>
+                </a:solidFill>
+                <a:latin typeface="+mn-lt"/>
+                <a:ea typeface="+mn-ea"/>
+                <a:cs typeface="+mn-cs"/>
+              </a:defRPr>
+            </a:lvl9pPr>
+          </a:lstStyle>
+          <a:p>
+            <a:r>
+              <a:rPr lang="en-US" dirty="0">
+                <a:solidFill>
+                  <a:schemeClr val="bg1"/>
+                </a:solidFill>
+              </a:rPr>
+              <a:t>Physical architecture</a:t>
+            </a:r>
+          </a:p>
+        </p:txBody>
+      </p:sp>
+    </p:spTree>
+    <p:extLst>
+      <p:ext uri="{BB962C8B-B14F-4D97-AF65-F5344CB8AC3E}">
+        <p14:creationId xmlns:p14="http://schemas.microsoft.com/office/powerpoint/2010/main" val="2197012928"/>
+      </p:ext>
+    </p:extLst>
+  </p:cSld>
+  <p:clrMapOvr>
+    <a:masterClrMapping/>
+  </p:clrMapOvr>
+  <p:transition spd="med"/>
+  <p:timing>
+    <p:tnLst>
+      <p:par>
+        <p:cTn id="1" dur="indefinite" restart="never" nodeType="tmRoot">
+          <p:childTnLst>
+            <p:seq concurrent="1" nextAc="seek">
+              <p:cTn id="2" dur="indefinite" nodeType="mainSeq">
+                <p:childTnLst>
+                  <p:par>
+                    <p:cTn id="3" fill="hold">
+                      <p:stCondLst>
+                        <p:cond delay="indefinite"/>
+                      </p:stCondLst>
+                      <p:childTnLst>
+                        <p:par>
+                          <p:cTn id="4" fill="hold">
+                            <p:stCondLst>
+                              <p:cond delay="0"/>
+                            </p:stCondLst>
+                            <p:childTnLst>
+                              <p:par>
+                                <p:cTn id="5" presetID="1" presetClass="entr" presetSubtype="0" fill="hold" nodeType="clickEffect">
+                                  <p:stCondLst>
+                                    <p:cond delay="0"/>
+                                  </p:stCondLst>
+                                  <p:childTnLst>
+                                    <p:set>
+                                      <p:cBhvr>
+                                        <p:cTn id="6" dur="1" fill="hold">
+                                          <p:stCondLst>
+                                            <p:cond delay="0"/>
+                                          </p:stCondLst>
+                                        </p:cTn>
+                                        <p:tgtEl>
+                                          <p:spTgt spid="4"/>
+                                        </p:tgtEl>
+                                        <p:attrNameLst>
+                                          <p:attrName>style.visibility</p:attrName>
+                                        </p:attrNameLst>
+                                      </p:cBhvr>
+                                      <p:to>
+                                        <p:strVal val="visible"/>
+                                      </p:to>
+                                    </p:set>
+                                  </p:childTnLst>
+                                </p:cTn>
+                              </p:par>
+                            </p:childTnLst>
+                          </p:cTn>
+                        </p:par>
+                      </p:childTnLst>
+                    </p:cTn>
+                  </p:par>
+                  <p:par>
+                    <p:cTn id="7" fill="hold">
+                      <p:stCondLst>
+                        <p:cond delay="indefinite"/>
+                      </p:stCondLst>
+                      <p:childTnLst>
+                        <p:par>
+                          <p:cTn id="8" fill="hold">
+                            <p:stCondLst>
+                              <p:cond delay="0"/>
+                            </p:stCondLst>
+                            <p:childTnLst>
+                              <p:par>
+                                <p:cTn id="9" presetID="1" presetClass="entr" presetSubtype="0" fill="hold" grpId="0" nodeType="clickEffect">
+                                  <p:stCondLst>
+                                    <p:cond delay="0"/>
+                                  </p:stCondLst>
+                                  <p:childTnLst>
+                                    <p:set>
+                                      <p:cBhvr>
+                                        <p:cTn id="10" dur="1" fill="hold">
+                                          <p:stCondLst>
+                                            <p:cond delay="0"/>
+                                          </p:stCondLst>
+                                        </p:cTn>
+                                        <p:tgtEl>
+                                          <p:spTgt spid="5"/>
+                                        </p:tgtEl>
+                                        <p:attrNameLst>
+                                          <p:attrName>style.visibility</p:attrName>
+                                        </p:attrNameLst>
+                                      </p:cBhvr>
+                                      <p:to>
+                                        <p:strVal val="visible"/>
+                                      </p:to>
+                                    </p:set>
+                                  </p:childTnLst>
+                                </p:cTn>
+                              </p:par>
+                            </p:childTnLst>
+                          </p:cTn>
+                        </p:par>
+                      </p:childTnLst>
+                    </p:cTn>
+                  </p:par>
+                  <p:par>
+                    <p:cTn id="11" fill="hold">
+                      <p:stCondLst>
+                        <p:cond delay="indefinite"/>
+                      </p:stCondLst>
+                      <p:childTnLst>
+                        <p:par>
+                          <p:cTn id="12" fill="hold">
+                            <p:stCondLst>
+                              <p:cond delay="0"/>
+                            </p:stCondLst>
+                            <p:childTnLst>
+                              <p:par>
+                                <p:cTn id="13" presetID="1" presetClass="entr" presetSubtype="0" fill="hold" nodeType="clickEffect">
+                                  <p:stCondLst>
+                                    <p:cond delay="0"/>
+                                  </p:stCondLst>
+                                  <p:childTnLst>
+                                    <p:set>
+                                      <p:cBhvr>
+                                        <p:cTn id="14" dur="1" fill="hold">
+                                          <p:stCondLst>
+                                            <p:cond delay="0"/>
+                                          </p:stCondLst>
+                                        </p:cTn>
+                                        <p:tgtEl>
+                                          <p:spTgt spid="6"/>
+                                        </p:tgtEl>
+                                        <p:attrNameLst>
+                                          <p:attrName>style.visibility</p:attrName>
+                                        </p:attrNameLst>
+                                      </p:cBhvr>
+                                      <p:to>
+                                        <p:strVal val="visible"/>
+                                      </p:to>
+                                    </p:set>
+                                  </p:childTnLst>
+                                </p:cTn>
+                              </p:par>
+                            </p:childTnLst>
+                          </p:cTn>
+                        </p:par>
+                      </p:childTnLst>
+                    </p:cTn>
+                  </p:par>
+                  <p:par>
+                    <p:cTn id="15" fill="hold">
+                      <p:stCondLst>
+                        <p:cond delay="indefinite"/>
+                      </p:stCondLst>
+                      <p:childTnLst>
+                        <p:par>
+                          <p:cTn id="16" fill="hold">
+                            <p:stCondLst>
+                              <p:cond delay="0"/>
+                            </p:stCondLst>
+                            <p:childTnLst>
+                              <p:par>
+                                <p:cTn id="17" presetID="1" presetClass="entr" presetSubtype="0" fill="hold" grpId="0" nodeType="clickEffect">
+                                  <p:stCondLst>
+                                    <p:cond delay="0"/>
+                                  </p:stCondLst>
+                                  <p:childTnLst>
+                                    <p:set>
+                                      <p:cBhvr>
+                                        <p:cTn id="18" dur="1" fill="hold">
+                                          <p:stCondLst>
+                                            <p:cond delay="0"/>
+                                          </p:stCondLst>
+                                        </p:cTn>
+                                        <p:tgtEl>
+                                          <p:spTgt spid="7"/>
+                                        </p:tgtEl>
+                                        <p:attrNameLst>
+                                          <p:attrName>style.visibility</p:attrName>
+                                        </p:attrNameLst>
+                                      </p:cBhvr>
+                                      <p:to>
+                                        <p:strVal val="visible"/>
+                                      </p:to>
+                                    </p:set>
+                                  </p:childTnLst>
+                                </p:cTn>
+                              </p:par>
+                            </p:childTnLst>
+                          </p:cTn>
+                        </p:par>
+                      </p:childTnLst>
+                    </p:cTn>
+                  </p:par>
+                </p:childTnLst>
+              </p:cTn>
+              <p:prevCondLst>
+                <p:cond evt="onPrev" delay="0">
+                  <p:tgtEl>
+                    <p:sldTgt/>
+                  </p:tgtEl>
+                </p:cond>
+              </p:prevCondLst>
+              <p:nextCondLst>
+                <p:cond evt="onNext" delay="0">
+                  <p:tgtEl>
+                    <p:sldTgt/>
+                  </p:tgtEl>
+                </p:cond>
+              </p:nextCondLst>
+            </p:seq>
+          </p:childTnLst>
+        </p:cTn>
+      </p:par>
+    </p:tnLst>
+    <p:bldLst>
+      <p:bldP spid="5" grpId="0"/>
+      <p:bldP spid="7" grpId="0"/>
+    </p:bldLst>
+  </p:timing>
+</p:sld>
+</file>
+
+<file path=ppt/slides/slide16.xml><?xml version="1.0" encoding="utf-8"?>
 <p:sld xmlns:a="http://schemas.openxmlformats.org/drawingml/2006/main" xmlns:r="http://schemas.openxmlformats.org/officeDocument/2006/relationships" xmlns:p="http://schemas.openxmlformats.org/presentationml/2006/main">
   <p:cSld>
     <p:spTree>
@@ -5901,7 +6845,7 @@
             <a:ext cx="12192000" cy="928467"/>
           </a:xfrm>
           <a:solidFill>
-            <a:srgbClr val="11DFAE"/>
+            <a:srgbClr val="1B55BE"/>
           </a:solidFill>
         </p:spPr>
         <p:txBody>
@@ -6065,6 +7009,147 @@
           </a:extLst>
         </p:spPr>
       </p:pic>
+      <p:pic>
+        <p:nvPicPr>
+          <p:cNvPr id="2" name="Picture 2" descr="Postman icon PNG and SVG Vector Free Download">
+            <a:extLst>
+              <a:ext uri="{FF2B5EF4-FFF2-40B4-BE49-F238E27FC236}">
+                <a16:creationId xmlns:a16="http://schemas.microsoft.com/office/drawing/2014/main" id="{58A26294-35F4-DB96-B8BB-E91B8C4C212E}"/>
+              </a:ext>
+            </a:extLst>
+          </p:cNvPr>
+          <p:cNvPicPr>
+            <a:picLocks noChangeAspect="1" noChangeArrowheads="1"/>
+          </p:cNvPicPr>
+          <p:nvPr/>
+        </p:nvPicPr>
+        <p:blipFill>
+          <a:blip r:embed="rId5">
+            <a:extLst>
+              <a:ext uri="{28A0092B-C50C-407E-A947-70E740481C1C}">
+                <a14:useLocalDpi xmlns:a14="http://schemas.microsoft.com/office/drawing/2010/main" val="0"/>
+              </a:ext>
+            </a:extLst>
+          </a:blip>
+          <a:srcRect/>
+          <a:stretch>
+            <a:fillRect/>
+          </a:stretch>
+        </p:blipFill>
+        <p:spPr bwMode="auto">
+          <a:xfrm>
+            <a:off x="1028847" y="4116852"/>
+            <a:ext cx="1581150" cy="1409700"/>
+          </a:xfrm>
+          <a:prstGeom prst="rect">
+            <a:avLst/>
+          </a:prstGeom>
+          <a:noFill/>
+          <a:extLst>
+            <a:ext uri="{909E8E84-426E-40DD-AFC4-6F175D3DCCD1}">
+              <a14:hiddenFill xmlns:a14="http://schemas.microsoft.com/office/drawing/2010/main">
+                <a:solidFill>
+                  <a:srgbClr val="FFFFFF"/>
+                </a:solidFill>
+              </a14:hiddenFill>
+            </a:ext>
+          </a:extLst>
+        </p:spPr>
+      </p:pic>
+      <p:pic>
+        <p:nvPicPr>
+          <p:cNvPr id="3" name="Picture 4" descr="Mongodb png images | PNGWing">
+            <a:extLst>
+              <a:ext uri="{FF2B5EF4-FFF2-40B4-BE49-F238E27FC236}">
+                <a16:creationId xmlns:a16="http://schemas.microsoft.com/office/drawing/2014/main" id="{409C7531-8BC0-5BE8-EF1F-0DF699E8AB10}"/>
+              </a:ext>
+            </a:extLst>
+          </p:cNvPr>
+          <p:cNvPicPr>
+            <a:picLocks noChangeAspect="1" noChangeArrowheads="1"/>
+          </p:cNvPicPr>
+          <p:nvPr/>
+        </p:nvPicPr>
+        <p:blipFill>
+          <a:blip r:embed="rId6">
+            <a:extLst>
+              <a:ext uri="{28A0092B-C50C-407E-A947-70E740481C1C}">
+                <a14:useLocalDpi xmlns:a14="http://schemas.microsoft.com/office/drawing/2010/main" val="0"/>
+              </a:ext>
+            </a:extLst>
+          </a:blip>
+          <a:srcRect/>
+          <a:stretch>
+            <a:fillRect/>
+          </a:stretch>
+        </p:blipFill>
+        <p:spPr bwMode="auto">
+          <a:xfrm>
+            <a:off x="4571999" y="4070642"/>
+            <a:ext cx="2588455" cy="1409700"/>
+          </a:xfrm>
+          <a:prstGeom prst="rect">
+            <a:avLst/>
+          </a:prstGeom>
+          <a:noFill/>
+          <a:extLst>
+            <a:ext uri="{909E8E84-426E-40DD-AFC4-6F175D3DCCD1}">
+              <a14:hiddenFill xmlns:a14="http://schemas.microsoft.com/office/drawing/2010/main">
+                <a:solidFill>
+                  <a:srgbClr val="FFFFFF"/>
+                </a:solidFill>
+              </a14:hiddenFill>
+            </a:ext>
+          </a:extLst>
+        </p:spPr>
+      </p:pic>
+      <p:pic>
+        <p:nvPicPr>
+          <p:cNvPr id="1030" name="Picture 6">
+            <a:extLst>
+              <a:ext uri="{FF2B5EF4-FFF2-40B4-BE49-F238E27FC236}">
+                <a16:creationId xmlns:a16="http://schemas.microsoft.com/office/drawing/2014/main" id="{A44EFA39-A443-5344-63EE-DA2936BADCB9}"/>
+              </a:ext>
+            </a:extLst>
+          </p:cNvPr>
+          <p:cNvPicPr>
+            <a:picLocks noChangeAspect="1" noChangeArrowheads="1"/>
+          </p:cNvPicPr>
+          <p:nvPr/>
+        </p:nvPicPr>
+        <p:blipFill>
+          <a:blip r:embed="rId7">
+            <a:extLst>
+              <a:ext uri="{28A0092B-C50C-407E-A947-70E740481C1C}">
+                <a14:useLocalDpi xmlns:a14="http://schemas.microsoft.com/office/drawing/2010/main" val="0"/>
+              </a:ext>
+            </a:extLst>
+          </a:blip>
+          <a:srcRect/>
+          <a:stretch>
+            <a:fillRect/>
+          </a:stretch>
+        </p:blipFill>
+        <p:spPr bwMode="auto">
+          <a:xfrm>
+            <a:off x="8772012" y="3953022"/>
+            <a:ext cx="2143125" cy="1894032"/>
+          </a:xfrm>
+          <a:prstGeom prst="rect">
+            <a:avLst/>
+          </a:prstGeom>
+          <a:noFill/>
+          <a:extLst>
+            <a:ext uri="{909E8E84-426E-40DD-AFC4-6F175D3DCCD1}">
+              <a14:hiddenFill xmlns:a14="http://schemas.microsoft.com/office/drawing/2010/main">
+                <a:solidFill>
+                  <a:srgbClr val="FFFFFF"/>
+                </a:solidFill>
+              </a14:hiddenFill>
+            </a:ext>
+          </a:extLst>
+        </p:spPr>
+      </p:pic>
     </p:spTree>
     <p:extLst>
       <p:ext uri="{BB962C8B-B14F-4D97-AF65-F5344CB8AC3E}">
@@ -6076,10 +7161,310 @@
     <a:masterClrMapping/>
   </p:clrMapOvr>
   <p:transition spd="med"/>
+  <p:timing>
+    <p:tnLst>
+      <p:par>
+        <p:cTn id="1" dur="indefinite" restart="never" nodeType="tmRoot">
+          <p:childTnLst>
+            <p:seq concurrent="1" nextAc="seek">
+              <p:cTn id="2" dur="indefinite" nodeType="mainSeq">
+                <p:childTnLst>
+                  <p:par>
+                    <p:cTn id="3" fill="hold">
+                      <p:stCondLst>
+                        <p:cond delay="indefinite"/>
+                      </p:stCondLst>
+                      <p:childTnLst>
+                        <p:par>
+                          <p:cTn id="4" fill="hold">
+                            <p:stCondLst>
+                              <p:cond delay="0"/>
+                            </p:stCondLst>
+                            <p:childTnLst>
+                              <p:par>
+                                <p:cTn id="5" presetID="1" presetClass="entr" presetSubtype="0" fill="hold" nodeType="clickEffect">
+                                  <p:stCondLst>
+                                    <p:cond delay="0"/>
+                                  </p:stCondLst>
+                                  <p:childTnLst>
+                                    <p:set>
+                                      <p:cBhvr>
+                                        <p:cTn id="6" dur="1" fill="hold">
+                                          <p:stCondLst>
+                                            <p:cond delay="0"/>
+                                          </p:stCondLst>
+                                        </p:cTn>
+                                        <p:tgtEl>
+                                          <p:spTgt spid="5"/>
+                                        </p:tgtEl>
+                                        <p:attrNameLst>
+                                          <p:attrName>style.visibility</p:attrName>
+                                        </p:attrNameLst>
+                                      </p:cBhvr>
+                                      <p:to>
+                                        <p:strVal val="visible"/>
+                                      </p:to>
+                                    </p:set>
+                                  </p:childTnLst>
+                                </p:cTn>
+                              </p:par>
+                            </p:childTnLst>
+                          </p:cTn>
+                        </p:par>
+                      </p:childTnLst>
+                    </p:cTn>
+                  </p:par>
+                  <p:par>
+                    <p:cTn id="7" fill="hold">
+                      <p:stCondLst>
+                        <p:cond delay="indefinite"/>
+                      </p:stCondLst>
+                      <p:childTnLst>
+                        <p:par>
+                          <p:cTn id="8" fill="hold">
+                            <p:stCondLst>
+                              <p:cond delay="0"/>
+                            </p:stCondLst>
+                            <p:childTnLst>
+                              <p:par>
+                                <p:cTn id="9" presetID="1" presetClass="entr" presetSubtype="0" fill="hold" nodeType="clickEffect">
+                                  <p:stCondLst>
+                                    <p:cond delay="0"/>
+                                  </p:stCondLst>
+                                  <p:childTnLst>
+                                    <p:set>
+                                      <p:cBhvr>
+                                        <p:cTn id="10" dur="1" fill="hold">
+                                          <p:stCondLst>
+                                            <p:cond delay="0"/>
+                                          </p:stCondLst>
+                                        </p:cTn>
+                                        <p:tgtEl>
+                                          <p:spTgt spid="1026"/>
+                                        </p:tgtEl>
+                                        <p:attrNameLst>
+                                          <p:attrName>style.visibility</p:attrName>
+                                        </p:attrNameLst>
+                                      </p:cBhvr>
+                                      <p:to>
+                                        <p:strVal val="visible"/>
+                                      </p:to>
+                                    </p:set>
+                                  </p:childTnLst>
+                                </p:cTn>
+                              </p:par>
+                            </p:childTnLst>
+                          </p:cTn>
+                        </p:par>
+                      </p:childTnLst>
+                    </p:cTn>
+                  </p:par>
+                  <p:par>
+                    <p:cTn id="11" fill="hold">
+                      <p:stCondLst>
+                        <p:cond delay="indefinite"/>
+                      </p:stCondLst>
+                      <p:childTnLst>
+                        <p:par>
+                          <p:cTn id="12" fill="hold">
+                            <p:stCondLst>
+                              <p:cond delay="0"/>
+                            </p:stCondLst>
+                            <p:childTnLst>
+                              <p:par>
+                                <p:cTn id="13" presetID="1" presetClass="entr" presetSubtype="0" fill="hold" nodeType="clickEffect">
+                                  <p:stCondLst>
+                                    <p:cond delay="0"/>
+                                  </p:stCondLst>
+                                  <p:childTnLst>
+                                    <p:set>
+                                      <p:cBhvr>
+                                        <p:cTn id="14" dur="1" fill="hold">
+                                          <p:stCondLst>
+                                            <p:cond delay="0"/>
+                                          </p:stCondLst>
+                                        </p:cTn>
+                                        <p:tgtEl>
+                                          <p:spTgt spid="1028"/>
+                                        </p:tgtEl>
+                                        <p:attrNameLst>
+                                          <p:attrName>style.visibility</p:attrName>
+                                        </p:attrNameLst>
+                                      </p:cBhvr>
+                                      <p:to>
+                                        <p:strVal val="visible"/>
+                                      </p:to>
+                                    </p:set>
+                                  </p:childTnLst>
+                                </p:cTn>
+                              </p:par>
+                            </p:childTnLst>
+                          </p:cTn>
+                        </p:par>
+                      </p:childTnLst>
+                    </p:cTn>
+                  </p:par>
+                  <p:par>
+                    <p:cTn id="15" fill="hold">
+                      <p:stCondLst>
+                        <p:cond delay="indefinite"/>
+                      </p:stCondLst>
+                      <p:childTnLst>
+                        <p:par>
+                          <p:cTn id="16" fill="hold">
+                            <p:stCondLst>
+                              <p:cond delay="0"/>
+                            </p:stCondLst>
+                            <p:childTnLst>
+                              <p:par>
+                                <p:cTn id="17" presetID="1" presetClass="entr" presetSubtype="0" fill="hold" nodeType="clickEffect">
+                                  <p:stCondLst>
+                                    <p:cond delay="0"/>
+                                  </p:stCondLst>
+                                  <p:childTnLst>
+                                    <p:set>
+                                      <p:cBhvr>
+                                        <p:cTn id="18" dur="1" fill="hold">
+                                          <p:stCondLst>
+                                            <p:cond delay="0"/>
+                                          </p:stCondLst>
+                                        </p:cTn>
+                                        <p:tgtEl>
+                                          <p:spTgt spid="2"/>
+                                        </p:tgtEl>
+                                        <p:attrNameLst>
+                                          <p:attrName>style.visibility</p:attrName>
+                                        </p:attrNameLst>
+                                      </p:cBhvr>
+                                      <p:to>
+                                        <p:strVal val="visible"/>
+                                      </p:to>
+                                    </p:set>
+                                  </p:childTnLst>
+                                </p:cTn>
+                              </p:par>
+                            </p:childTnLst>
+                          </p:cTn>
+                        </p:par>
+                      </p:childTnLst>
+                    </p:cTn>
+                  </p:par>
+                  <p:par>
+                    <p:cTn id="19" fill="hold">
+                      <p:stCondLst>
+                        <p:cond delay="indefinite"/>
+                      </p:stCondLst>
+                      <p:childTnLst>
+                        <p:par>
+                          <p:cTn id="20" fill="hold">
+                            <p:stCondLst>
+                              <p:cond delay="0"/>
+                            </p:stCondLst>
+                            <p:childTnLst>
+                              <p:par>
+                                <p:cTn id="21" presetID="1" presetClass="entr" presetSubtype="0" fill="hold" nodeType="clickEffect">
+                                  <p:stCondLst>
+                                    <p:cond delay="0"/>
+                                  </p:stCondLst>
+                                  <p:childTnLst>
+                                    <p:set>
+                                      <p:cBhvr>
+                                        <p:cTn id="22" dur="1" fill="hold">
+                                          <p:stCondLst>
+                                            <p:cond delay="0"/>
+                                          </p:stCondLst>
+                                        </p:cTn>
+                                        <p:tgtEl>
+                                          <p:spTgt spid="3"/>
+                                        </p:tgtEl>
+                                        <p:attrNameLst>
+                                          <p:attrName>style.visibility</p:attrName>
+                                        </p:attrNameLst>
+                                      </p:cBhvr>
+                                      <p:to>
+                                        <p:strVal val="visible"/>
+                                      </p:to>
+                                    </p:set>
+                                  </p:childTnLst>
+                                </p:cTn>
+                              </p:par>
+                            </p:childTnLst>
+                          </p:cTn>
+                        </p:par>
+                      </p:childTnLst>
+                    </p:cTn>
+                  </p:par>
+                  <p:par>
+                    <p:cTn id="23" fill="hold">
+                      <p:stCondLst>
+                        <p:cond delay="indefinite"/>
+                      </p:stCondLst>
+                      <p:childTnLst>
+                        <p:par>
+                          <p:cTn id="24" fill="hold">
+                            <p:stCondLst>
+                              <p:cond delay="0"/>
+                            </p:stCondLst>
+                            <p:childTnLst>
+                              <p:par>
+                                <p:cTn id="25" presetID="1" presetClass="entr" presetSubtype="0" fill="hold" nodeType="clickEffect">
+                                  <p:stCondLst>
+                                    <p:cond delay="0"/>
+                                  </p:stCondLst>
+                                  <p:childTnLst>
+                                    <p:set>
+                                      <p:cBhvr>
+                                        <p:cTn id="26" dur="1" fill="hold">
+                                          <p:stCondLst>
+                                            <p:cond delay="0"/>
+                                          </p:stCondLst>
+                                        </p:cTn>
+                                        <p:tgtEl>
+                                          <p:spTgt spid="1030"/>
+                                        </p:tgtEl>
+                                        <p:attrNameLst>
+                                          <p:attrName>style.visibility</p:attrName>
+                                        </p:attrNameLst>
+                                      </p:cBhvr>
+                                      <p:to>
+                                        <p:strVal val="visible"/>
+                                      </p:to>
+                                    </p:set>
+                                  </p:childTnLst>
+                                </p:cTn>
+                              </p:par>
+                            </p:childTnLst>
+                          </p:cTn>
+                        </p:par>
+                      </p:childTnLst>
+                    </p:cTn>
+                  </p:par>
+                </p:childTnLst>
+              </p:cTn>
+              <p:prevCondLst>
+                <p:cond evt="onPrev" delay="0">
+                  <p:tgtEl>
+                    <p:sldTgt/>
+                  </p:tgtEl>
+                </p:cond>
+              </p:prevCondLst>
+              <p:nextCondLst>
+                <p:cond evt="onNext" delay="0">
+                  <p:tgtEl>
+                    <p:sldTgt/>
+                  </p:tgtEl>
+                </p:cond>
+              </p:nextCondLst>
+            </p:seq>
+          </p:childTnLst>
+        </p:cTn>
+      </p:par>
+    </p:tnLst>
+  </p:timing>
 </p:sld>
 </file>
 
-<file path=ppt/slides/slide16.xml><?xml version="1.0" encoding="utf-8"?>
+<file path=ppt/slides/slide17.xml><?xml version="1.0" encoding="utf-8"?>
 <p:sld xmlns:a="http://schemas.openxmlformats.org/drawingml/2006/main" xmlns:r="http://schemas.openxmlformats.org/officeDocument/2006/relationships" xmlns:p="http://schemas.openxmlformats.org/presentationml/2006/main">
   <p:cSld>
     <p:spTree>
@@ -6482,7 +7867,7 @@
 </p:sld>
 </file>
 
-<file path=ppt/slides/slide17.xml><?xml version="1.0" encoding="utf-8"?>
+<file path=ppt/slides/slide18.xml><?xml version="1.0" encoding="utf-8"?>
 <p:sld xmlns:a="http://schemas.openxmlformats.org/drawingml/2006/main" xmlns:r="http://schemas.openxmlformats.org/officeDocument/2006/relationships" xmlns:p="http://schemas.openxmlformats.org/presentationml/2006/main">
   <p:cSld>
     <p:spTree>
@@ -6520,7 +7905,16 @@
           <a:bodyPr/>
           <a:lstStyle/>
           <a:p>
-            <a:endParaRPr lang="en-US"/>
+            <a:r>
+              <a:rPr lang="en-US" dirty="0"/>
+              <a:t>The user can be able to email the administrator incase they forget their passwords </a:t>
+            </a:r>
+          </a:p>
+          <a:p>
+            <a:r>
+              <a:rPr lang="en-US" dirty="0"/>
+              <a:t>Being able to dispatch the different savings into sections so as to be able to properly save</a:t>
+            </a:r>
           </a:p>
         </p:txBody>
       </p:sp>
@@ -6578,10 +7972,141 @@
     <a:masterClrMapping/>
   </p:clrMapOvr>
   <p:transition spd="med"/>
+  <p:timing>
+    <p:tnLst>
+      <p:par>
+        <p:cTn id="1" dur="indefinite" restart="never" nodeType="tmRoot">
+          <p:childTnLst>
+            <p:seq concurrent="1" nextAc="seek">
+              <p:cTn id="2" dur="indefinite" nodeType="mainSeq">
+                <p:childTnLst>
+                  <p:par>
+                    <p:cTn id="3" fill="hold">
+                      <p:stCondLst>
+                        <p:cond delay="indefinite"/>
+                      </p:stCondLst>
+                      <p:childTnLst>
+                        <p:par>
+                          <p:cTn id="4" fill="hold">
+                            <p:stCondLst>
+                              <p:cond delay="0"/>
+                            </p:stCondLst>
+                            <p:childTnLst>
+                              <p:par>
+                                <p:cTn id="5" presetID="1" presetClass="entr" presetSubtype="0" fill="hold" grpId="0" nodeType="clickEffect">
+                                  <p:stCondLst>
+                                    <p:cond delay="0"/>
+                                  </p:stCondLst>
+                                  <p:childTnLst>
+                                    <p:set>
+                                      <p:cBhvr>
+                                        <p:cTn id="6" dur="1" fill="hold">
+                                          <p:stCondLst>
+                                            <p:cond delay="0"/>
+                                          </p:stCondLst>
+                                        </p:cTn>
+                                        <p:tgtEl>
+                                          <p:spTgt spid="3">
+                                            <p:txEl>
+                                              <p:pRg st="0" end="0"/>
+                                            </p:txEl>
+                                          </p:spTgt>
+                                        </p:tgtEl>
+                                        <p:attrNameLst>
+                                          <p:attrName>style.visibility</p:attrName>
+                                        </p:attrNameLst>
+                                      </p:cBhvr>
+                                      <p:to>
+                                        <p:strVal val="visible"/>
+                                      </p:to>
+                                    </p:set>
+                                  </p:childTnLst>
+                                </p:cTn>
+                              </p:par>
+                            </p:childTnLst>
+                          </p:cTn>
+                        </p:par>
+                      </p:childTnLst>
+                    </p:cTn>
+                  </p:par>
+                  <p:par>
+                    <p:cTn id="7" fill="hold">
+                      <p:stCondLst>
+                        <p:cond delay="indefinite"/>
+                      </p:stCondLst>
+                      <p:childTnLst>
+                        <p:par>
+                          <p:cTn id="8" fill="hold">
+                            <p:stCondLst>
+                              <p:cond delay="0"/>
+                            </p:stCondLst>
+                            <p:childTnLst>
+                              <p:par>
+                                <p:cTn id="9" presetID="1" presetClass="entr" presetSubtype="0" fill="hold" grpId="0" nodeType="clickEffect">
+                                  <p:stCondLst>
+                                    <p:cond delay="0"/>
+                                  </p:stCondLst>
+                                  <p:childTnLst>
+                                    <p:set>
+                                      <p:cBhvr>
+                                        <p:cTn id="10" dur="1" fill="hold">
+                                          <p:stCondLst>
+                                            <p:cond delay="0"/>
+                                          </p:stCondLst>
+                                        </p:cTn>
+                                        <p:tgtEl>
+                                          <p:spTgt spid="3">
+                                            <p:txEl>
+                                              <p:pRg st="1" end="1"/>
+                                            </p:txEl>
+                                          </p:spTgt>
+                                        </p:tgtEl>
+                                        <p:attrNameLst>
+                                          <p:attrName>style.visibility</p:attrName>
+                                        </p:attrNameLst>
+                                      </p:cBhvr>
+                                      <p:to>
+                                        <p:strVal val="visible"/>
+                                      </p:to>
+                                    </p:set>
+                                  </p:childTnLst>
+                                </p:cTn>
+                              </p:par>
+                            </p:childTnLst>
+                          </p:cTn>
+                        </p:par>
+                      </p:childTnLst>
+                    </p:cTn>
+                  </p:par>
+                </p:childTnLst>
+              </p:cTn>
+              <p:prevCondLst>
+                <p:cond evt="onPrev" delay="0">
+                  <p:tgtEl>
+                    <p:sldTgt/>
+                  </p:tgtEl>
+                </p:cond>
+              </p:prevCondLst>
+              <p:nextCondLst>
+                <p:cond evt="onNext" delay="0">
+                  <p:tgtEl>
+                    <p:sldTgt/>
+                  </p:tgtEl>
+                </p:cond>
+              </p:nextCondLst>
+            </p:seq>
+          </p:childTnLst>
+        </p:cTn>
+      </p:par>
+    </p:tnLst>
+    <p:bldLst>
+      <p:bldP spid="3" grpId="0" build="p"/>
+    </p:bldLst>
+  </p:timing>
 </p:sld>
 </file>
 
-<file path=ppt/slides/slide18.xml><?xml version="1.0" encoding="utf-8"?>
+<file path=ppt/slides/slide19.xml><?xml version="1.0" encoding="utf-8"?>
 <p:sld xmlns:a="http://schemas.openxmlformats.org/drawingml/2006/main" xmlns:r="http://schemas.openxmlformats.org/officeDocument/2006/relationships" xmlns:p="http://schemas.openxmlformats.org/presentationml/2006/main">
   <p:cSld>
     <p:spTree>
@@ -6649,110 +8174,6 @@
     <p:extLst>
       <p:ext uri="{BB962C8B-B14F-4D97-AF65-F5344CB8AC3E}">
         <p14:creationId xmlns:p14="http://schemas.microsoft.com/office/powerpoint/2010/main" val="1260817272"/>
-      </p:ext>
-    </p:extLst>
-  </p:cSld>
-  <p:clrMapOvr>
-    <a:masterClrMapping/>
-  </p:clrMapOvr>
-  <p:transition spd="med"/>
-</p:sld>
-</file>
-
-<file path=ppt/slides/slide19.xml><?xml version="1.0" encoding="utf-8"?>
-<p:sld xmlns:a="http://schemas.openxmlformats.org/drawingml/2006/main" xmlns:r="http://schemas.openxmlformats.org/officeDocument/2006/relationships" xmlns:p="http://schemas.openxmlformats.org/presentationml/2006/main">
-  <p:cSld>
-    <p:spTree>
-      <p:nvGrpSpPr>
-        <p:cNvPr id="1" name=""/>
-        <p:cNvGrpSpPr/>
-        <p:nvPr/>
-      </p:nvGrpSpPr>
-      <p:grpSpPr>
-        <a:xfrm>
-          <a:off x="0" y="0"/>
-          <a:ext cx="0" cy="0"/>
-          <a:chOff x="0" y="0"/>
-          <a:chExt cx="0" cy="0"/>
-        </a:xfrm>
-      </p:grpSpPr>
-      <p:sp>
-        <p:nvSpPr>
-          <p:cNvPr id="3" name="Subtitle 2">
-            <a:extLst>
-              <a:ext uri="{FF2B5EF4-FFF2-40B4-BE49-F238E27FC236}">
-                <a16:creationId xmlns:a16="http://schemas.microsoft.com/office/drawing/2014/main" id="{64E4DC18-7118-B049-F35C-07DE1A19C0FF}"/>
-              </a:ext>
-            </a:extLst>
-          </p:cNvPr>
-          <p:cNvSpPr>
-            <a:spLocks noGrp="1"/>
-          </p:cNvSpPr>
-          <p:nvPr>
-            <p:ph type="subTitle" idx="1"/>
-          </p:nvPr>
-        </p:nvSpPr>
-        <p:spPr>
-          <a:xfrm>
-            <a:off x="1524000" y="1505243"/>
-            <a:ext cx="9144000" cy="3752557"/>
-          </a:xfrm>
-        </p:spPr>
-        <p:txBody>
-          <a:bodyPr/>
-          <a:lstStyle/>
-          <a:p>
-            <a:endParaRPr lang="en-US" dirty="0"/>
-          </a:p>
-        </p:txBody>
-      </p:sp>
-      <p:sp>
-        <p:nvSpPr>
-          <p:cNvPr id="4" name="Titre 1">
-            <a:extLst>
-              <a:ext uri="{FF2B5EF4-FFF2-40B4-BE49-F238E27FC236}">
-                <a16:creationId xmlns:a16="http://schemas.microsoft.com/office/drawing/2014/main" id="{65DB9152-5D21-3B0D-4777-EF5AB893A5CD}"/>
-              </a:ext>
-            </a:extLst>
-          </p:cNvPr>
-          <p:cNvSpPr>
-            <a:spLocks noGrp="1"/>
-          </p:cNvSpPr>
-          <p:nvPr>
-            <p:ph type="ctrTitle"/>
-          </p:nvPr>
-        </p:nvSpPr>
-        <p:spPr>
-          <a:xfrm>
-            <a:off x="0" y="0"/>
-            <a:ext cx="12192000" cy="787791"/>
-          </a:xfrm>
-          <a:solidFill>
-            <a:srgbClr val="11DFAE"/>
-          </a:solidFill>
-        </p:spPr>
-        <p:txBody>
-          <a:bodyPr>
-            <a:normAutofit fontScale="90000"/>
-          </a:bodyPr>
-          <a:lstStyle/>
-          <a:p>
-            <a:pPr algn="ctr"/>
-            <a:r>
-              <a:rPr lang="en-US" dirty="0">
-                <a:solidFill>
-                  <a:schemeClr val="bg1"/>
-                </a:solidFill>
-              </a:rPr>
-              <a:t>CONCLUSION</a:t>
-            </a:r>
-          </a:p>
-        </p:txBody>
-      </p:sp>
-    </p:spTree>
-    <p:extLst>
-      <p:ext uri="{BB962C8B-B14F-4D97-AF65-F5344CB8AC3E}">
-        <p14:creationId xmlns:p14="http://schemas.microsoft.com/office/powerpoint/2010/main" val="3136322765"/>
       </p:ext>
     </p:extLst>
   </p:cSld>
@@ -8030,6 +9451,110 @@
 </p:sld>
 </file>
 
+<file path=ppt/slides/slide20.xml><?xml version="1.0" encoding="utf-8"?>
+<p:sld xmlns:a="http://schemas.openxmlformats.org/drawingml/2006/main" xmlns:r="http://schemas.openxmlformats.org/officeDocument/2006/relationships" xmlns:p="http://schemas.openxmlformats.org/presentationml/2006/main">
+  <p:cSld>
+    <p:spTree>
+      <p:nvGrpSpPr>
+        <p:cNvPr id="1" name=""/>
+        <p:cNvGrpSpPr/>
+        <p:nvPr/>
+      </p:nvGrpSpPr>
+      <p:grpSpPr>
+        <a:xfrm>
+          <a:off x="0" y="0"/>
+          <a:ext cx="0" cy="0"/>
+          <a:chOff x="0" y="0"/>
+          <a:chExt cx="0" cy="0"/>
+        </a:xfrm>
+      </p:grpSpPr>
+      <p:sp>
+        <p:nvSpPr>
+          <p:cNvPr id="3" name="Subtitle 2">
+            <a:extLst>
+              <a:ext uri="{FF2B5EF4-FFF2-40B4-BE49-F238E27FC236}">
+                <a16:creationId xmlns:a16="http://schemas.microsoft.com/office/drawing/2014/main" id="{64E4DC18-7118-B049-F35C-07DE1A19C0FF}"/>
+              </a:ext>
+            </a:extLst>
+          </p:cNvPr>
+          <p:cNvSpPr>
+            <a:spLocks noGrp="1"/>
+          </p:cNvSpPr>
+          <p:nvPr>
+            <p:ph type="subTitle" idx="1"/>
+          </p:nvPr>
+        </p:nvSpPr>
+        <p:spPr>
+          <a:xfrm>
+            <a:off x="1524000" y="1505243"/>
+            <a:ext cx="9144000" cy="3752557"/>
+          </a:xfrm>
+        </p:spPr>
+        <p:txBody>
+          <a:bodyPr/>
+          <a:lstStyle/>
+          <a:p>
+            <a:endParaRPr lang="en-US" dirty="0"/>
+          </a:p>
+        </p:txBody>
+      </p:sp>
+      <p:sp>
+        <p:nvSpPr>
+          <p:cNvPr id="4" name="Titre 1">
+            <a:extLst>
+              <a:ext uri="{FF2B5EF4-FFF2-40B4-BE49-F238E27FC236}">
+                <a16:creationId xmlns:a16="http://schemas.microsoft.com/office/drawing/2014/main" id="{65DB9152-5D21-3B0D-4777-EF5AB893A5CD}"/>
+              </a:ext>
+            </a:extLst>
+          </p:cNvPr>
+          <p:cNvSpPr>
+            <a:spLocks noGrp="1"/>
+          </p:cNvSpPr>
+          <p:nvPr>
+            <p:ph type="ctrTitle"/>
+          </p:nvPr>
+        </p:nvSpPr>
+        <p:spPr>
+          <a:xfrm>
+            <a:off x="0" y="0"/>
+            <a:ext cx="12192000" cy="787791"/>
+          </a:xfrm>
+          <a:solidFill>
+            <a:srgbClr val="11DFAE"/>
+          </a:solidFill>
+        </p:spPr>
+        <p:txBody>
+          <a:bodyPr>
+            <a:normAutofit fontScale="90000"/>
+          </a:bodyPr>
+          <a:lstStyle/>
+          <a:p>
+            <a:pPr algn="ctr"/>
+            <a:r>
+              <a:rPr lang="en-US" dirty="0">
+                <a:solidFill>
+                  <a:schemeClr val="bg1"/>
+                </a:solidFill>
+              </a:rPr>
+              <a:t>CONCLUSION</a:t>
+            </a:r>
+          </a:p>
+        </p:txBody>
+      </p:sp>
+    </p:spTree>
+    <p:extLst>
+      <p:ext uri="{BB962C8B-B14F-4D97-AF65-F5344CB8AC3E}">
+        <p14:creationId xmlns:p14="http://schemas.microsoft.com/office/powerpoint/2010/main" val="3136322765"/>
+      </p:ext>
+    </p:extLst>
+  </p:cSld>
+  <p:clrMapOvr>
+    <a:masterClrMapping/>
+  </p:clrMapOvr>
+  <p:transition spd="med"/>
+</p:sld>
+</file>
+
 <file path=ppt/slides/slide3.xml><?xml version="1.0" encoding="utf-8"?>
 <p:sld xmlns:a="http://schemas.openxmlformats.org/drawingml/2006/main" xmlns:r="http://schemas.openxmlformats.org/officeDocument/2006/relationships" xmlns:p="http://schemas.openxmlformats.org/presentationml/2006/main">
   <p:cSld>
@@ -21590,7 +23115,7 @@
                             </p:stCondLst>
                             <p:childTnLst>
                               <p:par>
-                                <p:cTn id="5" presetID="31" presetClass="entr" presetSubtype="0" fill="hold" nodeType="clickEffect">
+                                <p:cTn id="5" presetID="1" presetClass="entr" presetSubtype="0" fill="hold" nodeType="clickEffect">
                                   <p:stCondLst>
                                     <p:cond delay="0"/>
                                   </p:stCondLst>
@@ -21613,83 +23138,55 @@
                                         <p:strVal val="visible"/>
                                       </p:to>
                                     </p:set>
-                                    <p:anim calcmode="lin" valueType="num">
+                                  </p:childTnLst>
+                                </p:cTn>
+                              </p:par>
+                            </p:childTnLst>
+                          </p:cTn>
+                        </p:par>
+                      </p:childTnLst>
+                    </p:cTn>
+                  </p:par>
+                  <p:par>
+                    <p:cTn id="7" fill="hold">
+                      <p:stCondLst>
+                        <p:cond delay="indefinite"/>
+                      </p:stCondLst>
+                      <p:childTnLst>
+                        <p:par>
+                          <p:cTn id="8" fill="hold">
+                            <p:stCondLst>
+                              <p:cond delay="0"/>
+                            </p:stCondLst>
+                            <p:childTnLst>
+                              <p:par>
+                                <p:cTn id="9" presetID="1" presetClass="entr" presetSubtype="0" fill="hold" grpId="0" nodeType="clickEffect">
+                                  <p:stCondLst>
+                                    <p:cond delay="0"/>
+                                  </p:stCondLst>
+                                  <p:childTnLst>
+                                    <p:set>
                                       <p:cBhvr>
-                                        <p:cTn id="7" dur="1000" fill="hold"/>
+                                        <p:cTn id="10" dur="1" fill="hold">
+                                          <p:stCondLst>
+                                            <p:cond delay="0"/>
+                                          </p:stCondLst>
+                                        </p:cTn>
                                         <p:tgtEl>
-                                          <p:spTgt spid="8"/>
+                                          <p:spTgt spid="7">
+                                            <p:txEl>
+                                              <p:pRg st="0" end="0"/>
+                                            </p:txEl>
+                                          </p:spTgt>
                                         </p:tgtEl>
                                         <p:attrNameLst>
-                                          <p:attrName>ppt_w</p:attrName>
+                                          <p:attrName>style.visibility</p:attrName>
                                         </p:attrNameLst>
                                       </p:cBhvr>
-                                      <p:tavLst>
-                                        <p:tav tm="0">
-                                          <p:val>
-                                            <p:fltVal val="0"/>
-                                          </p:val>
-                                        </p:tav>
-                                        <p:tav tm="100000">
-                                          <p:val>
-                                            <p:strVal val="#ppt_w"/>
-                                          </p:val>
-                                        </p:tav>
-                                      </p:tavLst>
-                                    </p:anim>
-                                    <p:anim calcmode="lin" valueType="num">
-                                      <p:cBhvr>
-                                        <p:cTn id="8" dur="1000" fill="hold"/>
-                                        <p:tgtEl>
-                                          <p:spTgt spid="8"/>
-                                        </p:tgtEl>
-                                        <p:attrNameLst>
-                                          <p:attrName>ppt_h</p:attrName>
-                                        </p:attrNameLst>
-                                      </p:cBhvr>
-                                      <p:tavLst>
-                                        <p:tav tm="0">
-                                          <p:val>
-                                            <p:fltVal val="0"/>
-                                          </p:val>
-                                        </p:tav>
-                                        <p:tav tm="100000">
-                                          <p:val>
-                                            <p:strVal val="#ppt_h"/>
-                                          </p:val>
-                                        </p:tav>
-                                      </p:tavLst>
-                                    </p:anim>
-                                    <p:anim calcmode="lin" valueType="num">
-                                      <p:cBhvr>
-                                        <p:cTn id="9" dur="1000" fill="hold"/>
-                                        <p:tgtEl>
-                                          <p:spTgt spid="8"/>
-                                        </p:tgtEl>
-                                        <p:attrNameLst>
-                                          <p:attrName>style.rotation</p:attrName>
-                                        </p:attrNameLst>
-                                      </p:cBhvr>
-                                      <p:tavLst>
-                                        <p:tav tm="0">
-                                          <p:val>
-                                            <p:fltVal val="90"/>
-                                          </p:val>
-                                        </p:tav>
-                                        <p:tav tm="100000">
-                                          <p:val>
-                                            <p:fltVal val="0"/>
-                                          </p:val>
-                                        </p:tav>
-                                      </p:tavLst>
-                                    </p:anim>
-                                    <p:animEffect transition="in" filter="fade">
-                                      <p:cBhvr>
-                                        <p:cTn id="10" dur="1000"/>
-                                        <p:tgtEl>
-                                          <p:spTgt spid="8"/>
-                                        </p:tgtEl>
-                                      </p:cBhvr>
-                                    </p:animEffect>
+                                      <p:to>
+                                        <p:strVal val="visible"/>
+                                      </p:to>
+                                    </p:set>
                                   </p:childTnLst>
                                 </p:cTn>
                               </p:par>
@@ -21720,6 +23217,9 @@
         </p:cTn>
       </p:par>
     </p:tnLst>
+    <p:bldLst>
+      <p:bldP spid="7" grpId="0" build="p"/>
+    </p:bldLst>
   </p:timing>
 </p:sld>
 </file>

--- a/Presentation1.pptx
+++ b/Presentation1.pptx
@@ -10,21 +10,18 @@
     <p:sldId id="262" r:id="rId4"/>
     <p:sldId id="278" r:id="rId5"/>
     <p:sldId id="279" r:id="rId6"/>
-    <p:sldId id="280" r:id="rId7"/>
-    <p:sldId id="263" r:id="rId8"/>
-    <p:sldId id="264" r:id="rId9"/>
-    <p:sldId id="267" r:id="rId10"/>
-    <p:sldId id="268" r:id="rId11"/>
-    <p:sldId id="269" r:id="rId12"/>
-    <p:sldId id="270" r:id="rId13"/>
-    <p:sldId id="271" r:id="rId14"/>
-    <p:sldId id="272" r:id="rId15"/>
-    <p:sldId id="281" r:id="rId16"/>
-    <p:sldId id="273" r:id="rId17"/>
-    <p:sldId id="274" r:id="rId18"/>
-    <p:sldId id="275" r:id="rId19"/>
-    <p:sldId id="266" r:id="rId20"/>
-    <p:sldId id="276" r:id="rId21"/>
+    <p:sldId id="267" r:id="rId7"/>
+    <p:sldId id="268" r:id="rId8"/>
+    <p:sldId id="269" r:id="rId9"/>
+    <p:sldId id="270" r:id="rId10"/>
+    <p:sldId id="271" r:id="rId11"/>
+    <p:sldId id="272" r:id="rId12"/>
+    <p:sldId id="281" r:id="rId13"/>
+    <p:sldId id="273" r:id="rId14"/>
+    <p:sldId id="274" r:id="rId15"/>
+    <p:sldId id="275" r:id="rId16"/>
+    <p:sldId id="266" r:id="rId17"/>
+    <p:sldId id="276" r:id="rId18"/>
   </p:sldIdLst>
   <p:sldSz cx="12192000" cy="6858000"/>
   <p:notesSz cx="6858000" cy="9144000"/>
@@ -278,7 +275,7 @@
           <a:p>
             <a:fld id="{9494DC9F-7EAA-4755-AD6E-941E28643ADA}" type="datetimeFigureOut">
               <a:rPr lang="en-US" smtClean="0"/>
-              <a:t>10/4/2024</a:t>
+              <a:t>10/6/2024</a:t>
             </a:fld>
             <a:endParaRPr lang="en-US"/>
           </a:p>
@@ -477,7 +474,7 @@
           <a:p>
             <a:fld id="{9494DC9F-7EAA-4755-AD6E-941E28643ADA}" type="datetimeFigureOut">
               <a:rPr lang="en-US" smtClean="0"/>
-              <a:t>10/4/2024</a:t>
+              <a:t>10/6/2024</a:t>
             </a:fld>
             <a:endParaRPr lang="en-US"/>
           </a:p>
@@ -686,7 +683,7 @@
           <a:p>
             <a:fld id="{9494DC9F-7EAA-4755-AD6E-941E28643ADA}" type="datetimeFigureOut">
               <a:rPr lang="en-US" smtClean="0"/>
-              <a:t>10/4/2024</a:t>
+              <a:t>10/6/2024</a:t>
             </a:fld>
             <a:endParaRPr lang="en-US"/>
           </a:p>
@@ -885,7 +882,7 @@
           <a:p>
             <a:fld id="{9494DC9F-7EAA-4755-AD6E-941E28643ADA}" type="datetimeFigureOut">
               <a:rPr lang="en-US" smtClean="0"/>
-              <a:t>10/4/2024</a:t>
+              <a:t>10/6/2024</a:t>
             </a:fld>
             <a:endParaRPr lang="en-US"/>
           </a:p>
@@ -1161,7 +1158,7 @@
           <a:p>
             <a:fld id="{9494DC9F-7EAA-4755-AD6E-941E28643ADA}" type="datetimeFigureOut">
               <a:rPr lang="en-US" smtClean="0"/>
-              <a:t>10/4/2024</a:t>
+              <a:t>10/6/2024</a:t>
             </a:fld>
             <a:endParaRPr lang="en-US"/>
           </a:p>
@@ -1427,7 +1424,7 @@
           <a:p>
             <a:fld id="{9494DC9F-7EAA-4755-AD6E-941E28643ADA}" type="datetimeFigureOut">
               <a:rPr lang="en-US" smtClean="0"/>
-              <a:t>10/4/2024</a:t>
+              <a:t>10/6/2024</a:t>
             </a:fld>
             <a:endParaRPr lang="en-US"/>
           </a:p>
@@ -1840,7 +1837,7 @@
           <a:p>
             <a:fld id="{9494DC9F-7EAA-4755-AD6E-941E28643ADA}" type="datetimeFigureOut">
               <a:rPr lang="en-US" smtClean="0"/>
-              <a:t>10/4/2024</a:t>
+              <a:t>10/6/2024</a:t>
             </a:fld>
             <a:endParaRPr lang="en-US"/>
           </a:p>
@@ -1982,7 +1979,7 @@
           <a:p>
             <a:fld id="{9494DC9F-7EAA-4755-AD6E-941E28643ADA}" type="datetimeFigureOut">
               <a:rPr lang="en-US" smtClean="0"/>
-              <a:t>10/4/2024</a:t>
+              <a:t>10/6/2024</a:t>
             </a:fld>
             <a:endParaRPr lang="en-US"/>
           </a:p>
@@ -2096,7 +2093,7 @@
           <a:p>
             <a:fld id="{9494DC9F-7EAA-4755-AD6E-941E28643ADA}" type="datetimeFigureOut">
               <a:rPr lang="en-US" smtClean="0"/>
-              <a:t>10/4/2024</a:t>
+              <a:t>10/6/2024</a:t>
             </a:fld>
             <a:endParaRPr lang="en-US"/>
           </a:p>
@@ -2408,7 +2405,7 @@
           <a:p>
             <a:fld id="{9494DC9F-7EAA-4755-AD6E-941E28643ADA}" type="datetimeFigureOut">
               <a:rPr lang="en-US" smtClean="0"/>
-              <a:t>10/4/2024</a:t>
+              <a:t>10/6/2024</a:t>
             </a:fld>
             <a:endParaRPr lang="en-US"/>
           </a:p>
@@ -2697,7 +2694,7 @@
           <a:p>
             <a:fld id="{9494DC9F-7EAA-4755-AD6E-941E28643ADA}" type="datetimeFigureOut">
               <a:rPr lang="en-US" smtClean="0"/>
-              <a:t>10/4/2024</a:t>
+              <a:t>10/6/2024</a:t>
             </a:fld>
             <a:endParaRPr lang="en-US"/>
           </a:p>
@@ -2939,7 +2936,7 @@
           <a:p>
             <a:fld id="{9494DC9F-7EAA-4755-AD6E-941E28643ADA}" type="datetimeFigureOut">
               <a:rPr lang="en-US" smtClean="0"/>
-              <a:t>10/4/2024</a:t>
+              <a:t>10/6/2024</a:t>
             </a:fld>
             <a:endParaRPr lang="en-US"/>
           </a:p>
@@ -4945,596 +4942,6 @@
           <p:cNvPr id="2" name="Title 1">
             <a:extLst>
               <a:ext uri="{FF2B5EF4-FFF2-40B4-BE49-F238E27FC236}">
-                <a16:creationId xmlns:a16="http://schemas.microsoft.com/office/drawing/2014/main" id="{01608BF1-6ABC-3E84-1A40-04B3F94FCE22}"/>
-              </a:ext>
-            </a:extLst>
-          </p:cNvPr>
-          <p:cNvSpPr>
-            <a:spLocks noGrp="1"/>
-          </p:cNvSpPr>
-          <p:nvPr>
-            <p:ph type="ctrTitle"/>
-          </p:nvPr>
-        </p:nvSpPr>
-        <p:spPr>
-          <a:xfrm>
-            <a:off x="0" y="0"/>
-            <a:ext cx="12192000" cy="1533377"/>
-          </a:xfrm>
-          <a:solidFill>
-            <a:srgbClr val="1B55BE"/>
-          </a:solidFill>
-        </p:spPr>
-        <p:txBody>
-          <a:bodyPr>
-            <a:normAutofit fontScale="90000"/>
-          </a:bodyPr>
-          <a:lstStyle/>
-          <a:p>
-            <a:r>
-              <a:rPr lang="en-US" dirty="0"/>
-              <a:t> </a:t>
-            </a:r>
-            <a:br>
-              <a:rPr lang="en-US" dirty="0"/>
-            </a:br>
-            <a:r>
-              <a:rPr lang="en-US" dirty="0"/>
-              <a:t>Proposed SOLUTION</a:t>
-            </a:r>
-            <a:br>
-              <a:rPr lang="en-US" dirty="0"/>
-            </a:br>
-            <a:endParaRPr lang="en-US" dirty="0"/>
-          </a:p>
-        </p:txBody>
-      </p:sp>
-      <p:sp>
-        <p:nvSpPr>
-          <p:cNvPr id="3" name="Subtitle 2">
-            <a:extLst>
-              <a:ext uri="{FF2B5EF4-FFF2-40B4-BE49-F238E27FC236}">
-                <a16:creationId xmlns:a16="http://schemas.microsoft.com/office/drawing/2014/main" id="{42541F94-10B0-2CF3-EACA-4F366CF7AFF4}"/>
-              </a:ext>
-            </a:extLst>
-          </p:cNvPr>
-          <p:cNvSpPr>
-            <a:spLocks noGrp="1"/>
-          </p:cNvSpPr>
-          <p:nvPr>
-            <p:ph type="subTitle" idx="1"/>
-          </p:nvPr>
-        </p:nvSpPr>
-        <p:spPr>
-          <a:xfrm>
-            <a:off x="0" y="1533377"/>
-            <a:ext cx="12192000" cy="5324623"/>
-          </a:xfrm>
-        </p:spPr>
-        <p:txBody>
-          <a:bodyPr/>
-          <a:lstStyle/>
-          <a:p>
-            <a:endParaRPr lang="en-US" dirty="0"/>
-          </a:p>
-        </p:txBody>
-      </p:sp>
-    </p:spTree>
-    <p:extLst>
-      <p:ext uri="{BB962C8B-B14F-4D97-AF65-F5344CB8AC3E}">
-        <p14:creationId xmlns:p14="http://schemas.microsoft.com/office/powerpoint/2010/main" val="424329479"/>
-      </p:ext>
-    </p:extLst>
-  </p:cSld>
-  <p:clrMapOvr>
-    <a:masterClrMapping/>
-  </p:clrMapOvr>
-  <p:transition spd="med"/>
-</p:sld>
-</file>
-
-<file path=ppt/slides/slide11.xml><?xml version="1.0" encoding="utf-8"?>
-<p:sld xmlns:a="http://schemas.openxmlformats.org/drawingml/2006/main" xmlns:r="http://schemas.openxmlformats.org/officeDocument/2006/relationships" xmlns:p="http://schemas.openxmlformats.org/presentationml/2006/main">
-  <p:cSld>
-    <p:spTree>
-      <p:nvGrpSpPr>
-        <p:cNvPr id="1" name=""/>
-        <p:cNvGrpSpPr/>
-        <p:nvPr/>
-      </p:nvGrpSpPr>
-      <p:grpSpPr>
-        <a:xfrm>
-          <a:off x="0" y="0"/>
-          <a:ext cx="0" cy="0"/>
-          <a:chOff x="0" y="0"/>
-          <a:chExt cx="0" cy="0"/>
-        </a:xfrm>
-      </p:grpSpPr>
-      <p:sp>
-        <p:nvSpPr>
-          <p:cNvPr id="4" name="Titre 1">
-            <a:extLst>
-              <a:ext uri="{FF2B5EF4-FFF2-40B4-BE49-F238E27FC236}">
-                <a16:creationId xmlns:a16="http://schemas.microsoft.com/office/drawing/2014/main" id="{B7839400-EAE4-5183-3B11-06D5EF4DD5A0}"/>
-              </a:ext>
-            </a:extLst>
-          </p:cNvPr>
-          <p:cNvSpPr>
-            <a:spLocks noGrp="1"/>
-          </p:cNvSpPr>
-          <p:nvPr>
-            <p:ph type="title"/>
-          </p:nvPr>
-        </p:nvSpPr>
-        <p:spPr>
-          <a:xfrm>
-            <a:off x="0" y="1"/>
-            <a:ext cx="12192000" cy="1357532"/>
-          </a:xfrm>
-          <a:solidFill>
-            <a:srgbClr val="6B90B2"/>
-          </a:solidFill>
-        </p:spPr>
-        <p:txBody>
-          <a:bodyPr/>
-          <a:lstStyle/>
-          <a:p>
-            <a:pPr algn="ctr"/>
-            <a:r>
-              <a:rPr lang="en-US" dirty="0">
-                <a:solidFill>
-                  <a:schemeClr val="bg1"/>
-                </a:solidFill>
-              </a:rPr>
-              <a:t>METHODOLOGY</a:t>
-            </a:r>
-          </a:p>
-        </p:txBody>
-      </p:sp>
-      <p:pic>
-        <p:nvPicPr>
-          <p:cNvPr id="7" name="Content Placeholder 8">
-            <a:extLst>
-              <a:ext uri="{FF2B5EF4-FFF2-40B4-BE49-F238E27FC236}">
-                <a16:creationId xmlns:a16="http://schemas.microsoft.com/office/drawing/2014/main" id="{732AF2F9-C089-0D70-7961-D190A482591F}"/>
-              </a:ext>
-            </a:extLst>
-          </p:cNvPr>
-          <p:cNvPicPr>
-            <a:picLocks noGrp="1" noChangeAspect="1"/>
-          </p:cNvPicPr>
-          <p:nvPr>
-            <p:ph sz="half" idx="1"/>
-          </p:nvPr>
-        </p:nvPicPr>
-        <p:blipFill>
-          <a:blip r:embed="rId2">
-            <a:extLst>
-              <a:ext uri="{28A0092B-C50C-407E-A947-70E740481C1C}">
-                <a14:useLocalDpi xmlns:a14="http://schemas.microsoft.com/office/drawing/2010/main" val="0"/>
-              </a:ext>
-            </a:extLst>
-          </a:blip>
-          <a:stretch>
-            <a:fillRect/>
-          </a:stretch>
-        </p:blipFill>
-        <p:spPr>
-          <a:xfrm>
-            <a:off x="438278" y="1797147"/>
-            <a:ext cx="5181600" cy="3263705"/>
-          </a:xfrm>
-          <a:prstGeom prst="rect">
-            <a:avLst/>
-          </a:prstGeom>
-        </p:spPr>
-      </p:pic>
-      <p:sp>
-        <p:nvSpPr>
-          <p:cNvPr id="9" name="TextBox 8">
-            <a:extLst>
-              <a:ext uri="{FF2B5EF4-FFF2-40B4-BE49-F238E27FC236}">
-                <a16:creationId xmlns:a16="http://schemas.microsoft.com/office/drawing/2014/main" id="{31049C20-BAA9-F4F4-FEA8-4119D99CEFC8}"/>
-              </a:ext>
-            </a:extLst>
-          </p:cNvPr>
-          <p:cNvSpPr txBox="1"/>
-          <p:nvPr/>
-        </p:nvSpPr>
-        <p:spPr>
-          <a:xfrm>
-            <a:off x="323557" y="5500468"/>
-            <a:ext cx="5296321" cy="1200329"/>
-          </a:xfrm>
-          <a:prstGeom prst="rect">
-            <a:avLst/>
-          </a:prstGeom>
-          <a:noFill/>
-        </p:spPr>
-        <p:txBody>
-          <a:bodyPr wrap="square" rtlCol="0">
-            <a:spAutoFit/>
-          </a:bodyPr>
-          <a:lstStyle/>
-          <a:p>
-            <a:r>
-              <a:rPr lang="en-US" sz="1800" b="1" dirty="0"/>
-              <a:t>An object oriented modeling language mainly used to model or analyze a system which focuses on user’s need</a:t>
-            </a:r>
-          </a:p>
-          <a:p>
-            <a:endParaRPr lang="en-US" dirty="0"/>
-          </a:p>
-        </p:txBody>
-      </p:sp>
-      <p:pic>
-        <p:nvPicPr>
-          <p:cNvPr id="10" name="Content Placeholder 9">
-            <a:extLst>
-              <a:ext uri="{FF2B5EF4-FFF2-40B4-BE49-F238E27FC236}">
-                <a16:creationId xmlns:a16="http://schemas.microsoft.com/office/drawing/2014/main" id="{4C3E7308-3BC9-FF9B-7074-62319B45A995}"/>
-              </a:ext>
-            </a:extLst>
-          </p:cNvPr>
-          <p:cNvPicPr>
-            <a:picLocks noGrp="1"/>
-          </p:cNvPicPr>
-          <p:nvPr>
-            <p:ph sz="half" idx="2"/>
-          </p:nvPr>
-        </p:nvPicPr>
-        <p:blipFill>
-          <a:blip r:embed="rId3">
-            <a:extLst>
-              <a:ext uri="{28A0092B-C50C-407E-A947-70E740481C1C}">
-                <a14:useLocalDpi xmlns:a14="http://schemas.microsoft.com/office/drawing/2010/main" val="0"/>
-              </a:ext>
-            </a:extLst>
-          </a:blip>
-          <a:stretch>
-            <a:fillRect/>
-          </a:stretch>
-        </p:blipFill>
-        <p:spPr>
-          <a:xfrm>
-            <a:off x="6172200" y="2067951"/>
-            <a:ext cx="5181600" cy="4424924"/>
-          </a:xfrm>
-          <a:prstGeom prst="rect">
-            <a:avLst/>
-          </a:prstGeom>
-        </p:spPr>
-      </p:pic>
-    </p:spTree>
-    <p:extLst>
-      <p:ext uri="{BB962C8B-B14F-4D97-AF65-F5344CB8AC3E}">
-        <p14:creationId xmlns:p14="http://schemas.microsoft.com/office/powerpoint/2010/main" val="953501097"/>
-      </p:ext>
-    </p:extLst>
-  </p:cSld>
-  <p:clrMapOvr>
-    <a:masterClrMapping/>
-  </p:clrMapOvr>
-  <p:transition spd="med"/>
-  <p:timing>
-    <p:tnLst>
-      <p:par>
-        <p:cTn id="1" dur="indefinite" restart="never" nodeType="tmRoot">
-          <p:childTnLst>
-            <p:seq concurrent="1" nextAc="seek">
-              <p:cTn id="2" dur="indefinite" nodeType="mainSeq">
-                <p:childTnLst>
-                  <p:par>
-                    <p:cTn id="3" fill="hold">
-                      <p:stCondLst>
-                        <p:cond delay="indefinite"/>
-                      </p:stCondLst>
-                      <p:childTnLst>
-                        <p:par>
-                          <p:cTn id="4" fill="hold">
-                            <p:stCondLst>
-                              <p:cond delay="0"/>
-                            </p:stCondLst>
-                            <p:childTnLst>
-                              <p:par>
-                                <p:cTn id="5" presetID="1" presetClass="entr" presetSubtype="0" fill="hold" nodeType="clickEffect">
-                                  <p:stCondLst>
-                                    <p:cond delay="0"/>
-                                  </p:stCondLst>
-                                  <p:childTnLst>
-                                    <p:set>
-                                      <p:cBhvr>
-                                        <p:cTn id="6" dur="1" fill="hold">
-                                          <p:stCondLst>
-                                            <p:cond delay="0"/>
-                                          </p:stCondLst>
-                                        </p:cTn>
-                                        <p:tgtEl>
-                                          <p:spTgt spid="7"/>
-                                        </p:tgtEl>
-                                        <p:attrNameLst>
-                                          <p:attrName>style.visibility</p:attrName>
-                                        </p:attrNameLst>
-                                      </p:cBhvr>
-                                      <p:to>
-                                        <p:strVal val="visible"/>
-                                      </p:to>
-                                    </p:set>
-                                  </p:childTnLst>
-                                </p:cTn>
-                              </p:par>
-                            </p:childTnLst>
-                          </p:cTn>
-                        </p:par>
-                      </p:childTnLst>
-                    </p:cTn>
-                  </p:par>
-                  <p:par>
-                    <p:cTn id="7" fill="hold">
-                      <p:stCondLst>
-                        <p:cond delay="indefinite"/>
-                      </p:stCondLst>
-                      <p:childTnLst>
-                        <p:par>
-                          <p:cTn id="8" fill="hold">
-                            <p:stCondLst>
-                              <p:cond delay="0"/>
-                            </p:stCondLst>
-                            <p:childTnLst>
-                              <p:par>
-                                <p:cTn id="9" presetID="1" presetClass="entr" presetSubtype="0" fill="hold" grpId="0" nodeType="clickEffect">
-                                  <p:stCondLst>
-                                    <p:cond delay="0"/>
-                                  </p:stCondLst>
-                                  <p:childTnLst>
-                                    <p:set>
-                                      <p:cBhvr>
-                                        <p:cTn id="10" dur="1" fill="hold">
-                                          <p:stCondLst>
-                                            <p:cond delay="0"/>
-                                          </p:stCondLst>
-                                        </p:cTn>
-                                        <p:tgtEl>
-                                          <p:spTgt spid="9"/>
-                                        </p:tgtEl>
-                                        <p:attrNameLst>
-                                          <p:attrName>style.visibility</p:attrName>
-                                        </p:attrNameLst>
-                                      </p:cBhvr>
-                                      <p:to>
-                                        <p:strVal val="visible"/>
-                                      </p:to>
-                                    </p:set>
-                                  </p:childTnLst>
-                                </p:cTn>
-                              </p:par>
-                            </p:childTnLst>
-                          </p:cTn>
-                        </p:par>
-                      </p:childTnLst>
-                    </p:cTn>
-                  </p:par>
-                  <p:par>
-                    <p:cTn id="11" fill="hold">
-                      <p:stCondLst>
-                        <p:cond delay="indefinite"/>
-                      </p:stCondLst>
-                      <p:childTnLst>
-                        <p:par>
-                          <p:cTn id="12" fill="hold">
-                            <p:stCondLst>
-                              <p:cond delay="0"/>
-                            </p:stCondLst>
-                            <p:childTnLst>
-                              <p:par>
-                                <p:cTn id="13" presetID="1" presetClass="entr" presetSubtype="0" fill="hold" nodeType="clickEffect">
-                                  <p:stCondLst>
-                                    <p:cond delay="0"/>
-                                  </p:stCondLst>
-                                  <p:childTnLst>
-                                    <p:set>
-                                      <p:cBhvr>
-                                        <p:cTn id="14" dur="1" fill="hold">
-                                          <p:stCondLst>
-                                            <p:cond delay="0"/>
-                                          </p:stCondLst>
-                                        </p:cTn>
-                                        <p:tgtEl>
-                                          <p:spTgt spid="10"/>
-                                        </p:tgtEl>
-                                        <p:attrNameLst>
-                                          <p:attrName>style.visibility</p:attrName>
-                                        </p:attrNameLst>
-                                      </p:cBhvr>
-                                      <p:to>
-                                        <p:strVal val="visible"/>
-                                      </p:to>
-                                    </p:set>
-                                  </p:childTnLst>
-                                </p:cTn>
-                              </p:par>
-                            </p:childTnLst>
-                          </p:cTn>
-                        </p:par>
-                      </p:childTnLst>
-                    </p:cTn>
-                  </p:par>
-                </p:childTnLst>
-              </p:cTn>
-              <p:prevCondLst>
-                <p:cond evt="onPrev" delay="0">
-                  <p:tgtEl>
-                    <p:sldTgt/>
-                  </p:tgtEl>
-                </p:cond>
-              </p:prevCondLst>
-              <p:nextCondLst>
-                <p:cond evt="onNext" delay="0">
-                  <p:tgtEl>
-                    <p:sldTgt/>
-                  </p:tgtEl>
-                </p:cond>
-              </p:nextCondLst>
-            </p:seq>
-          </p:childTnLst>
-        </p:cTn>
-      </p:par>
-    </p:tnLst>
-    <p:bldLst>
-      <p:bldP spid="9" grpId="0"/>
-    </p:bldLst>
-  </p:timing>
-</p:sld>
-</file>
-
-<file path=ppt/slides/slide12.xml><?xml version="1.0" encoding="utf-8"?>
-<p:sld xmlns:a="http://schemas.openxmlformats.org/drawingml/2006/main" xmlns:r="http://schemas.openxmlformats.org/officeDocument/2006/relationships" xmlns:p="http://schemas.openxmlformats.org/presentationml/2006/main">
-  <p:cSld>
-    <p:spTree>
-      <p:nvGrpSpPr>
-        <p:cNvPr id="1" name=""/>
-        <p:cNvGrpSpPr/>
-        <p:nvPr/>
-      </p:nvGrpSpPr>
-      <p:grpSpPr>
-        <a:xfrm>
-          <a:off x="0" y="0"/>
-          <a:ext cx="0" cy="0"/>
-          <a:chOff x="0" y="0"/>
-          <a:chExt cx="0" cy="0"/>
-        </a:xfrm>
-      </p:grpSpPr>
-      <p:sp>
-        <p:nvSpPr>
-          <p:cNvPr id="5" name="Title 4">
-            <a:extLst>
-              <a:ext uri="{FF2B5EF4-FFF2-40B4-BE49-F238E27FC236}">
-                <a16:creationId xmlns:a16="http://schemas.microsoft.com/office/drawing/2014/main" id="{51DCF938-31DD-F5BE-25A6-A3F728432D49}"/>
-              </a:ext>
-            </a:extLst>
-          </p:cNvPr>
-          <p:cNvSpPr>
-            <a:spLocks noGrp="1"/>
-          </p:cNvSpPr>
-          <p:nvPr>
-            <p:ph type="ctrTitle"/>
-          </p:nvPr>
-        </p:nvSpPr>
-        <p:spPr>
-          <a:xfrm>
-            <a:off x="0" y="0"/>
-            <a:ext cx="12192000" cy="858129"/>
-          </a:xfrm>
-        </p:spPr>
-        <p:txBody>
-          <a:bodyPr>
-            <a:normAutofit fontScale="90000"/>
-          </a:bodyPr>
-          <a:lstStyle/>
-          <a:p>
-            <a:r>
-              <a:rPr lang="en-US" dirty="0"/>
-              <a:t>USE CASE DIAGRAM</a:t>
-            </a:r>
-          </a:p>
-        </p:txBody>
-      </p:sp>
-      <p:sp>
-        <p:nvSpPr>
-          <p:cNvPr id="6" name="Subtitle 5">
-            <a:extLst>
-              <a:ext uri="{FF2B5EF4-FFF2-40B4-BE49-F238E27FC236}">
-                <a16:creationId xmlns:a16="http://schemas.microsoft.com/office/drawing/2014/main" id="{CF2D5970-61DD-F803-7C2C-D87DAB95CDFF}"/>
-              </a:ext>
-            </a:extLst>
-          </p:cNvPr>
-          <p:cNvSpPr>
-            <a:spLocks noGrp="1"/>
-          </p:cNvSpPr>
-          <p:nvPr>
-            <p:ph type="subTitle" idx="1"/>
-          </p:nvPr>
-        </p:nvSpPr>
-        <p:spPr>
-          <a:xfrm>
-            <a:off x="1524000" y="1406769"/>
-            <a:ext cx="9144000" cy="3851031"/>
-          </a:xfrm>
-        </p:spPr>
-        <p:txBody>
-          <a:bodyPr/>
-          <a:lstStyle/>
-          <a:p>
-            <a:endParaRPr lang="en-US" dirty="0"/>
-          </a:p>
-        </p:txBody>
-      </p:sp>
-      <p:pic>
-        <p:nvPicPr>
-          <p:cNvPr id="7" name="Picture 6">
-            <a:extLst>
-              <a:ext uri="{FF2B5EF4-FFF2-40B4-BE49-F238E27FC236}">
-                <a16:creationId xmlns:a16="http://schemas.microsoft.com/office/drawing/2014/main" id="{7A16F7BF-EA25-654E-E12A-B73105AEB77A}"/>
-              </a:ext>
-            </a:extLst>
-          </p:cNvPr>
-          <p:cNvPicPr>
-            <a:picLocks noChangeAspect="1"/>
-          </p:cNvPicPr>
-          <p:nvPr/>
-        </p:nvPicPr>
-        <p:blipFill>
-          <a:blip r:embed="rId2"/>
-          <a:stretch>
-            <a:fillRect/>
-          </a:stretch>
-        </p:blipFill>
-        <p:spPr>
-          <a:xfrm>
-            <a:off x="618977" y="1105852"/>
-            <a:ext cx="10930597" cy="5435625"/>
-          </a:xfrm>
-          <a:prstGeom prst="rect">
-            <a:avLst/>
-          </a:prstGeom>
-        </p:spPr>
-      </p:pic>
-    </p:spTree>
-    <p:extLst>
-      <p:ext uri="{BB962C8B-B14F-4D97-AF65-F5344CB8AC3E}">
-        <p14:creationId xmlns:p14="http://schemas.microsoft.com/office/powerpoint/2010/main" val="3331684452"/>
-      </p:ext>
-    </p:extLst>
-  </p:cSld>
-  <p:clrMapOvr>
-    <a:masterClrMapping/>
-  </p:clrMapOvr>
-  <p:transition spd="med"/>
-</p:sld>
-</file>
-
-<file path=ppt/slides/slide13.xml><?xml version="1.0" encoding="utf-8"?>
-<p:sld xmlns:a="http://schemas.openxmlformats.org/drawingml/2006/main" xmlns:r="http://schemas.openxmlformats.org/officeDocument/2006/relationships" xmlns:p="http://schemas.openxmlformats.org/presentationml/2006/main">
-  <p:cSld>
-    <p:spTree>
-      <p:nvGrpSpPr>
-        <p:cNvPr id="1" name=""/>
-        <p:cNvGrpSpPr/>
-        <p:nvPr/>
-      </p:nvGrpSpPr>
-      <p:grpSpPr>
-        <a:xfrm>
-          <a:off x="0" y="0"/>
-          <a:ext cx="0" cy="0"/>
-          <a:chOff x="0" y="0"/>
-          <a:chExt cx="0" cy="0"/>
-        </a:xfrm>
-      </p:grpSpPr>
-      <p:sp>
-        <p:nvSpPr>
-          <p:cNvPr id="2" name="Title 1">
-            <a:extLst>
-              <a:ext uri="{FF2B5EF4-FFF2-40B4-BE49-F238E27FC236}">
                 <a16:creationId xmlns:a16="http://schemas.microsoft.com/office/drawing/2014/main" id="{F20D2E4C-95F3-4EAF-E847-895804DA3D12}"/>
               </a:ext>
             </a:extLst>
@@ -5602,10 +5009,10 @@
       </p:sp>
       <p:pic>
         <p:nvPicPr>
-          <p:cNvPr id="4" name="Picture 3">
+          <p:cNvPr id="5" name="Picture 4">
             <a:extLst>
               <a:ext uri="{FF2B5EF4-FFF2-40B4-BE49-F238E27FC236}">
-                <a16:creationId xmlns:a16="http://schemas.microsoft.com/office/drawing/2014/main" id="{E62B068D-8446-F3D1-8844-7DC66EC559B8}"/>
+                <a16:creationId xmlns:a16="http://schemas.microsoft.com/office/drawing/2014/main" id="{5701E74E-1C60-1CB1-A37F-7DB105DB0B99}"/>
               </a:ext>
             </a:extLst>
           </p:cNvPr>
@@ -5623,7 +5030,7 @@
         <p:spPr>
           <a:xfrm>
             <a:off x="0" y="1181686"/>
-            <a:ext cx="12093525" cy="5711483"/>
+            <a:ext cx="12093526" cy="5676313"/>
           </a:xfrm>
           <a:prstGeom prst="rect">
             <a:avLst/>
@@ -5641,85 +5048,10 @@
     <a:masterClrMapping/>
   </p:clrMapOvr>
   <p:transition spd="med"/>
-  <p:timing>
-    <p:tnLst>
-      <p:par>
-        <p:cTn id="1" dur="indefinite" restart="never" nodeType="tmRoot">
-          <p:childTnLst>
-            <p:seq concurrent="1" nextAc="seek">
-              <p:cTn id="2" dur="indefinite" nodeType="mainSeq">
-                <p:childTnLst>
-                  <p:par>
-                    <p:cTn id="3" fill="hold">
-                      <p:stCondLst>
-                        <p:cond delay="indefinite"/>
-                      </p:stCondLst>
-                      <p:childTnLst>
-                        <p:par>
-                          <p:cTn id="4" fill="hold">
-                            <p:stCondLst>
-                              <p:cond delay="0"/>
-                            </p:stCondLst>
-                            <p:childTnLst>
-                              <p:par>
-                                <p:cTn id="5" presetID="1" presetClass="entr" presetSubtype="0" fill="hold" nodeType="clickEffect">
-                                  <p:stCondLst>
-                                    <p:cond delay="0"/>
-                                  </p:stCondLst>
-                                  <p:childTnLst>
-                                    <p:set>
-                                      <p:cBhvr>
-                                        <p:cTn id="6" dur="1" fill="hold">
-                                          <p:stCondLst>
-                                            <p:cond delay="0"/>
-                                          </p:stCondLst>
-                                        </p:cTn>
-                                        <p:tgtEl>
-                                          <p:spTgt spid="4"/>
-                                        </p:tgtEl>
-                                        <p:attrNameLst>
-                                          <p:attrName>style.visibility</p:attrName>
-                                        </p:attrNameLst>
-                                      </p:cBhvr>
-                                      <p:to>
-                                        <p:strVal val="visible"/>
-                                      </p:to>
-                                    </p:set>
-                                  </p:childTnLst>
-                                </p:cTn>
-                              </p:par>
-                            </p:childTnLst>
-                          </p:cTn>
-                        </p:par>
-                      </p:childTnLst>
-                    </p:cTn>
-                  </p:par>
-                </p:childTnLst>
-              </p:cTn>
-              <p:prevCondLst>
-                <p:cond evt="onPrev" delay="0">
-                  <p:tgtEl>
-                    <p:sldTgt/>
-                  </p:tgtEl>
-                </p:cond>
-              </p:prevCondLst>
-              <p:nextCondLst>
-                <p:cond evt="onNext" delay="0">
-                  <p:tgtEl>
-                    <p:sldTgt/>
-                  </p:tgtEl>
-                </p:cond>
-              </p:nextCondLst>
-            </p:seq>
-          </p:childTnLst>
-        </p:cTn>
-      </p:par>
-    </p:tnLst>
-  </p:timing>
 </p:sld>
 </file>
 
-<file path=ppt/slides/slide14.xml><?xml version="1.0" encoding="utf-8"?>
+<file path=ppt/slides/slide11.xml><?xml version="1.0" encoding="utf-8"?>
 <p:sld xmlns:a="http://schemas.openxmlformats.org/drawingml/2006/main" xmlns:r="http://schemas.openxmlformats.org/officeDocument/2006/relationships" xmlns:p="http://schemas.openxmlformats.org/presentationml/2006/main">
   <p:cSld>
     <p:spTree>
@@ -5849,85 +5181,10 @@
     <a:masterClrMapping/>
   </p:clrMapOvr>
   <p:transition spd="med"/>
-  <p:timing>
-    <p:tnLst>
-      <p:par>
-        <p:cTn id="1" dur="indefinite" restart="never" nodeType="tmRoot">
-          <p:childTnLst>
-            <p:seq concurrent="1" nextAc="seek">
-              <p:cTn id="2" dur="indefinite" nodeType="mainSeq">
-                <p:childTnLst>
-                  <p:par>
-                    <p:cTn id="3" fill="hold">
-                      <p:stCondLst>
-                        <p:cond delay="indefinite"/>
-                      </p:stCondLst>
-                      <p:childTnLst>
-                        <p:par>
-                          <p:cTn id="4" fill="hold">
-                            <p:stCondLst>
-                              <p:cond delay="0"/>
-                            </p:stCondLst>
-                            <p:childTnLst>
-                              <p:par>
-                                <p:cTn id="5" presetID="1" presetClass="entr" presetSubtype="0" fill="hold" nodeType="clickEffect">
-                                  <p:stCondLst>
-                                    <p:cond delay="0"/>
-                                  </p:stCondLst>
-                                  <p:childTnLst>
-                                    <p:set>
-                                      <p:cBhvr>
-                                        <p:cTn id="6" dur="1" fill="hold">
-                                          <p:stCondLst>
-                                            <p:cond delay="0"/>
-                                          </p:stCondLst>
-                                        </p:cTn>
-                                        <p:tgtEl>
-                                          <p:spTgt spid="6"/>
-                                        </p:tgtEl>
-                                        <p:attrNameLst>
-                                          <p:attrName>style.visibility</p:attrName>
-                                        </p:attrNameLst>
-                                      </p:cBhvr>
-                                      <p:to>
-                                        <p:strVal val="visible"/>
-                                      </p:to>
-                                    </p:set>
-                                  </p:childTnLst>
-                                </p:cTn>
-                              </p:par>
-                            </p:childTnLst>
-                          </p:cTn>
-                        </p:par>
-                      </p:childTnLst>
-                    </p:cTn>
-                  </p:par>
-                </p:childTnLst>
-              </p:cTn>
-              <p:prevCondLst>
-                <p:cond evt="onPrev" delay="0">
-                  <p:tgtEl>
-                    <p:sldTgt/>
-                  </p:tgtEl>
-                </p:cond>
-              </p:prevCondLst>
-              <p:nextCondLst>
-                <p:cond evt="onNext" delay="0">
-                  <p:tgtEl>
-                    <p:sldTgt/>
-                  </p:tgtEl>
-                </p:cond>
-              </p:nextCondLst>
-            </p:seq>
-          </p:childTnLst>
-        </p:cTn>
-      </p:par>
-    </p:tnLst>
-  </p:timing>
 </p:sld>
 </file>
 
-<file path=ppt/slides/slide15.xml><?xml version="1.0" encoding="utf-8"?>
+<file path=ppt/slides/slide12.xml><?xml version="1.0" encoding="utf-8"?>
 <p:sld xmlns:a="http://schemas.openxmlformats.org/drawingml/2006/main" xmlns:r="http://schemas.openxmlformats.org/officeDocument/2006/relationships" xmlns:p="http://schemas.openxmlformats.org/presentationml/2006/main">
   <p:cSld>
     <p:spTree>
@@ -6222,12 +5479,22 @@
           </a:lstStyle>
           <a:p>
             <a:r>
-              <a:rPr lang="fr-FR" sz="3600" dirty="0">
+              <a:rPr lang="fr-FR" sz="3600" b="1" dirty="0">
                 <a:solidFill>
                   <a:schemeClr val="bg1"/>
                 </a:solidFill>
+                <a:latin typeface="Algerian" panose="04020705040A02060702" pitchFamily="82" charset="0"/>
               </a:rPr>
-              <a:t>System Deployment diagram</a:t>
+              <a:t>Architecture </a:t>
+            </a:r>
+            <a:r>
+              <a:rPr lang="fr-FR" sz="3600" b="1" dirty="0" err="1">
+                <a:solidFill>
+                  <a:schemeClr val="bg1"/>
+                </a:solidFill>
+                <a:latin typeface="Algerian" panose="04020705040A02060702" pitchFamily="82" charset="0"/>
+              </a:rPr>
+              <a:t>used</a:t>
             </a:r>
             <a:endParaRPr lang="en-US" sz="3600" b="1" dirty="0">
               <a:solidFill>
@@ -6610,7 +5877,7 @@
                             </p:stCondLst>
                             <p:childTnLst>
                               <p:par>
-                                <p:cTn id="5" presetID="1" presetClass="entr" presetSubtype="0" fill="hold" nodeType="clickEffect">
+                                <p:cTn id="5" presetID="1" presetClass="entr" presetSubtype="0" fill="hold" grpId="0" nodeType="clickEffect">
                                   <p:stCondLst>
                                     <p:cond delay="0"/>
                                   </p:stCondLst>
@@ -6618,6 +5885,33 @@
                                     <p:set>
                                       <p:cBhvr>
                                         <p:cTn id="6" dur="1" fill="hold">
+                                          <p:stCondLst>
+                                            <p:cond delay="0"/>
+                                          </p:stCondLst>
+                                        </p:cTn>
+                                        <p:tgtEl>
+                                          <p:spTgt spid="5"/>
+                                        </p:tgtEl>
+                                        <p:attrNameLst>
+                                          <p:attrName>style.visibility</p:attrName>
+                                        </p:attrNameLst>
+                                      </p:cBhvr>
+                                      <p:to>
+                                        <p:strVal val="visible"/>
+                                      </p:to>
+                                    </p:set>
+                                  </p:childTnLst>
+                                </p:cTn>
+                              </p:par>
+                              <p:par>
+                                <p:cTn id="7" presetID="1" presetClass="entr" presetSubtype="0" fill="hold" nodeType="withEffect">
+                                  <p:stCondLst>
+                                    <p:cond delay="0"/>
+                                  </p:stCondLst>
+                                  <p:childTnLst>
+                                    <p:set>
+                                      <p:cBhvr>
+                                        <p:cTn id="8" dur="1" fill="hold">
                                           <p:stCondLst>
                                             <p:cond delay="0"/>
                                           </p:stCondLst>
@@ -6643,32 +5937,32 @@
                     </p:cTn>
                   </p:par>
                   <p:par>
-                    <p:cTn id="7" fill="hold">
+                    <p:cTn id="9" fill="hold">
                       <p:stCondLst>
                         <p:cond delay="indefinite"/>
                       </p:stCondLst>
                       <p:childTnLst>
                         <p:par>
-                          <p:cTn id="8" fill="hold">
+                          <p:cTn id="10" fill="hold">
                             <p:stCondLst>
                               <p:cond delay="0"/>
                             </p:stCondLst>
                             <p:childTnLst>
                               <p:par>
-                                <p:cTn id="9" presetID="1" presetClass="entr" presetSubtype="0" fill="hold" grpId="0" nodeType="clickEffect">
+                                <p:cTn id="11" presetID="1" presetClass="entr" presetSubtype="0" fill="hold" grpId="0" nodeType="clickEffect">
                                   <p:stCondLst>
                                     <p:cond delay="0"/>
                                   </p:stCondLst>
                                   <p:childTnLst>
                                     <p:set>
                                       <p:cBhvr>
-                                        <p:cTn id="10" dur="1" fill="hold">
+                                        <p:cTn id="12" dur="1" fill="hold">
                                           <p:stCondLst>
                                             <p:cond delay="0"/>
                                           </p:stCondLst>
                                         </p:cTn>
                                         <p:tgtEl>
-                                          <p:spTgt spid="5"/>
+                                          <p:spTgt spid="7"/>
                                         </p:tgtEl>
                                         <p:attrNameLst>
                                           <p:attrName>style.visibility</p:attrName>
@@ -6681,26 +5975,8 @@
                                   </p:childTnLst>
                                 </p:cTn>
                               </p:par>
-                            </p:childTnLst>
-                          </p:cTn>
-                        </p:par>
-                      </p:childTnLst>
-                    </p:cTn>
-                  </p:par>
-                  <p:par>
-                    <p:cTn id="11" fill="hold">
-                      <p:stCondLst>
-                        <p:cond delay="indefinite"/>
-                      </p:stCondLst>
-                      <p:childTnLst>
-                        <p:par>
-                          <p:cTn id="12" fill="hold">
-                            <p:stCondLst>
-                              <p:cond delay="0"/>
-                            </p:stCondLst>
-                            <p:childTnLst>
                               <p:par>
-                                <p:cTn id="13" presetID="1" presetClass="entr" presetSubtype="0" fill="hold" nodeType="clickEffect">
+                                <p:cTn id="13" presetID="1" presetClass="entr" presetSubtype="0" fill="hold" nodeType="withEffect">
                                   <p:stCondLst>
                                     <p:cond delay="0"/>
                                   </p:stCondLst>
@@ -6714,51 +5990,6 @@
                                         </p:cTn>
                                         <p:tgtEl>
                                           <p:spTgt spid="6"/>
-                                        </p:tgtEl>
-                                        <p:attrNameLst>
-                                          <p:attrName>style.visibility</p:attrName>
-                                        </p:attrNameLst>
-                                      </p:cBhvr>
-                                      <p:to>
-                                        <p:strVal val="visible"/>
-                                      </p:to>
-                                    </p:set>
-                                  </p:childTnLst>
-                                </p:cTn>
-                              </p:par>
-                            </p:childTnLst>
-                          </p:cTn>
-                        </p:par>
-                      </p:childTnLst>
-                    </p:cTn>
-                  </p:par>
-                  <p:par>
-                    <p:cTn id="15" fill="hold">
-                      <p:stCondLst>
-                        <p:cond delay="indefinite"/>
-                      </p:stCondLst>
-                      <p:childTnLst>
-                        <p:par>
-                          <p:cTn id="16" fill="hold">
-                            <p:stCondLst>
-                              <p:cond delay="0"/>
-                            </p:stCondLst>
-                            <p:childTnLst>
-                              <p:par>
-                                <p:cTn id="17" presetID="1" presetClass="entr" presetSubtype="0" fill="hold" grpId="0" nodeType="clickEffect">
-                                  <p:stCondLst>
-                                    <p:cond delay="0"/>
-                                  </p:stCondLst>
-                                  <p:childTnLst>
-                                    <p:set>
-                                      <p:cBhvr>
-                                        <p:cTn id="18" dur="1" fill="hold">
-                                          <p:stCondLst>
-                                            <p:cond delay="0"/>
-                                          </p:stCondLst>
-                                        </p:cTn>
-                                        <p:tgtEl>
-                                          <p:spTgt spid="7"/>
                                         </p:tgtEl>
                                         <p:attrNameLst>
                                           <p:attrName>style.visibility</p:attrName>
@@ -6806,7 +6037,7 @@
 </p:sld>
 </file>
 
-<file path=ppt/slides/slide16.xml><?xml version="1.0" encoding="utf-8"?>
+<file path=ppt/slides/slide13.xml><?xml version="1.0" encoding="utf-8"?>
 <p:sld xmlns:a="http://schemas.openxmlformats.org/drawingml/2006/main" xmlns:r="http://schemas.openxmlformats.org/officeDocument/2006/relationships" xmlns:p="http://schemas.openxmlformats.org/presentationml/2006/main">
   <p:cSld>
     <p:spTree>
@@ -7464,7 +6695,7 @@
 </p:sld>
 </file>
 
-<file path=ppt/slides/slide17.xml><?xml version="1.0" encoding="utf-8"?>
+<file path=ppt/slides/slide14.xml><?xml version="1.0" encoding="utf-8"?>
 <p:sld xmlns:a="http://schemas.openxmlformats.org/drawingml/2006/main" xmlns:r="http://schemas.openxmlformats.org/officeDocument/2006/relationships" xmlns:p="http://schemas.openxmlformats.org/presentationml/2006/main">
   <p:cSld>
     <p:spTree>
@@ -7677,7 +6908,7 @@
                             </p:stCondLst>
                             <p:childTnLst>
                               <p:par>
-                                <p:cTn id="5" presetID="16" presetClass="entr" presetSubtype="21" fill="hold" nodeType="clickEffect">
+                                <p:cTn id="5" presetID="1" presetClass="entr" presetSubtype="0" fill="hold" nodeType="clickEffect">
                                   <p:stCondLst>
                                     <p:cond delay="0"/>
                                   </p:stCondLst>
@@ -7700,44 +6931,18 @@
                                         <p:strVal val="visible"/>
                                       </p:to>
                                     </p:set>
-                                    <p:animEffect transition="in" filter="barn(inVertical)">
-                                      <p:cBhvr>
-                                        <p:cTn id="7" dur="500"/>
-                                        <p:tgtEl>
-                                          <p:spTgt spid="7"/>
-                                        </p:tgtEl>
-                                      </p:cBhvr>
-                                    </p:animEffect>
                                   </p:childTnLst>
                                 </p:cTn>
                               </p:par>
-                            </p:childTnLst>
-                          </p:cTn>
-                        </p:par>
-                      </p:childTnLst>
-                    </p:cTn>
-                  </p:par>
-                  <p:par>
-                    <p:cTn id="8" fill="hold">
-                      <p:stCondLst>
-                        <p:cond delay="indefinite"/>
-                      </p:stCondLst>
-                      <p:childTnLst>
-                        <p:par>
-                          <p:cTn id="9" fill="hold">
-                            <p:stCondLst>
-                              <p:cond delay="0"/>
-                            </p:stCondLst>
-                            <p:childTnLst>
                               <p:par>
-                                <p:cTn id="10" presetID="31" presetClass="entr" presetSubtype="0" fill="hold" grpId="0" nodeType="clickEffect">
+                                <p:cTn id="7" presetID="1" presetClass="entr" presetSubtype="0" fill="hold" grpId="0" nodeType="withEffect">
                                   <p:stCondLst>
                                     <p:cond delay="0"/>
                                   </p:stCondLst>
                                   <p:childTnLst>
                                     <p:set>
                                       <p:cBhvr>
-                                        <p:cTn id="11" dur="1" fill="hold">
+                                        <p:cTn id="8" dur="1" fill="hold">
                                           <p:stCondLst>
                                             <p:cond delay="0"/>
                                           </p:stCondLst>
@@ -7753,83 +6958,6 @@
                                         <p:strVal val="visible"/>
                                       </p:to>
                                     </p:set>
-                                    <p:anim calcmode="lin" valueType="num">
-                                      <p:cBhvr>
-                                        <p:cTn id="12" dur="1000" fill="hold"/>
-                                        <p:tgtEl>
-                                          <p:spTgt spid="8"/>
-                                        </p:tgtEl>
-                                        <p:attrNameLst>
-                                          <p:attrName>ppt_w</p:attrName>
-                                        </p:attrNameLst>
-                                      </p:cBhvr>
-                                      <p:tavLst>
-                                        <p:tav tm="0">
-                                          <p:val>
-                                            <p:fltVal val="0"/>
-                                          </p:val>
-                                        </p:tav>
-                                        <p:tav tm="100000">
-                                          <p:val>
-                                            <p:strVal val="#ppt_w"/>
-                                          </p:val>
-                                        </p:tav>
-                                      </p:tavLst>
-                                    </p:anim>
-                                    <p:anim calcmode="lin" valueType="num">
-                                      <p:cBhvr>
-                                        <p:cTn id="13" dur="1000" fill="hold"/>
-                                        <p:tgtEl>
-                                          <p:spTgt spid="8"/>
-                                        </p:tgtEl>
-                                        <p:attrNameLst>
-                                          <p:attrName>ppt_h</p:attrName>
-                                        </p:attrNameLst>
-                                      </p:cBhvr>
-                                      <p:tavLst>
-                                        <p:tav tm="0">
-                                          <p:val>
-                                            <p:fltVal val="0"/>
-                                          </p:val>
-                                        </p:tav>
-                                        <p:tav tm="100000">
-                                          <p:val>
-                                            <p:strVal val="#ppt_h"/>
-                                          </p:val>
-                                        </p:tav>
-                                      </p:tavLst>
-                                    </p:anim>
-                                    <p:anim calcmode="lin" valueType="num">
-                                      <p:cBhvr>
-                                        <p:cTn id="14" dur="1000" fill="hold"/>
-                                        <p:tgtEl>
-                                          <p:spTgt spid="8"/>
-                                        </p:tgtEl>
-                                        <p:attrNameLst>
-                                          <p:attrName>style.rotation</p:attrName>
-                                        </p:attrNameLst>
-                                      </p:cBhvr>
-                                      <p:tavLst>
-                                        <p:tav tm="0">
-                                          <p:val>
-                                            <p:fltVal val="90"/>
-                                          </p:val>
-                                        </p:tav>
-                                        <p:tav tm="100000">
-                                          <p:val>
-                                            <p:fltVal val="0"/>
-                                          </p:val>
-                                        </p:tav>
-                                      </p:tavLst>
-                                    </p:anim>
-                                    <p:animEffect transition="in" filter="fade">
-                                      <p:cBhvr>
-                                        <p:cTn id="15" dur="1000"/>
-                                        <p:tgtEl>
-                                          <p:spTgt spid="8"/>
-                                        </p:tgtEl>
-                                      </p:cBhvr>
-                                    </p:animEffect>
                                   </p:childTnLst>
                                 </p:cTn>
                               </p:par>
@@ -7867,7 +6995,7 @@
 </p:sld>
 </file>
 
-<file path=ppt/slides/slide18.xml><?xml version="1.0" encoding="utf-8"?>
+<file path=ppt/slides/slide15.xml><?xml version="1.0" encoding="utf-8"?>
 <p:sld xmlns:a="http://schemas.openxmlformats.org/drawingml/2006/main" xmlns:r="http://schemas.openxmlformats.org/officeDocument/2006/relationships" xmlns:p="http://schemas.openxmlformats.org/presentationml/2006/main">
   <p:cSld>
     <p:spTree>
@@ -7914,6 +7042,12 @@
             <a:r>
               <a:rPr lang="en-US" dirty="0"/>
               <a:t>Being able to dispatch the different savings into sections so as to be able to properly save</a:t>
+            </a:r>
+          </a:p>
+          <a:p>
+            <a:r>
+              <a:rPr lang="en-US" dirty="0"/>
+              <a:t>Being able to generate the statistics of the pie chart daily, weekly, monthly or yearly depending on the user</a:t>
             </a:r>
           </a:p>
         </p:txBody>
@@ -8078,6 +7212,55 @@
                       </p:childTnLst>
                     </p:cTn>
                   </p:par>
+                  <p:par>
+                    <p:cTn id="11" fill="hold">
+                      <p:stCondLst>
+                        <p:cond delay="indefinite"/>
+                      </p:stCondLst>
+                      <p:childTnLst>
+                        <p:par>
+                          <p:cTn id="12" fill="hold">
+                            <p:stCondLst>
+                              <p:cond delay="0"/>
+                            </p:stCondLst>
+                            <p:childTnLst>
+                              <p:par>
+                                <p:cTn id="13" presetID="1" presetClass="entr" presetSubtype="0" fill="hold" grpId="0" nodeType="clickEffect">
+                                  <p:stCondLst>
+                                    <p:cond delay="0"/>
+                                  </p:stCondLst>
+                                  <p:childTnLst>
+                                    <p:set>
+                                      <p:cBhvr>
+                                        <p:cTn id="14" dur="1" fill="hold">
+                                          <p:stCondLst>
+                                            <p:cond delay="0"/>
+                                          </p:stCondLst>
+                                        </p:cTn>
+                                        <p:tgtEl>
+                                          <p:spTgt spid="3">
+                                            <p:txEl>
+                                              <p:pRg st="2" end="2"/>
+                                            </p:txEl>
+                                          </p:spTgt>
+                                        </p:tgtEl>
+                                        <p:attrNameLst>
+                                          <p:attrName>style.visibility</p:attrName>
+                                        </p:attrNameLst>
+                                      </p:cBhvr>
+                                      <p:to>
+                                        <p:strVal val="visible"/>
+                                      </p:to>
+                                    </p:set>
+                                  </p:childTnLst>
+                                </p:cTn>
+                              </p:par>
+                            </p:childTnLst>
+                          </p:cTn>
+                        </p:par>
+                      </p:childTnLst>
+                    </p:cTn>
+                  </p:par>
                 </p:childTnLst>
               </p:cTn>
               <p:prevCondLst>
@@ -8100,13 +7283,13 @@
       </p:par>
     </p:tnLst>
     <p:bldLst>
-      <p:bldP spid="3" grpId="0" build="p"/>
+      <p:bldP spid="3" grpId="0" uiExpand="1" build="p"/>
     </p:bldLst>
   </p:timing>
 </p:sld>
 </file>
 
-<file path=ppt/slides/slide19.xml><?xml version="1.0" encoding="utf-8"?>
+<file path=ppt/slides/slide16.xml><?xml version="1.0" encoding="utf-8"?>
 <p:sld xmlns:a="http://schemas.openxmlformats.org/drawingml/2006/main" xmlns:r="http://schemas.openxmlformats.org/officeDocument/2006/relationships" xmlns:p="http://schemas.openxmlformats.org/presentationml/2006/main">
   <p:cSld>
     <p:spTree>
@@ -8174,6 +7357,110 @@
     <p:extLst>
       <p:ext uri="{BB962C8B-B14F-4D97-AF65-F5344CB8AC3E}">
         <p14:creationId xmlns:p14="http://schemas.microsoft.com/office/powerpoint/2010/main" val="1260817272"/>
+      </p:ext>
+    </p:extLst>
+  </p:cSld>
+  <p:clrMapOvr>
+    <a:masterClrMapping/>
+  </p:clrMapOvr>
+  <p:transition spd="med"/>
+</p:sld>
+</file>
+
+<file path=ppt/slides/slide17.xml><?xml version="1.0" encoding="utf-8"?>
+<p:sld xmlns:a="http://schemas.openxmlformats.org/drawingml/2006/main" xmlns:r="http://schemas.openxmlformats.org/officeDocument/2006/relationships" xmlns:p="http://schemas.openxmlformats.org/presentationml/2006/main">
+  <p:cSld>
+    <p:spTree>
+      <p:nvGrpSpPr>
+        <p:cNvPr id="1" name=""/>
+        <p:cNvGrpSpPr/>
+        <p:nvPr/>
+      </p:nvGrpSpPr>
+      <p:grpSpPr>
+        <a:xfrm>
+          <a:off x="0" y="0"/>
+          <a:ext cx="0" cy="0"/>
+          <a:chOff x="0" y="0"/>
+          <a:chExt cx="0" cy="0"/>
+        </a:xfrm>
+      </p:grpSpPr>
+      <p:sp>
+        <p:nvSpPr>
+          <p:cNvPr id="3" name="Subtitle 2">
+            <a:extLst>
+              <a:ext uri="{FF2B5EF4-FFF2-40B4-BE49-F238E27FC236}">
+                <a16:creationId xmlns:a16="http://schemas.microsoft.com/office/drawing/2014/main" id="{64E4DC18-7118-B049-F35C-07DE1A19C0FF}"/>
+              </a:ext>
+            </a:extLst>
+          </p:cNvPr>
+          <p:cNvSpPr>
+            <a:spLocks noGrp="1"/>
+          </p:cNvSpPr>
+          <p:nvPr>
+            <p:ph type="subTitle" idx="1"/>
+          </p:nvPr>
+        </p:nvSpPr>
+        <p:spPr>
+          <a:xfrm>
+            <a:off x="1524000" y="1505243"/>
+            <a:ext cx="9144000" cy="3752557"/>
+          </a:xfrm>
+        </p:spPr>
+        <p:txBody>
+          <a:bodyPr/>
+          <a:lstStyle/>
+          <a:p>
+            <a:endParaRPr lang="en-US" dirty="0"/>
+          </a:p>
+        </p:txBody>
+      </p:sp>
+      <p:sp>
+        <p:nvSpPr>
+          <p:cNvPr id="4" name="Titre 1">
+            <a:extLst>
+              <a:ext uri="{FF2B5EF4-FFF2-40B4-BE49-F238E27FC236}">
+                <a16:creationId xmlns:a16="http://schemas.microsoft.com/office/drawing/2014/main" id="{65DB9152-5D21-3B0D-4777-EF5AB893A5CD}"/>
+              </a:ext>
+            </a:extLst>
+          </p:cNvPr>
+          <p:cNvSpPr>
+            <a:spLocks noGrp="1"/>
+          </p:cNvSpPr>
+          <p:nvPr>
+            <p:ph type="ctrTitle"/>
+          </p:nvPr>
+        </p:nvSpPr>
+        <p:spPr>
+          <a:xfrm>
+            <a:off x="0" y="0"/>
+            <a:ext cx="12192000" cy="787791"/>
+          </a:xfrm>
+          <a:solidFill>
+            <a:srgbClr val="11DFAE"/>
+          </a:solidFill>
+        </p:spPr>
+        <p:txBody>
+          <a:bodyPr>
+            <a:normAutofit fontScale="90000"/>
+          </a:bodyPr>
+          <a:lstStyle/>
+          <a:p>
+            <a:pPr algn="ctr"/>
+            <a:r>
+              <a:rPr lang="en-US" dirty="0">
+                <a:solidFill>
+                  <a:schemeClr val="bg1"/>
+                </a:solidFill>
+              </a:rPr>
+              <a:t>CONCLUSION</a:t>
+            </a:r>
+          </a:p>
+        </p:txBody>
+      </p:sp>
+    </p:spTree>
+    <p:extLst>
+      <p:ext uri="{BB962C8B-B14F-4D97-AF65-F5344CB8AC3E}">
+        <p14:creationId xmlns:p14="http://schemas.microsoft.com/office/powerpoint/2010/main" val="3136322765"/>
       </p:ext>
     </p:extLst>
   </p:cSld>
@@ -9451,110 +8738,6 @@
 </p:sld>
 </file>
 
-<file path=ppt/slides/slide20.xml><?xml version="1.0" encoding="utf-8"?>
-<p:sld xmlns:a="http://schemas.openxmlformats.org/drawingml/2006/main" xmlns:r="http://schemas.openxmlformats.org/officeDocument/2006/relationships" xmlns:p="http://schemas.openxmlformats.org/presentationml/2006/main">
-  <p:cSld>
-    <p:spTree>
-      <p:nvGrpSpPr>
-        <p:cNvPr id="1" name=""/>
-        <p:cNvGrpSpPr/>
-        <p:nvPr/>
-      </p:nvGrpSpPr>
-      <p:grpSpPr>
-        <a:xfrm>
-          <a:off x="0" y="0"/>
-          <a:ext cx="0" cy="0"/>
-          <a:chOff x="0" y="0"/>
-          <a:chExt cx="0" cy="0"/>
-        </a:xfrm>
-      </p:grpSpPr>
-      <p:sp>
-        <p:nvSpPr>
-          <p:cNvPr id="3" name="Subtitle 2">
-            <a:extLst>
-              <a:ext uri="{FF2B5EF4-FFF2-40B4-BE49-F238E27FC236}">
-                <a16:creationId xmlns:a16="http://schemas.microsoft.com/office/drawing/2014/main" id="{64E4DC18-7118-B049-F35C-07DE1A19C0FF}"/>
-              </a:ext>
-            </a:extLst>
-          </p:cNvPr>
-          <p:cNvSpPr>
-            <a:spLocks noGrp="1"/>
-          </p:cNvSpPr>
-          <p:nvPr>
-            <p:ph type="subTitle" idx="1"/>
-          </p:nvPr>
-        </p:nvSpPr>
-        <p:spPr>
-          <a:xfrm>
-            <a:off x="1524000" y="1505243"/>
-            <a:ext cx="9144000" cy="3752557"/>
-          </a:xfrm>
-        </p:spPr>
-        <p:txBody>
-          <a:bodyPr/>
-          <a:lstStyle/>
-          <a:p>
-            <a:endParaRPr lang="en-US" dirty="0"/>
-          </a:p>
-        </p:txBody>
-      </p:sp>
-      <p:sp>
-        <p:nvSpPr>
-          <p:cNvPr id="4" name="Titre 1">
-            <a:extLst>
-              <a:ext uri="{FF2B5EF4-FFF2-40B4-BE49-F238E27FC236}">
-                <a16:creationId xmlns:a16="http://schemas.microsoft.com/office/drawing/2014/main" id="{65DB9152-5D21-3B0D-4777-EF5AB893A5CD}"/>
-              </a:ext>
-            </a:extLst>
-          </p:cNvPr>
-          <p:cNvSpPr>
-            <a:spLocks noGrp="1"/>
-          </p:cNvSpPr>
-          <p:nvPr>
-            <p:ph type="ctrTitle"/>
-          </p:nvPr>
-        </p:nvSpPr>
-        <p:spPr>
-          <a:xfrm>
-            <a:off x="0" y="0"/>
-            <a:ext cx="12192000" cy="787791"/>
-          </a:xfrm>
-          <a:solidFill>
-            <a:srgbClr val="11DFAE"/>
-          </a:solidFill>
-        </p:spPr>
-        <p:txBody>
-          <a:bodyPr>
-            <a:normAutofit fontScale="90000"/>
-          </a:bodyPr>
-          <a:lstStyle/>
-          <a:p>
-            <a:pPr algn="ctr"/>
-            <a:r>
-              <a:rPr lang="en-US" dirty="0">
-                <a:solidFill>
-                  <a:schemeClr val="bg1"/>
-                </a:solidFill>
-              </a:rPr>
-              <a:t>CONCLUSION</a:t>
-            </a:r>
-          </a:p>
-        </p:txBody>
-      </p:sp>
-    </p:spTree>
-    <p:extLst>
-      <p:ext uri="{BB962C8B-B14F-4D97-AF65-F5344CB8AC3E}">
-        <p14:creationId xmlns:p14="http://schemas.microsoft.com/office/powerpoint/2010/main" val="3136322765"/>
-      </p:ext>
-    </p:extLst>
-  </p:cSld>
-  <p:clrMapOvr>
-    <a:masterClrMapping/>
-  </p:clrMapOvr>
-  <p:transition spd="med"/>
-</p:sld>
-</file>
-
 <file path=ppt/slides/slide3.xml><?xml version="1.0" encoding="utf-8"?>
 <p:sld xmlns:a="http://schemas.openxmlformats.org/drawingml/2006/main" xmlns:r="http://schemas.openxmlformats.org/officeDocument/2006/relationships" xmlns:p="http://schemas.openxmlformats.org/presentationml/2006/main">
   <p:cSld>
@@ -22039,90 +21222,17 @@
           </a:p>
         </p:txBody>
       </p:sp>
-    </p:spTree>
-    <p:extLst>
-      <p:ext uri="{BB962C8B-B14F-4D97-AF65-F5344CB8AC3E}">
-        <p14:creationId xmlns:p14="http://schemas.microsoft.com/office/powerpoint/2010/main" val="2763022849"/>
-      </p:ext>
-    </p:extLst>
-  </p:cSld>
-  <p:clrMapOvr>
-    <a:masterClrMapping/>
-  </p:clrMapOvr>
-  <p:transition spd="med"/>
-</p:sld>
-</file>
-
-<file path=ppt/slides/slide6.xml><?xml version="1.0" encoding="utf-8"?>
-<p:sld xmlns:a="http://schemas.openxmlformats.org/drawingml/2006/main" xmlns:r="http://schemas.openxmlformats.org/officeDocument/2006/relationships" xmlns:p="http://schemas.openxmlformats.org/presentationml/2006/main">
-  <p:cSld>
-    <p:spTree>
-      <p:nvGrpSpPr>
-        <p:cNvPr id="1" name=""/>
-        <p:cNvGrpSpPr/>
-        <p:nvPr/>
-      </p:nvGrpSpPr>
-      <p:grpSpPr>
-        <a:xfrm>
-          <a:off x="0" y="0"/>
-          <a:ext cx="0" cy="0"/>
-          <a:chOff x="0" y="0"/>
-          <a:chExt cx="0" cy="0"/>
-        </a:xfrm>
-      </p:grpSpPr>
-      <p:sp>
-        <p:nvSpPr>
-          <p:cNvPr id="2" name="Title 1">
+      <p:pic>
+        <p:nvPicPr>
+          <p:cNvPr id="1026" name="Picture 2" descr="Free Transparent PNG Clipart Images ...">
             <a:extLst>
               <a:ext uri="{FF2B5EF4-FFF2-40B4-BE49-F238E27FC236}">
-                <a16:creationId xmlns:a16="http://schemas.microsoft.com/office/drawing/2014/main" id="{A011233D-03DA-87E7-5A23-568169700F61}"/>
-              </a:ext>
-            </a:extLst>
-          </p:cNvPr>
-          <p:cNvSpPr>
-            <a:spLocks noGrp="1"/>
-          </p:cNvSpPr>
-          <p:nvPr>
-            <p:ph type="ctrTitle"/>
-          </p:nvPr>
-        </p:nvSpPr>
-        <p:spPr>
-          <a:xfrm>
-            <a:off x="1" y="0"/>
-            <a:ext cx="12192000" cy="1034321"/>
-          </a:xfrm>
-          <a:solidFill>
-            <a:srgbClr val="1B55BE"/>
-          </a:solidFill>
-        </p:spPr>
-        <p:txBody>
-          <a:bodyPr>
-            <a:normAutofit/>
-          </a:bodyPr>
-          <a:lstStyle/>
-          <a:p>
-            <a:r>
-              <a:rPr lang="en-US" b="1" dirty="0">
-                <a:solidFill>
-                  <a:schemeClr val="bg1"/>
-                </a:solidFill>
-              </a:rPr>
-              <a:t>INTRODUCTION</a:t>
-            </a:r>
-          </a:p>
-        </p:txBody>
-      </p:sp>
-      <p:pic>
-        <p:nvPicPr>
-          <p:cNvPr id="4" name="Picture 3">
-            <a:extLst>
-              <a:ext uri="{FF2B5EF4-FFF2-40B4-BE49-F238E27FC236}">
-                <a16:creationId xmlns:a16="http://schemas.microsoft.com/office/drawing/2014/main" id="{E0EF7EC7-03B0-F2DA-793B-C16CBE2BEAD6}"/>
+                <a16:creationId xmlns:a16="http://schemas.microsoft.com/office/drawing/2014/main" id="{DFBB1C28-AC93-9F76-1503-AEF0F697DC06}"/>
               </a:ext>
             </a:extLst>
           </p:cNvPr>
           <p:cNvPicPr>
-            <a:picLocks noChangeAspect="1"/>
+            <a:picLocks noChangeAspect="1" noChangeArrowheads="1"/>
           </p:cNvPicPr>
           <p:nvPr/>
         </p:nvPicPr>
@@ -22141,29 +21251,126 @@
         </p:blipFill>
         <p:spPr bwMode="auto">
           <a:xfrm>
-            <a:off x="4998487" y="1034321"/>
-            <a:ext cx="7193512" cy="4508350"/>
+            <a:off x="268971" y="2548292"/>
+            <a:ext cx="1924050" cy="2178454"/>
           </a:xfrm>
           <a:prstGeom prst="rect">
             <a:avLst/>
           </a:prstGeom>
           <a:noFill/>
-          <a:ln>
-            <a:noFill/>
-          </a:ln>
+          <a:extLst>
+            <a:ext uri="{909E8E84-426E-40DD-AFC4-6F175D3DCCD1}">
+              <a14:hiddenFill xmlns:a14="http://schemas.microsoft.com/office/drawing/2010/main">
+                <a:solidFill>
+                  <a:srgbClr val="FFFFFF"/>
+                </a:solidFill>
+              </a14:hiddenFill>
+            </a:ext>
+          </a:extLst>
         </p:spPr>
       </p:pic>
+      <p:sp>
+        <p:nvSpPr>
+          <p:cNvPr id="3" name="Cloud 2">
+            <a:extLst>
+              <a:ext uri="{FF2B5EF4-FFF2-40B4-BE49-F238E27FC236}">
+                <a16:creationId xmlns:a16="http://schemas.microsoft.com/office/drawing/2014/main" id="{B3779DFE-397F-0FF8-AC40-5E1C4FD8822C}"/>
+              </a:ext>
+            </a:extLst>
+          </p:cNvPr>
+          <p:cNvSpPr/>
+          <p:nvPr/>
+        </p:nvSpPr>
+        <p:spPr>
+          <a:xfrm>
+            <a:off x="6402339" y="1265935"/>
+            <a:ext cx="2602523" cy="1505243"/>
+          </a:xfrm>
+          <a:prstGeom prst="cloud">
+            <a:avLst/>
+          </a:prstGeom>
+        </p:spPr>
+        <p:style>
+          <a:lnRef idx="2">
+            <a:schemeClr val="accent1">
+              <a:shade val="15000"/>
+            </a:schemeClr>
+          </a:lnRef>
+          <a:fillRef idx="1">
+            <a:schemeClr val="accent1"/>
+          </a:fillRef>
+          <a:effectRef idx="0">
+            <a:schemeClr val="accent1"/>
+          </a:effectRef>
+          <a:fontRef idx="minor">
+            <a:schemeClr val="lt1"/>
+          </a:fontRef>
+        </p:style>
+        <p:txBody>
+          <a:bodyPr rtlCol="0" anchor="ctr"/>
+          <a:lstStyle/>
+          <a:p>
+            <a:pPr algn="ctr"/>
+            <a:r>
+              <a:rPr lang="en-US" b="1" dirty="0"/>
+              <a:t>Goal</a:t>
+            </a:r>
+            <a:r>
+              <a:rPr lang="en-US" dirty="0"/>
+              <a:t>: Purchasing a plot of land</a:t>
+            </a:r>
+          </a:p>
+        </p:txBody>
+      </p:sp>
+      <p:cxnSp>
+        <p:nvCxnSpPr>
+          <p:cNvPr id="5" name="Straight Connector 4">
+            <a:extLst>
+              <a:ext uri="{FF2B5EF4-FFF2-40B4-BE49-F238E27FC236}">
+                <a16:creationId xmlns:a16="http://schemas.microsoft.com/office/drawing/2014/main" id="{5D95737C-96EA-660B-EB6C-E074DE17137B}"/>
+              </a:ext>
+            </a:extLst>
+          </p:cNvPr>
+          <p:cNvCxnSpPr>
+            <a:cxnSpLocks/>
+          </p:cNvCxnSpPr>
+          <p:nvPr/>
+        </p:nvCxnSpPr>
+        <p:spPr>
+          <a:xfrm flipH="1">
+            <a:off x="5273113" y="2489982"/>
+            <a:ext cx="1591921" cy="1244172"/>
+          </a:xfrm>
+          <a:prstGeom prst="line">
+            <a:avLst/>
+          </a:prstGeom>
+        </p:spPr>
+        <p:style>
+          <a:lnRef idx="1">
+            <a:schemeClr val="accent1"/>
+          </a:lnRef>
+          <a:fillRef idx="0">
+            <a:schemeClr val="accent1"/>
+          </a:fillRef>
+          <a:effectRef idx="0">
+            <a:schemeClr val="accent1"/>
+          </a:effectRef>
+          <a:fontRef idx="minor">
+            <a:schemeClr val="tx1"/>
+          </a:fontRef>
+        </p:style>
+      </p:cxnSp>
       <p:pic>
         <p:nvPicPr>
-          <p:cNvPr id="5" name="Picture 4">
+          <p:cNvPr id="1030" name="Picture 6" descr="Cartoon Man Holding Money Stock Photos ...">
             <a:extLst>
               <a:ext uri="{FF2B5EF4-FFF2-40B4-BE49-F238E27FC236}">
-                <a16:creationId xmlns:a16="http://schemas.microsoft.com/office/drawing/2014/main" id="{A010B844-86F6-08E8-9424-FDB8F7E35777}"/>
+                <a16:creationId xmlns:a16="http://schemas.microsoft.com/office/drawing/2014/main" id="{6BEB345B-BDEC-F9C0-842A-E24DCB89600C}"/>
               </a:ext>
             </a:extLst>
           </p:cNvPr>
           <p:cNvPicPr>
-            <a:picLocks noChangeAspect="1"/>
+            <a:picLocks noChangeAspect="1" noChangeArrowheads="1"/>
           </p:cNvPicPr>
           <p:nvPr/>
         </p:nvPicPr>
@@ -22175,82 +21382,165 @@
               </a:ext>
             </a:extLst>
           </a:blip>
+          <a:srcRect/>
           <a:stretch>
             <a:fillRect/>
           </a:stretch>
         </p:blipFill>
-        <p:spPr>
+        <p:spPr bwMode="auto">
           <a:xfrm>
-            <a:off x="162033" y="1808061"/>
-            <a:ext cx="4165382" cy="2215299"/>
+            <a:off x="4285519" y="2945202"/>
+            <a:ext cx="2143125" cy="2012999"/>
           </a:xfrm>
           <a:prstGeom prst="rect">
             <a:avLst/>
           </a:prstGeom>
+          <a:noFill/>
+          <a:extLst>
+            <a:ext uri="{909E8E84-426E-40DD-AFC4-6F175D3DCCD1}">
+              <a14:hiddenFill xmlns:a14="http://schemas.microsoft.com/office/drawing/2010/main">
+                <a:solidFill>
+                  <a:srgbClr val="FFFFFF"/>
+                </a:solidFill>
+              </a14:hiddenFill>
+            </a:ext>
+          </a:extLst>
         </p:spPr>
       </p:pic>
-      <p:sp>
-        <p:nvSpPr>
-          <p:cNvPr id="6" name="TextBox 5">
+      <p:cxnSp>
+        <p:nvCxnSpPr>
+          <p:cNvPr id="8" name="Straight Arrow Connector 7">
             <a:extLst>
               <a:ext uri="{FF2B5EF4-FFF2-40B4-BE49-F238E27FC236}">
-                <a16:creationId xmlns:a16="http://schemas.microsoft.com/office/drawing/2014/main" id="{66062903-6842-FD15-332D-93FC38DD34B0}"/>
+                <a16:creationId xmlns:a16="http://schemas.microsoft.com/office/drawing/2014/main" id="{A1C7D8A2-BADD-EE85-DAA8-1DA325FAE26D}"/>
               </a:ext>
             </a:extLst>
           </p:cNvPr>
-          <p:cNvSpPr txBox="1"/>
+          <p:cNvCxnSpPr>
+            <a:cxnSpLocks/>
+          </p:cNvCxnSpPr>
           <p:nvPr/>
-        </p:nvSpPr>
+        </p:nvCxnSpPr>
         <p:spPr>
           <a:xfrm>
-            <a:off x="464234" y="4965895"/>
-            <a:ext cx="4754880" cy="1077218"/>
+            <a:off x="2349304" y="4051495"/>
+            <a:ext cx="2067951" cy="0"/>
+          </a:xfrm>
+          <a:prstGeom prst="straightConnector1">
+            <a:avLst/>
+          </a:prstGeom>
+          <a:ln>
+            <a:tailEnd type="triangle"/>
+          </a:ln>
+        </p:spPr>
+        <p:style>
+          <a:lnRef idx="1">
+            <a:schemeClr val="accent1"/>
+          </a:lnRef>
+          <a:fillRef idx="0">
+            <a:schemeClr val="accent1"/>
+          </a:fillRef>
+          <a:effectRef idx="0">
+            <a:schemeClr val="accent1"/>
+          </a:effectRef>
+          <a:fontRef idx="minor">
+            <a:schemeClr val="tx1"/>
+          </a:fontRef>
+        </p:style>
+      </p:cxnSp>
+      <p:pic>
+        <p:nvPicPr>
+          <p:cNvPr id="1034" name="Picture 10" descr="46,280,840 Disappointed Vector Images ...">
+            <a:extLst>
+              <a:ext uri="{FF2B5EF4-FFF2-40B4-BE49-F238E27FC236}">
+                <a16:creationId xmlns:a16="http://schemas.microsoft.com/office/drawing/2014/main" id="{AB496FFC-21F6-3F01-628D-5E90B3C0ED54}"/>
+              </a:ext>
+            </a:extLst>
+          </p:cNvPr>
+          <p:cNvPicPr>
+            <a:picLocks noChangeAspect="1" noChangeArrowheads="1"/>
+          </p:cNvPicPr>
+          <p:nvPr/>
+        </p:nvPicPr>
+        <p:blipFill>
+          <a:blip r:embed="rId4">
+            <a:extLst>
+              <a:ext uri="{28A0092B-C50C-407E-A947-70E740481C1C}">
+                <a14:useLocalDpi xmlns:a14="http://schemas.microsoft.com/office/drawing/2010/main" val="0"/>
+              </a:ext>
+            </a:extLst>
+          </a:blip>
+          <a:srcRect/>
+          <a:stretch>
+            <a:fillRect/>
+          </a:stretch>
+        </p:blipFill>
+        <p:spPr bwMode="auto">
+          <a:xfrm>
+            <a:off x="7952274" y="3143093"/>
+            <a:ext cx="2762250" cy="1657350"/>
           </a:xfrm>
           <a:prstGeom prst="rect">
             <a:avLst/>
           </a:prstGeom>
-          <a:solidFill>
-            <a:srgbClr val="CCD64D"/>
-          </a:solidFill>
+          <a:noFill/>
+          <a:extLst>
+            <a:ext uri="{909E8E84-426E-40DD-AFC4-6F175D3DCCD1}">
+              <a14:hiddenFill xmlns:a14="http://schemas.microsoft.com/office/drawing/2010/main">
+                <a:solidFill>
+                  <a:srgbClr val="FFFFFF"/>
+                </a:solidFill>
+              </a14:hiddenFill>
+            </a:ext>
+          </a:extLst>
         </p:spPr>
-        <p:txBody>
-          <a:bodyPr wrap="square" rtlCol="0">
-            <a:spAutoFit/>
-          </a:bodyPr>
-          <a:lstStyle/>
-          <a:p>
-            <a:r>
-              <a:rPr lang="en-US" sz="2400" b="1" dirty="0">
-                <a:solidFill>
-                  <a:schemeClr val="bg1"/>
-                </a:solidFill>
-              </a:rPr>
-              <a:t>Mr. NDELOGAKEH DANIEL NDABOSE</a:t>
-            </a:r>
-          </a:p>
-          <a:p>
-            <a:endParaRPr lang="en-US" sz="2000" b="1" dirty="0">
-              <a:solidFill>
-                <a:srgbClr val="CCD64D"/>
-              </a:solidFill>
-            </a:endParaRPr>
-          </a:p>
-          <a:p>
-            <a:r>
-              <a:rPr lang="en-US" sz="2000" b="1" dirty="0">
-                <a:solidFill>
-                  <a:schemeClr val="bg1"/>
-                </a:solidFill>
-              </a:rPr>
-              <a:t>CEO of REALIZE</a:t>
-            </a:r>
-          </a:p>
-        </p:txBody>
-      </p:sp>
+      </p:pic>
+      <p:cxnSp>
+        <p:nvCxnSpPr>
+          <p:cNvPr id="14" name="Straight Arrow Connector 13">
+            <a:extLst>
+              <a:ext uri="{FF2B5EF4-FFF2-40B4-BE49-F238E27FC236}">
+                <a16:creationId xmlns:a16="http://schemas.microsoft.com/office/drawing/2014/main" id="{231932B1-D51C-9283-C618-B988DD7A9346}"/>
+              </a:ext>
+            </a:extLst>
+          </p:cNvPr>
+          <p:cNvCxnSpPr>
+            <a:cxnSpLocks/>
+            <a:endCxn id="1034" idx="1"/>
+          </p:cNvCxnSpPr>
+          <p:nvPr/>
+        </p:nvCxnSpPr>
+        <p:spPr>
+          <a:xfrm flipV="1">
+            <a:off x="5840107" y="3971768"/>
+            <a:ext cx="2112167" cy="23457"/>
+          </a:xfrm>
+          <a:prstGeom prst="straightConnector1">
+            <a:avLst/>
+          </a:prstGeom>
+          <a:ln>
+            <a:tailEnd type="triangle"/>
+          </a:ln>
+        </p:spPr>
+        <p:style>
+          <a:lnRef idx="1">
+            <a:schemeClr val="accent1"/>
+          </a:lnRef>
+          <a:fillRef idx="0">
+            <a:schemeClr val="accent1"/>
+          </a:fillRef>
+          <a:effectRef idx="0">
+            <a:schemeClr val="accent1"/>
+          </a:effectRef>
+          <a:fontRef idx="minor">
+            <a:schemeClr val="tx1"/>
+          </a:fontRef>
+        </p:style>
+      </p:cxnSp>
     </p:spTree>
     <p:extLst>
       <p:ext uri="{BB962C8B-B14F-4D97-AF65-F5344CB8AC3E}">
-        <p14:creationId xmlns:p14="http://schemas.microsoft.com/office/powerpoint/2010/main" val="1508881647"/>
+        <p14:creationId xmlns:p14="http://schemas.microsoft.com/office/powerpoint/2010/main" val="2763022849"/>
       </p:ext>
     </p:extLst>
   </p:cSld>
@@ -22292,7 +21582,7 @@
                                           </p:stCondLst>
                                         </p:cTn>
                                         <p:tgtEl>
-                                          <p:spTgt spid="5"/>
+                                          <p:spTgt spid="1026"/>
                                         </p:tgtEl>
                                         <p:attrNameLst>
                                           <p:attrName>style.visibility</p:attrName>
@@ -22337,7 +21627,34 @@
                                           </p:stCondLst>
                                         </p:cTn>
                                         <p:tgtEl>
-                                          <p:spTgt spid="4"/>
+                                          <p:spTgt spid="8"/>
+                                        </p:tgtEl>
+                                        <p:attrNameLst>
+                                          <p:attrName>style.visibility</p:attrName>
+                                        </p:attrNameLst>
+                                      </p:cBhvr>
+                                      <p:to>
+                                        <p:strVal val="visible"/>
+                                      </p:to>
+                                    </p:set>
+                                  </p:childTnLst>
+                                </p:cTn>
+                              </p:par>
+                              <p:par>
+                                <p:cTn id="11" presetID="1" presetClass="entr" presetSubtype="0" fill="hold" nodeType="withEffect">
+                                  <p:stCondLst>
+                                    <p:cond delay="0"/>
+                                  </p:stCondLst>
+                                  <p:childTnLst>
+                                    <p:set>
+                                      <p:cBhvr>
+                                        <p:cTn id="12" dur="1" fill="hold">
+                                          <p:stCondLst>
+                                            <p:cond delay="0"/>
+                                          </p:stCondLst>
+                                        </p:cTn>
+                                        <p:tgtEl>
+                                          <p:spTgt spid="1030"/>
                                         </p:tgtEl>
                                         <p:attrNameLst>
                                           <p:attrName>style.visibility</p:attrName>
@@ -22357,32 +21674,131 @@
                     </p:cTn>
                   </p:par>
                   <p:par>
-                    <p:cTn id="11" fill="hold">
+                    <p:cTn id="13" fill="hold">
                       <p:stCondLst>
                         <p:cond delay="indefinite"/>
                       </p:stCondLst>
                       <p:childTnLst>
                         <p:par>
-                          <p:cTn id="12" fill="hold">
+                          <p:cTn id="14" fill="hold">
                             <p:stCondLst>
                               <p:cond delay="0"/>
                             </p:stCondLst>
                             <p:childTnLst>
                               <p:par>
-                                <p:cTn id="13" presetID="1" presetClass="entr" presetSubtype="0" fill="hold" grpId="0" nodeType="clickEffect">
+                                <p:cTn id="15" presetID="1" presetClass="entr" presetSubtype="0" fill="hold" nodeType="clickEffect">
                                   <p:stCondLst>
                                     <p:cond delay="0"/>
                                   </p:stCondLst>
                                   <p:childTnLst>
                                     <p:set>
                                       <p:cBhvr>
-                                        <p:cTn id="14" dur="1" fill="hold">
+                                        <p:cTn id="16" dur="1" fill="hold">
                                           <p:stCondLst>
                                             <p:cond delay="0"/>
                                           </p:stCondLst>
                                         </p:cTn>
                                         <p:tgtEl>
-                                          <p:spTgt spid="6"/>
+                                          <p:spTgt spid="5"/>
+                                        </p:tgtEl>
+                                        <p:attrNameLst>
+                                          <p:attrName>style.visibility</p:attrName>
+                                        </p:attrNameLst>
+                                      </p:cBhvr>
+                                      <p:to>
+                                        <p:strVal val="visible"/>
+                                      </p:to>
+                                    </p:set>
+                                  </p:childTnLst>
+                                </p:cTn>
+                              </p:par>
+                              <p:par>
+                                <p:cTn id="17" presetID="1" presetClass="entr" presetSubtype="0" fill="hold" grpId="0" nodeType="withEffect">
+                                  <p:stCondLst>
+                                    <p:cond delay="0"/>
+                                  </p:stCondLst>
+                                  <p:childTnLst>
+                                    <p:set>
+                                      <p:cBhvr>
+                                        <p:cTn id="18" dur="1" fill="hold">
+                                          <p:stCondLst>
+                                            <p:cond delay="0"/>
+                                          </p:stCondLst>
+                                        </p:cTn>
+                                        <p:tgtEl>
+                                          <p:spTgt spid="3"/>
+                                        </p:tgtEl>
+                                        <p:attrNameLst>
+                                          <p:attrName>style.visibility</p:attrName>
+                                        </p:attrNameLst>
+                                      </p:cBhvr>
+                                      <p:to>
+                                        <p:strVal val="visible"/>
+                                      </p:to>
+                                    </p:set>
+                                  </p:childTnLst>
+                                </p:cTn>
+                              </p:par>
+                            </p:childTnLst>
+                          </p:cTn>
+                        </p:par>
+                      </p:childTnLst>
+                    </p:cTn>
+                  </p:par>
+                  <p:par>
+                    <p:cTn id="19" fill="hold">
+                      <p:stCondLst>
+                        <p:cond delay="indefinite"/>
+                      </p:stCondLst>
+                      <p:childTnLst>
+                        <p:par>
+                          <p:cTn id="20" fill="hold">
+                            <p:stCondLst>
+                              <p:cond delay="0"/>
+                            </p:stCondLst>
+                            <p:childTnLst>
+                              <p:par>
+                                <p:cTn id="21" presetID="1" presetClass="entr" presetSubtype="0" fill="hold" nodeType="clickEffect">
+                                  <p:stCondLst>
+                                    <p:cond delay="0"/>
+                                  </p:stCondLst>
+                                  <p:childTnLst>
+                                    <p:set>
+                                      <p:cBhvr>
+                                        <p:cTn id="22" dur="1" fill="hold">
+                                          <p:stCondLst>
+                                            <p:cond delay="0"/>
+                                          </p:stCondLst>
+                                        </p:cTn>
+                                        <p:tgtEl>
+                                          <p:spTgt spid="14"/>
+                                        </p:tgtEl>
+                                        <p:attrNameLst>
+                                          <p:attrName>style.visibility</p:attrName>
+                                        </p:attrNameLst>
+                                      </p:cBhvr>
+                                      <p:to>
+                                        <p:strVal val="visible"/>
+                                      </p:to>
+                                    </p:set>
+                                  </p:childTnLst>
+                                </p:cTn>
+                              </p:par>
+                              <p:par>
+                                <p:cTn id="23" presetID="1" presetClass="entr" presetSubtype="0" fill="hold" nodeType="withEffect">
+                                  <p:stCondLst>
+                                    <p:cond delay="0"/>
+                                  </p:stCondLst>
+                                  <p:childTnLst>
+                                    <p:set>
+                                      <p:cBhvr>
+                                        <p:cTn id="24" dur="1" fill="hold">
+                                          <p:stCondLst>
+                                            <p:cond delay="0"/>
+                                          </p:stCondLst>
+                                        </p:cTn>
+                                        <p:tgtEl>
+                                          <p:spTgt spid="1034"/>
                                         </p:tgtEl>
                                         <p:attrNameLst>
                                           <p:attrName>style.visibility</p:attrName>
@@ -22423,532 +21839,13 @@
       </p:par>
     </p:tnLst>
     <p:bldLst>
-      <p:bldP spid="6" grpId="0" animBg="1"/>
+      <p:bldP spid="3" grpId="0" animBg="1"/>
     </p:bldLst>
   </p:timing>
 </p:sld>
 </file>
 
-<file path=ppt/slides/slide7.xml><?xml version="1.0" encoding="utf-8"?>
-<p:sld xmlns:a="http://schemas.openxmlformats.org/drawingml/2006/main" xmlns:r="http://schemas.openxmlformats.org/officeDocument/2006/relationships" xmlns:p="http://schemas.openxmlformats.org/presentationml/2006/main">
-  <p:cSld>
-    <p:spTree>
-      <p:nvGrpSpPr>
-        <p:cNvPr id="1" name=""/>
-        <p:cNvGrpSpPr/>
-        <p:nvPr/>
-      </p:nvGrpSpPr>
-      <p:grpSpPr>
-        <a:xfrm>
-          <a:off x="0" y="0"/>
-          <a:ext cx="0" cy="0"/>
-          <a:chOff x="0" y="0"/>
-          <a:chExt cx="0" cy="0"/>
-        </a:xfrm>
-      </p:grpSpPr>
-      <p:sp>
-        <p:nvSpPr>
-          <p:cNvPr id="2" name="Title 1">
-            <a:extLst>
-              <a:ext uri="{FF2B5EF4-FFF2-40B4-BE49-F238E27FC236}">
-                <a16:creationId xmlns:a16="http://schemas.microsoft.com/office/drawing/2014/main" id="{65B87E56-FCD1-F51D-DF6A-38B40A35D577}"/>
-              </a:ext>
-            </a:extLst>
-          </p:cNvPr>
-          <p:cNvSpPr>
-            <a:spLocks noGrp="1"/>
-          </p:cNvSpPr>
-          <p:nvPr>
-            <p:ph type="ctrTitle"/>
-          </p:nvPr>
-        </p:nvSpPr>
-        <p:spPr>
-          <a:xfrm>
-            <a:off x="1524000" y="-164891"/>
-            <a:ext cx="9144000" cy="1109272"/>
-          </a:xfrm>
-        </p:spPr>
-        <p:txBody>
-          <a:bodyPr/>
-          <a:lstStyle/>
-          <a:p>
-            <a:r>
-              <a:rPr lang="en-US" dirty="0"/>
-              <a:t>INTRODUCTION</a:t>
-            </a:r>
-          </a:p>
-        </p:txBody>
-      </p:sp>
-      <p:sp>
-        <p:nvSpPr>
-          <p:cNvPr id="3" name="Subtitle 2">
-            <a:extLst>
-              <a:ext uri="{FF2B5EF4-FFF2-40B4-BE49-F238E27FC236}">
-                <a16:creationId xmlns:a16="http://schemas.microsoft.com/office/drawing/2014/main" id="{37021AB4-0522-2E9D-3DA6-A0067116538B}"/>
-              </a:ext>
-            </a:extLst>
-          </p:cNvPr>
-          <p:cNvSpPr>
-            <a:spLocks noGrp="1"/>
-          </p:cNvSpPr>
-          <p:nvPr>
-            <p:ph type="subTitle" idx="1"/>
-          </p:nvPr>
-        </p:nvSpPr>
-        <p:spPr/>
-        <p:txBody>
-          <a:bodyPr/>
-          <a:lstStyle/>
-          <a:p>
-            <a:endParaRPr lang="en-US" dirty="0"/>
-          </a:p>
-        </p:txBody>
-      </p:sp>
-      <p:grpSp>
-        <p:nvGrpSpPr>
-          <p:cNvPr id="4" name="Group 172769">
-            <a:extLst>
-              <a:ext uri="{FF2B5EF4-FFF2-40B4-BE49-F238E27FC236}">
-                <a16:creationId xmlns:a16="http://schemas.microsoft.com/office/drawing/2014/main" id="{29E946E2-2E12-59EC-C7F0-61F16C010155}"/>
-              </a:ext>
-            </a:extLst>
-          </p:cNvPr>
-          <p:cNvGrpSpPr/>
-          <p:nvPr/>
-        </p:nvGrpSpPr>
-        <p:grpSpPr>
-          <a:xfrm>
-            <a:off x="731521" y="1557654"/>
-            <a:ext cx="10881360" cy="5078277"/>
-            <a:chOff x="0" y="0"/>
-            <a:chExt cx="5953125" cy="3798542"/>
-          </a:xfrm>
-        </p:grpSpPr>
-        <p:sp>
-          <p:nvSpPr>
-            <p:cNvPr id="5" name="Rectangle 4">
-              <a:extLst>
-                <a:ext uri="{FF2B5EF4-FFF2-40B4-BE49-F238E27FC236}">
-                  <a16:creationId xmlns:a16="http://schemas.microsoft.com/office/drawing/2014/main" id="{E37C8750-87B7-D0F7-18A6-F51AE1A06D60}"/>
-                </a:ext>
-              </a:extLst>
-            </p:cNvPr>
-            <p:cNvSpPr/>
-            <p:nvPr/>
-          </p:nvSpPr>
-          <p:spPr>
-            <a:xfrm>
-              <a:off x="33007" y="0"/>
-              <a:ext cx="50673" cy="224380"/>
-            </a:xfrm>
-            <a:prstGeom prst="rect">
-              <a:avLst/>
-            </a:prstGeom>
-            <a:ln>
-              <a:noFill/>
-            </a:ln>
-          </p:spPr>
-          <p:txBody>
-            <a:bodyPr vert="horz" lIns="0" tIns="0" rIns="0" bIns="0" rtlCol="0">
-              <a:noAutofit/>
-            </a:bodyPr>
-            <a:lstStyle/>
-            <a:p>
-              <a:pPr marL="5080" marR="2540" indent="-5080" algn="l">
-                <a:lnSpc>
-                  <a:spcPct val="107000"/>
-                </a:lnSpc>
-                <a:spcAft>
-                  <a:spcPts val="800"/>
-                </a:spcAft>
-              </a:pPr>
-              <a:r>
-                <a:rPr lang="en-US" sz="1200">
-                  <a:solidFill>
-                    <a:srgbClr val="000000"/>
-                  </a:solidFill>
-                  <a:effectLst/>
-                  <a:latin typeface="Times New Roman" panose="02020603050405020304" pitchFamily="18" charset="0"/>
-                  <a:ea typeface="Times New Roman" panose="02020603050405020304" pitchFamily="18" charset="0"/>
-                </a:rPr>
-                <a:t> </a:t>
-              </a:r>
-            </a:p>
-          </p:txBody>
-        </p:sp>
-        <p:pic>
-          <p:nvPicPr>
-            <p:cNvPr id="6" name="Picture 4002">
-              <a:extLst>
-                <a:ext uri="{FF2B5EF4-FFF2-40B4-BE49-F238E27FC236}">
-                  <a16:creationId xmlns:a16="http://schemas.microsoft.com/office/drawing/2014/main" id="{B39A23C3-5D65-7518-5119-594B2463C5E4}"/>
-                </a:ext>
-              </a:extLst>
-            </p:cNvPr>
-            <p:cNvPicPr/>
-            <p:nvPr/>
-          </p:nvPicPr>
-          <p:blipFill>
-            <a:blip r:embed="rId2"/>
-            <a:stretch>
-              <a:fillRect/>
-            </a:stretch>
-          </p:blipFill>
-          <p:spPr>
-            <a:xfrm>
-              <a:off x="4763" y="200940"/>
-              <a:ext cx="5943600" cy="3343275"/>
-            </a:xfrm>
-            <a:prstGeom prst="rect">
-              <a:avLst/>
-            </a:prstGeom>
-          </p:spPr>
-        </p:pic>
-        <p:sp>
-          <p:nvSpPr>
-            <p:cNvPr id="7" name="Shape 4003">
-              <a:extLst>
-                <a:ext uri="{FF2B5EF4-FFF2-40B4-BE49-F238E27FC236}">
-                  <a16:creationId xmlns:a16="http://schemas.microsoft.com/office/drawing/2014/main" id="{D02A25B0-D47C-6D03-F510-1E38DDC252DE}"/>
-                </a:ext>
-              </a:extLst>
-            </p:cNvPr>
-            <p:cNvSpPr/>
-            <p:nvPr/>
-          </p:nvSpPr>
-          <p:spPr>
-            <a:xfrm>
-              <a:off x="0" y="196241"/>
-              <a:ext cx="5953125" cy="3352800"/>
-            </a:xfrm>
-            <a:custGeom>
-              <a:avLst/>
-              <a:gdLst/>
-              <a:ahLst/>
-              <a:cxnLst/>
-              <a:rect l="0" t="0" r="0" b="0"/>
-              <a:pathLst>
-                <a:path w="5953125" h="3352800">
-                  <a:moveTo>
-                    <a:pt x="0" y="3352800"/>
-                  </a:moveTo>
-                  <a:lnTo>
-                    <a:pt x="5953125" y="3352800"/>
-                  </a:lnTo>
-                  <a:lnTo>
-                    <a:pt x="5953125" y="0"/>
-                  </a:lnTo>
-                  <a:lnTo>
-                    <a:pt x="0" y="0"/>
-                  </a:lnTo>
-                  <a:close/>
-                </a:path>
-              </a:pathLst>
-            </a:custGeom>
-            <a:ln w="9525" cap="flat">
-              <a:round/>
-            </a:ln>
-          </p:spPr>
-          <p:style>
-            <a:lnRef idx="1">
-              <a:srgbClr val="4472C4"/>
-            </a:lnRef>
-            <a:fillRef idx="0">
-              <a:srgbClr val="000000">
-                <a:alpha val="0"/>
-              </a:srgbClr>
-            </a:fillRef>
-            <a:effectRef idx="0">
-              <a:scrgbClr r="0" g="0" b="0"/>
-            </a:effectRef>
-            <a:fontRef idx="none"/>
-          </p:style>
-          <p:txBody>
-            <a:bodyPr/>
-            <a:lstStyle/>
-            <a:p>
-              <a:endParaRPr lang="en-US"/>
-            </a:p>
-          </p:txBody>
-        </p:sp>
-        <p:sp>
-          <p:nvSpPr>
-            <p:cNvPr id="8" name="Rectangle 7">
-              <a:extLst>
-                <a:ext uri="{FF2B5EF4-FFF2-40B4-BE49-F238E27FC236}">
-                  <a16:creationId xmlns:a16="http://schemas.microsoft.com/office/drawing/2014/main" id="{70EBC18D-E274-A555-8306-E495A26CD406}"/>
-                </a:ext>
-              </a:extLst>
-            </p:cNvPr>
-            <p:cNvSpPr/>
-            <p:nvPr/>
-          </p:nvSpPr>
-          <p:spPr>
-            <a:xfrm>
-              <a:off x="2083117" y="3574162"/>
-              <a:ext cx="50673" cy="224380"/>
-            </a:xfrm>
-            <a:prstGeom prst="rect">
-              <a:avLst/>
-            </a:prstGeom>
-            <a:ln>
-              <a:noFill/>
-            </a:ln>
-          </p:spPr>
-          <p:txBody>
-            <a:bodyPr vert="horz" lIns="0" tIns="0" rIns="0" bIns="0" rtlCol="0">
-              <a:noAutofit/>
-            </a:bodyPr>
-            <a:lstStyle/>
-            <a:p>
-              <a:pPr marL="5080" marR="2540" indent="-5080" algn="l">
-                <a:lnSpc>
-                  <a:spcPct val="107000"/>
-                </a:lnSpc>
-                <a:spcAft>
-                  <a:spcPts val="800"/>
-                </a:spcAft>
-              </a:pPr>
-              <a:r>
-                <a:rPr lang="en-US" sz="1200" i="1">
-                  <a:solidFill>
-                    <a:srgbClr val="44546A"/>
-                  </a:solidFill>
-                  <a:effectLst/>
-                  <a:latin typeface="Times New Roman" panose="02020603050405020304" pitchFamily="18" charset="0"/>
-                  <a:ea typeface="Times New Roman" panose="02020603050405020304" pitchFamily="18" charset="0"/>
-                </a:rPr>
-                <a:t> </a:t>
-              </a:r>
-              <a:endParaRPr lang="en-US" sz="1200">
-                <a:solidFill>
-                  <a:srgbClr val="000000"/>
-                </a:solidFill>
-                <a:effectLst/>
-                <a:latin typeface="Times New Roman" panose="02020603050405020304" pitchFamily="18" charset="0"/>
-                <a:ea typeface="Times New Roman" panose="02020603050405020304" pitchFamily="18" charset="0"/>
-              </a:endParaRPr>
-            </a:p>
-          </p:txBody>
-        </p:sp>
-      </p:grpSp>
-      <p:pic>
-        <p:nvPicPr>
-          <p:cNvPr id="11" name="Picture 198101">
-            <a:extLst>
-              <a:ext uri="{FF2B5EF4-FFF2-40B4-BE49-F238E27FC236}">
-                <a16:creationId xmlns:a16="http://schemas.microsoft.com/office/drawing/2014/main" id="{B0E23AB8-A8DA-5CA1-E478-81BF7A848D9C}"/>
-              </a:ext>
-            </a:extLst>
-          </p:cNvPr>
-          <p:cNvPicPr/>
-          <p:nvPr/>
-        </p:nvPicPr>
-        <p:blipFill>
-          <a:blip r:embed="rId3"/>
-          <a:stretch>
-            <a:fillRect/>
-          </a:stretch>
-        </p:blipFill>
-        <p:spPr>
-          <a:xfrm>
-            <a:off x="465909" y="724385"/>
-            <a:ext cx="1058091" cy="757646"/>
-          </a:xfrm>
-          <a:prstGeom prst="rect">
-            <a:avLst/>
-          </a:prstGeom>
-        </p:spPr>
-      </p:pic>
-      <p:sp>
-        <p:nvSpPr>
-          <p:cNvPr id="12" name="Rectangle 11">
-            <a:extLst>
-              <a:ext uri="{FF2B5EF4-FFF2-40B4-BE49-F238E27FC236}">
-                <a16:creationId xmlns:a16="http://schemas.microsoft.com/office/drawing/2014/main" id="{053D1E22-5B06-910B-9247-AF093FF78D33}"/>
-              </a:ext>
-            </a:extLst>
-          </p:cNvPr>
-          <p:cNvSpPr/>
-          <p:nvPr/>
-        </p:nvSpPr>
-        <p:spPr>
-          <a:xfrm>
-            <a:off x="1530531" y="823841"/>
-            <a:ext cx="2103120" cy="666206"/>
-          </a:xfrm>
-          <a:prstGeom prst="rect">
-            <a:avLst/>
-          </a:prstGeom>
-          <a:solidFill>
-            <a:schemeClr val="bg1"/>
-          </a:solidFill>
-          <a:ln>
-            <a:noFill/>
-          </a:ln>
-        </p:spPr>
-        <p:style>
-          <a:lnRef idx="2">
-            <a:schemeClr val="accent1">
-              <a:shade val="50000"/>
-            </a:schemeClr>
-          </a:lnRef>
-          <a:fillRef idx="1">
-            <a:schemeClr val="accent1"/>
-          </a:fillRef>
-          <a:effectRef idx="0">
-            <a:schemeClr val="accent1"/>
-          </a:effectRef>
-          <a:fontRef idx="minor">
-            <a:schemeClr val="lt1"/>
-          </a:fontRef>
-        </p:style>
-        <p:txBody>
-          <a:bodyPr rtlCol="0" anchor="ctr"/>
-          <a:lstStyle/>
-          <a:p>
-            <a:pPr algn="ctr"/>
-            <a:r>
-              <a:rPr lang="en-US" sz="3600" dirty="0">
-                <a:solidFill>
-                  <a:schemeClr val="tx1"/>
-                </a:solidFill>
-                <a:latin typeface="Times New Roman" panose="02020603050405020304" pitchFamily="18" charset="0"/>
-                <a:cs typeface="Times New Roman" panose="02020603050405020304" pitchFamily="18" charset="0"/>
-              </a:rPr>
-              <a:t>REALIZE</a:t>
-            </a:r>
-          </a:p>
-        </p:txBody>
-      </p:sp>
-    </p:spTree>
-    <p:extLst>
-      <p:ext uri="{BB962C8B-B14F-4D97-AF65-F5344CB8AC3E}">
-        <p14:creationId xmlns:p14="http://schemas.microsoft.com/office/powerpoint/2010/main" val="1290070430"/>
-      </p:ext>
-    </p:extLst>
-  </p:cSld>
-  <p:clrMapOvr>
-    <a:masterClrMapping/>
-  </p:clrMapOvr>
-  <p:transition spd="med"/>
-</p:sld>
-</file>
-
-<file path=ppt/slides/slide8.xml><?xml version="1.0" encoding="utf-8"?>
-<p:sld xmlns:a="http://schemas.openxmlformats.org/drawingml/2006/main" xmlns:r="http://schemas.openxmlformats.org/officeDocument/2006/relationships" xmlns:p="http://schemas.openxmlformats.org/presentationml/2006/main">
-  <p:cSld>
-    <p:spTree>
-      <p:nvGrpSpPr>
-        <p:cNvPr id="1" name=""/>
-        <p:cNvGrpSpPr/>
-        <p:nvPr/>
-      </p:nvGrpSpPr>
-      <p:grpSpPr>
-        <a:xfrm>
-          <a:off x="0" y="0"/>
-          <a:ext cx="0" cy="0"/>
-          <a:chOff x="0" y="0"/>
-          <a:chExt cx="0" cy="0"/>
-        </a:xfrm>
-      </p:grpSpPr>
-      <p:pic>
-        <p:nvPicPr>
-          <p:cNvPr id="1026" name="Picture 2" descr="Free Download Animated Clipart For ...">
-            <a:extLst>
-              <a:ext uri="{FF2B5EF4-FFF2-40B4-BE49-F238E27FC236}">
-                <a16:creationId xmlns:a16="http://schemas.microsoft.com/office/drawing/2014/main" id="{1EA1B2C2-08CF-FC15-A0F2-7EE45C8803F0}"/>
-              </a:ext>
-            </a:extLst>
-          </p:cNvPr>
-          <p:cNvPicPr>
-            <a:picLocks noChangeAspect="1" noChangeArrowheads="1"/>
-          </p:cNvPicPr>
-          <p:nvPr/>
-        </p:nvPicPr>
-        <p:blipFill>
-          <a:blip r:embed="rId2">
-            <a:extLst>
-              <a:ext uri="{28A0092B-C50C-407E-A947-70E740481C1C}">
-                <a14:useLocalDpi xmlns:a14="http://schemas.microsoft.com/office/drawing/2010/main" val="0"/>
-              </a:ext>
-            </a:extLst>
-          </a:blip>
-          <a:srcRect/>
-          <a:stretch>
-            <a:fillRect/>
-          </a:stretch>
-        </p:blipFill>
-        <p:spPr bwMode="auto">
-          <a:xfrm>
-            <a:off x="1" y="-631850"/>
-            <a:ext cx="12192000" cy="8626966"/>
-          </a:xfrm>
-          <a:prstGeom prst="rect">
-            <a:avLst/>
-          </a:prstGeom>
-          <a:noFill/>
-          <a:extLst>
-            <a:ext uri="{909E8E84-426E-40DD-AFC4-6F175D3DCCD1}">
-              <a14:hiddenFill xmlns:a14="http://schemas.microsoft.com/office/drawing/2010/main">
-                <a:solidFill>
-                  <a:srgbClr val="FFFFFF"/>
-                </a:solidFill>
-              </a14:hiddenFill>
-            </a:ext>
-          </a:extLst>
-        </p:spPr>
-      </p:pic>
-      <p:sp>
-        <p:nvSpPr>
-          <p:cNvPr id="2" name="TextBox 1">
-            <a:extLst>
-              <a:ext uri="{FF2B5EF4-FFF2-40B4-BE49-F238E27FC236}">
-                <a16:creationId xmlns:a16="http://schemas.microsoft.com/office/drawing/2014/main" id="{4BEC050B-8681-259E-AD04-B505E4447804}"/>
-              </a:ext>
-            </a:extLst>
-          </p:cNvPr>
-          <p:cNvSpPr txBox="1"/>
-          <p:nvPr/>
-        </p:nvSpPr>
-        <p:spPr>
-          <a:xfrm>
-            <a:off x="3732551" y="2653259"/>
-            <a:ext cx="4856813" cy="1569660"/>
-          </a:xfrm>
-          <a:prstGeom prst="rect">
-            <a:avLst/>
-          </a:prstGeom>
-          <a:noFill/>
-        </p:spPr>
-        <p:txBody>
-          <a:bodyPr wrap="square" rtlCol="0">
-            <a:spAutoFit/>
-          </a:bodyPr>
-          <a:lstStyle/>
-          <a:p>
-            <a:r>
-              <a:rPr lang="en-US" sz="9600" dirty="0"/>
-              <a:t>CONTEXT</a:t>
-            </a:r>
-          </a:p>
-        </p:txBody>
-      </p:sp>
-    </p:spTree>
-    <p:extLst>
-      <p:ext uri="{BB962C8B-B14F-4D97-AF65-F5344CB8AC3E}">
-        <p14:creationId xmlns:p14="http://schemas.microsoft.com/office/powerpoint/2010/main" val="1285249752"/>
-      </p:ext>
-    </p:extLst>
-  </p:cSld>
-  <p:clrMapOvr>
-    <a:masterClrMapping/>
-  </p:clrMapOvr>
-  <p:transition spd="med"/>
-</p:sld>
-</file>
-
-<file path=ppt/slides/slide9.xml><?xml version="1.0" encoding="utf-8"?>
+<file path=ppt/slides/slide6.xml><?xml version="1.0" encoding="utf-8"?>
 <p:sld xmlns:a="http://schemas.openxmlformats.org/drawingml/2006/main" xmlns:r="http://schemas.openxmlformats.org/officeDocument/2006/relationships" xmlns:p="http://schemas.openxmlformats.org/presentationml/2006/main">
   <p:cSld>
     <p:spTree>
@@ -23017,13 +21914,23 @@
           <a:p>
             <a:r>
               <a:rPr lang="en-US" dirty="0"/>
-              <a:t>How to solve the problem </a:t>
+              <a:t>How can we solve the problem</a:t>
             </a:r>
             <a:r>
               <a:rPr lang="en-US" dirty="0">
                 <a:effectLst/>
               </a:rPr>
-              <a:t>lack of financial clarity, difficulty in making informed decisions, and potential overspending?</a:t>
+              <a:t> of financial </a:t>
+            </a:r>
+            <a:r>
+              <a:rPr lang="en-US" dirty="0"/>
+              <a:t>indiscipline</a:t>
+            </a:r>
+            <a:r>
+              <a:rPr lang="en-US" dirty="0">
+                <a:effectLst/>
+              </a:rPr>
+              <a:t> and potential overspending?</a:t>
             </a:r>
             <a:endParaRPr lang="en-US" dirty="0"/>
           </a:p>
@@ -23141,33 +22048,15 @@
                                   </p:childTnLst>
                                 </p:cTn>
                               </p:par>
-                            </p:childTnLst>
-                          </p:cTn>
-                        </p:par>
-                      </p:childTnLst>
-                    </p:cTn>
-                  </p:par>
-                  <p:par>
-                    <p:cTn id="7" fill="hold">
-                      <p:stCondLst>
-                        <p:cond delay="indefinite"/>
-                      </p:stCondLst>
-                      <p:childTnLst>
-                        <p:par>
-                          <p:cTn id="8" fill="hold">
-                            <p:stCondLst>
-                              <p:cond delay="0"/>
-                            </p:stCondLst>
-                            <p:childTnLst>
                               <p:par>
-                                <p:cTn id="9" presetID="1" presetClass="entr" presetSubtype="0" fill="hold" grpId="0" nodeType="clickEffect">
+                                <p:cTn id="7" presetID="1" presetClass="entr" presetSubtype="0" fill="hold" grpId="0" nodeType="withEffect">
                                   <p:stCondLst>
                                     <p:cond delay="0"/>
                                   </p:stCondLst>
                                   <p:childTnLst>
                                     <p:set>
                                       <p:cBhvr>
-                                        <p:cTn id="10" dur="1" fill="hold">
+                                        <p:cTn id="8" dur="1" fill="hold">
                                           <p:stCondLst>
                                             <p:cond delay="0"/>
                                           </p:stCondLst>
@@ -23221,6 +22110,700 @@
       <p:bldP spid="7" grpId="0" build="p"/>
     </p:bldLst>
   </p:timing>
+</p:sld>
+</file>
+
+<file path=ppt/slides/slide7.xml><?xml version="1.0" encoding="utf-8"?>
+<p:sld xmlns:a="http://schemas.openxmlformats.org/drawingml/2006/main" xmlns:r="http://schemas.openxmlformats.org/officeDocument/2006/relationships" xmlns:p="http://schemas.openxmlformats.org/presentationml/2006/main">
+  <p:cSld>
+    <p:spTree>
+      <p:nvGrpSpPr>
+        <p:cNvPr id="1" name=""/>
+        <p:cNvGrpSpPr/>
+        <p:nvPr/>
+      </p:nvGrpSpPr>
+      <p:grpSpPr>
+        <a:xfrm>
+          <a:off x="0" y="0"/>
+          <a:ext cx="0" cy="0"/>
+          <a:chOff x="0" y="0"/>
+          <a:chExt cx="0" cy="0"/>
+        </a:xfrm>
+      </p:grpSpPr>
+      <p:sp>
+        <p:nvSpPr>
+          <p:cNvPr id="2" name="Title 1">
+            <a:extLst>
+              <a:ext uri="{FF2B5EF4-FFF2-40B4-BE49-F238E27FC236}">
+                <a16:creationId xmlns:a16="http://schemas.microsoft.com/office/drawing/2014/main" id="{01608BF1-6ABC-3E84-1A40-04B3F94FCE22}"/>
+              </a:ext>
+            </a:extLst>
+          </p:cNvPr>
+          <p:cNvSpPr>
+            <a:spLocks noGrp="1"/>
+          </p:cNvSpPr>
+          <p:nvPr>
+            <p:ph type="ctrTitle"/>
+          </p:nvPr>
+        </p:nvSpPr>
+        <p:spPr>
+          <a:xfrm>
+            <a:off x="0" y="0"/>
+            <a:ext cx="12192000" cy="1533377"/>
+          </a:xfrm>
+          <a:solidFill>
+            <a:srgbClr val="1B55BE"/>
+          </a:solidFill>
+        </p:spPr>
+        <p:txBody>
+          <a:bodyPr>
+            <a:normAutofit fontScale="90000"/>
+          </a:bodyPr>
+          <a:lstStyle/>
+          <a:p>
+            <a:r>
+              <a:rPr lang="en-US" dirty="0"/>
+              <a:t> </a:t>
+            </a:r>
+            <a:br>
+              <a:rPr lang="en-US" dirty="0"/>
+            </a:br>
+            <a:r>
+              <a:rPr lang="en-US" dirty="0"/>
+              <a:t>Proposed SOLUTION</a:t>
+            </a:r>
+            <a:br>
+              <a:rPr lang="en-US" dirty="0"/>
+            </a:br>
+            <a:endParaRPr lang="en-US" dirty="0"/>
+          </a:p>
+        </p:txBody>
+      </p:sp>
+      <p:sp>
+        <p:nvSpPr>
+          <p:cNvPr id="3" name="Subtitle 2">
+            <a:extLst>
+              <a:ext uri="{FF2B5EF4-FFF2-40B4-BE49-F238E27FC236}">
+                <a16:creationId xmlns:a16="http://schemas.microsoft.com/office/drawing/2014/main" id="{42541F94-10B0-2CF3-EACA-4F366CF7AFF4}"/>
+              </a:ext>
+            </a:extLst>
+          </p:cNvPr>
+          <p:cNvSpPr>
+            <a:spLocks noGrp="1"/>
+          </p:cNvSpPr>
+          <p:nvPr>
+            <p:ph type="subTitle" idx="1"/>
+          </p:nvPr>
+        </p:nvSpPr>
+        <p:spPr>
+          <a:xfrm>
+            <a:off x="0" y="1533378"/>
+            <a:ext cx="12192000" cy="5324622"/>
+          </a:xfrm>
+        </p:spPr>
+        <p:txBody>
+          <a:bodyPr/>
+          <a:lstStyle/>
+          <a:p>
+            <a:endParaRPr lang="en-US" dirty="0">
+              <a:solidFill>
+                <a:srgbClr val="6B90B2"/>
+              </a:solidFill>
+            </a:endParaRPr>
+          </a:p>
+        </p:txBody>
+      </p:sp>
+      <p:pic>
+        <p:nvPicPr>
+          <p:cNvPr id="2054" name="Picture 6" descr="Wallet Icon PNG Images, Vectors Free Download - Pngtree">
+            <a:extLst>
+              <a:ext uri="{FF2B5EF4-FFF2-40B4-BE49-F238E27FC236}">
+                <a16:creationId xmlns:a16="http://schemas.microsoft.com/office/drawing/2014/main" id="{DDC78871-A002-93AA-ECE5-944A974925A9}"/>
+              </a:ext>
+            </a:extLst>
+          </p:cNvPr>
+          <p:cNvPicPr>
+            <a:picLocks noChangeAspect="1" noChangeArrowheads="1"/>
+          </p:cNvPicPr>
+          <p:nvPr/>
+        </p:nvPicPr>
+        <p:blipFill>
+          <a:blip r:embed="rId2">
+            <a:extLst>
+              <a:ext uri="{28A0092B-C50C-407E-A947-70E740481C1C}">
+                <a14:useLocalDpi xmlns:a14="http://schemas.microsoft.com/office/drawing/2010/main" val="0"/>
+              </a:ext>
+            </a:extLst>
+          </a:blip>
+          <a:srcRect/>
+          <a:stretch>
+            <a:fillRect/>
+          </a:stretch>
+        </p:blipFill>
+        <p:spPr bwMode="auto">
+          <a:xfrm>
+            <a:off x="147125" y="2896186"/>
+            <a:ext cx="2455398" cy="1714500"/>
+          </a:xfrm>
+          <a:prstGeom prst="rect">
+            <a:avLst/>
+          </a:prstGeom>
+          <a:noFill/>
+          <a:extLst>
+            <a:ext uri="{909E8E84-426E-40DD-AFC4-6F175D3DCCD1}">
+              <a14:hiddenFill xmlns:a14="http://schemas.microsoft.com/office/drawing/2010/main">
+                <a:solidFill>
+                  <a:srgbClr val="FFFFFF"/>
+                </a:solidFill>
+              </a14:hiddenFill>
+            </a:ext>
+          </a:extLst>
+        </p:spPr>
+      </p:pic>
+      <p:sp>
+        <p:nvSpPr>
+          <p:cNvPr id="4" name="TextBox 3">
+            <a:extLst>
+              <a:ext uri="{FF2B5EF4-FFF2-40B4-BE49-F238E27FC236}">
+                <a16:creationId xmlns:a16="http://schemas.microsoft.com/office/drawing/2014/main" id="{07740DF1-D251-ED2D-6993-19B7C4A630C5}"/>
+              </a:ext>
+            </a:extLst>
+          </p:cNvPr>
+          <p:cNvSpPr txBox="1"/>
+          <p:nvPr/>
+        </p:nvSpPr>
+        <p:spPr>
+          <a:xfrm>
+            <a:off x="896522" y="4955290"/>
+            <a:ext cx="1167619" cy="369332"/>
+          </a:xfrm>
+          <a:prstGeom prst="rect">
+            <a:avLst/>
+          </a:prstGeom>
+          <a:noFill/>
+        </p:spPr>
+        <p:txBody>
+          <a:bodyPr wrap="square" rtlCol="0">
+            <a:spAutoFit/>
+          </a:bodyPr>
+          <a:lstStyle/>
+          <a:p>
+            <a:r>
+              <a:rPr lang="en-US" dirty="0"/>
+              <a:t>K-wallet</a:t>
+            </a:r>
+          </a:p>
+        </p:txBody>
+      </p:sp>
+      <p:cxnSp>
+        <p:nvCxnSpPr>
+          <p:cNvPr id="7" name="Straight Connector 6">
+            <a:extLst>
+              <a:ext uri="{FF2B5EF4-FFF2-40B4-BE49-F238E27FC236}">
+                <a16:creationId xmlns:a16="http://schemas.microsoft.com/office/drawing/2014/main" id="{4D651D46-6327-29E0-C066-E587037534FD}"/>
+              </a:ext>
+            </a:extLst>
+          </p:cNvPr>
+          <p:cNvCxnSpPr/>
+          <p:nvPr/>
+        </p:nvCxnSpPr>
+        <p:spPr>
+          <a:xfrm>
+            <a:off x="3348110" y="2785403"/>
+            <a:ext cx="0" cy="2743200"/>
+          </a:xfrm>
+          <a:prstGeom prst="line">
+            <a:avLst/>
+          </a:prstGeom>
+        </p:spPr>
+        <p:style>
+          <a:lnRef idx="1">
+            <a:schemeClr val="accent1"/>
+          </a:lnRef>
+          <a:fillRef idx="0">
+            <a:schemeClr val="accent1"/>
+          </a:fillRef>
+          <a:effectRef idx="0">
+            <a:schemeClr val="accent1"/>
+          </a:effectRef>
+          <a:fontRef idx="minor">
+            <a:schemeClr val="tx1"/>
+          </a:fontRef>
+        </p:style>
+      </p:cxnSp>
+    </p:spTree>
+    <p:extLst>
+      <p:ext uri="{BB962C8B-B14F-4D97-AF65-F5344CB8AC3E}">
+        <p14:creationId xmlns:p14="http://schemas.microsoft.com/office/powerpoint/2010/main" val="424329479"/>
+      </p:ext>
+    </p:extLst>
+  </p:cSld>
+  <p:clrMapOvr>
+    <a:masterClrMapping/>
+  </p:clrMapOvr>
+  <p:transition spd="med"/>
+</p:sld>
+</file>
+
+<file path=ppt/slides/slide8.xml><?xml version="1.0" encoding="utf-8"?>
+<p:sld xmlns:a="http://schemas.openxmlformats.org/drawingml/2006/main" xmlns:r="http://schemas.openxmlformats.org/officeDocument/2006/relationships" xmlns:p="http://schemas.openxmlformats.org/presentationml/2006/main">
+  <p:cSld>
+    <p:spTree>
+      <p:nvGrpSpPr>
+        <p:cNvPr id="1" name=""/>
+        <p:cNvGrpSpPr/>
+        <p:nvPr/>
+      </p:nvGrpSpPr>
+      <p:grpSpPr>
+        <a:xfrm>
+          <a:off x="0" y="0"/>
+          <a:ext cx="0" cy="0"/>
+          <a:chOff x="0" y="0"/>
+          <a:chExt cx="0" cy="0"/>
+        </a:xfrm>
+      </p:grpSpPr>
+      <p:sp>
+        <p:nvSpPr>
+          <p:cNvPr id="4" name="Titre 1">
+            <a:extLst>
+              <a:ext uri="{FF2B5EF4-FFF2-40B4-BE49-F238E27FC236}">
+                <a16:creationId xmlns:a16="http://schemas.microsoft.com/office/drawing/2014/main" id="{B7839400-EAE4-5183-3B11-06D5EF4DD5A0}"/>
+              </a:ext>
+            </a:extLst>
+          </p:cNvPr>
+          <p:cNvSpPr>
+            <a:spLocks noGrp="1"/>
+          </p:cNvSpPr>
+          <p:nvPr>
+            <p:ph type="title"/>
+          </p:nvPr>
+        </p:nvSpPr>
+        <p:spPr>
+          <a:xfrm>
+            <a:off x="0" y="1"/>
+            <a:ext cx="12192000" cy="1357532"/>
+          </a:xfrm>
+          <a:solidFill>
+            <a:srgbClr val="6B90B2"/>
+          </a:solidFill>
+        </p:spPr>
+        <p:txBody>
+          <a:bodyPr/>
+          <a:lstStyle/>
+          <a:p>
+            <a:pPr algn="ctr"/>
+            <a:r>
+              <a:rPr lang="en-US" dirty="0">
+                <a:solidFill>
+                  <a:schemeClr val="bg1"/>
+                </a:solidFill>
+              </a:rPr>
+              <a:t>METHODOLOGY</a:t>
+            </a:r>
+          </a:p>
+        </p:txBody>
+      </p:sp>
+      <p:pic>
+        <p:nvPicPr>
+          <p:cNvPr id="7" name="Content Placeholder 8">
+            <a:extLst>
+              <a:ext uri="{FF2B5EF4-FFF2-40B4-BE49-F238E27FC236}">
+                <a16:creationId xmlns:a16="http://schemas.microsoft.com/office/drawing/2014/main" id="{732AF2F9-C089-0D70-7961-D190A482591F}"/>
+              </a:ext>
+            </a:extLst>
+          </p:cNvPr>
+          <p:cNvPicPr>
+            <a:picLocks noGrp="1" noChangeAspect="1"/>
+          </p:cNvPicPr>
+          <p:nvPr>
+            <p:ph sz="half" idx="1"/>
+          </p:nvPr>
+        </p:nvPicPr>
+        <p:blipFill>
+          <a:blip r:embed="rId2">
+            <a:extLst>
+              <a:ext uri="{28A0092B-C50C-407E-A947-70E740481C1C}">
+                <a14:useLocalDpi xmlns:a14="http://schemas.microsoft.com/office/drawing/2010/main" val="0"/>
+              </a:ext>
+            </a:extLst>
+          </a:blip>
+          <a:stretch>
+            <a:fillRect/>
+          </a:stretch>
+        </p:blipFill>
+        <p:spPr>
+          <a:xfrm>
+            <a:off x="438278" y="1797147"/>
+            <a:ext cx="5181600" cy="3263705"/>
+          </a:xfrm>
+          <a:prstGeom prst="rect">
+            <a:avLst/>
+          </a:prstGeom>
+        </p:spPr>
+      </p:pic>
+      <p:sp>
+        <p:nvSpPr>
+          <p:cNvPr id="9" name="TextBox 8">
+            <a:extLst>
+              <a:ext uri="{FF2B5EF4-FFF2-40B4-BE49-F238E27FC236}">
+                <a16:creationId xmlns:a16="http://schemas.microsoft.com/office/drawing/2014/main" id="{31049C20-BAA9-F4F4-FEA8-4119D99CEFC8}"/>
+              </a:ext>
+            </a:extLst>
+          </p:cNvPr>
+          <p:cNvSpPr txBox="1"/>
+          <p:nvPr/>
+        </p:nvSpPr>
+        <p:spPr>
+          <a:xfrm>
+            <a:off x="323557" y="5500468"/>
+            <a:ext cx="5296321" cy="1200329"/>
+          </a:xfrm>
+          <a:prstGeom prst="rect">
+            <a:avLst/>
+          </a:prstGeom>
+          <a:noFill/>
+        </p:spPr>
+        <p:txBody>
+          <a:bodyPr wrap="square" rtlCol="0">
+            <a:spAutoFit/>
+          </a:bodyPr>
+          <a:lstStyle/>
+          <a:p>
+            <a:r>
+              <a:rPr lang="en-US" sz="1800" b="1" dirty="0"/>
+              <a:t>An object oriented modeling language mainly used to model or analyze a system which focuses on user’s need</a:t>
+            </a:r>
+          </a:p>
+          <a:p>
+            <a:endParaRPr lang="en-US" dirty="0"/>
+          </a:p>
+        </p:txBody>
+      </p:sp>
+      <p:pic>
+        <p:nvPicPr>
+          <p:cNvPr id="10" name="Content Placeholder 9">
+            <a:extLst>
+              <a:ext uri="{FF2B5EF4-FFF2-40B4-BE49-F238E27FC236}">
+                <a16:creationId xmlns:a16="http://schemas.microsoft.com/office/drawing/2014/main" id="{4C3E7308-3BC9-FF9B-7074-62319B45A995}"/>
+              </a:ext>
+            </a:extLst>
+          </p:cNvPr>
+          <p:cNvPicPr>
+            <a:picLocks noGrp="1"/>
+          </p:cNvPicPr>
+          <p:nvPr>
+            <p:ph sz="half" idx="2"/>
+          </p:nvPr>
+        </p:nvPicPr>
+        <p:blipFill>
+          <a:blip r:embed="rId3">
+            <a:extLst>
+              <a:ext uri="{28A0092B-C50C-407E-A947-70E740481C1C}">
+                <a14:useLocalDpi xmlns:a14="http://schemas.microsoft.com/office/drawing/2010/main" val="0"/>
+              </a:ext>
+            </a:extLst>
+          </a:blip>
+          <a:stretch>
+            <a:fillRect/>
+          </a:stretch>
+        </p:blipFill>
+        <p:spPr>
+          <a:xfrm>
+            <a:off x="6172200" y="2067951"/>
+            <a:ext cx="5181600" cy="4424924"/>
+          </a:xfrm>
+          <a:prstGeom prst="rect">
+            <a:avLst/>
+          </a:prstGeom>
+        </p:spPr>
+      </p:pic>
+    </p:spTree>
+    <p:extLst>
+      <p:ext uri="{BB962C8B-B14F-4D97-AF65-F5344CB8AC3E}">
+        <p14:creationId xmlns:p14="http://schemas.microsoft.com/office/powerpoint/2010/main" val="953501097"/>
+      </p:ext>
+    </p:extLst>
+  </p:cSld>
+  <p:clrMapOvr>
+    <a:masterClrMapping/>
+  </p:clrMapOvr>
+  <p:transition spd="med"/>
+  <p:timing>
+    <p:tnLst>
+      <p:par>
+        <p:cTn id="1" dur="indefinite" restart="never" nodeType="tmRoot">
+          <p:childTnLst>
+            <p:seq concurrent="1" nextAc="seek">
+              <p:cTn id="2" dur="indefinite" nodeType="mainSeq">
+                <p:childTnLst>
+                  <p:par>
+                    <p:cTn id="3" fill="hold">
+                      <p:stCondLst>
+                        <p:cond delay="indefinite"/>
+                      </p:stCondLst>
+                      <p:childTnLst>
+                        <p:par>
+                          <p:cTn id="4" fill="hold">
+                            <p:stCondLst>
+                              <p:cond delay="0"/>
+                            </p:stCondLst>
+                            <p:childTnLst>
+                              <p:par>
+                                <p:cTn id="5" presetID="1" presetClass="entr" presetSubtype="0" fill="hold" nodeType="clickEffect">
+                                  <p:stCondLst>
+                                    <p:cond delay="0"/>
+                                  </p:stCondLst>
+                                  <p:childTnLst>
+                                    <p:set>
+                                      <p:cBhvr>
+                                        <p:cTn id="6" dur="1" fill="hold">
+                                          <p:stCondLst>
+                                            <p:cond delay="0"/>
+                                          </p:stCondLst>
+                                        </p:cTn>
+                                        <p:tgtEl>
+                                          <p:spTgt spid="7"/>
+                                        </p:tgtEl>
+                                        <p:attrNameLst>
+                                          <p:attrName>style.visibility</p:attrName>
+                                        </p:attrNameLst>
+                                      </p:cBhvr>
+                                      <p:to>
+                                        <p:strVal val="visible"/>
+                                      </p:to>
+                                    </p:set>
+                                  </p:childTnLst>
+                                </p:cTn>
+                              </p:par>
+                              <p:par>
+                                <p:cTn id="7" presetID="1" presetClass="entr" presetSubtype="0" fill="hold" grpId="0" nodeType="withEffect">
+                                  <p:stCondLst>
+                                    <p:cond delay="0"/>
+                                  </p:stCondLst>
+                                  <p:childTnLst>
+                                    <p:set>
+                                      <p:cBhvr>
+                                        <p:cTn id="8" dur="1" fill="hold">
+                                          <p:stCondLst>
+                                            <p:cond delay="0"/>
+                                          </p:stCondLst>
+                                        </p:cTn>
+                                        <p:tgtEl>
+                                          <p:spTgt spid="9"/>
+                                        </p:tgtEl>
+                                        <p:attrNameLst>
+                                          <p:attrName>style.visibility</p:attrName>
+                                        </p:attrNameLst>
+                                      </p:cBhvr>
+                                      <p:to>
+                                        <p:strVal val="visible"/>
+                                      </p:to>
+                                    </p:set>
+                                  </p:childTnLst>
+                                </p:cTn>
+                              </p:par>
+                            </p:childTnLst>
+                          </p:cTn>
+                        </p:par>
+                      </p:childTnLst>
+                    </p:cTn>
+                  </p:par>
+                  <p:par>
+                    <p:cTn id="9" fill="hold">
+                      <p:stCondLst>
+                        <p:cond delay="indefinite"/>
+                      </p:stCondLst>
+                      <p:childTnLst>
+                        <p:par>
+                          <p:cTn id="10" fill="hold">
+                            <p:stCondLst>
+                              <p:cond delay="0"/>
+                            </p:stCondLst>
+                            <p:childTnLst>
+                              <p:par>
+                                <p:cTn id="11" presetID="1" presetClass="entr" presetSubtype="0" fill="hold" nodeType="clickEffect">
+                                  <p:stCondLst>
+                                    <p:cond delay="0"/>
+                                  </p:stCondLst>
+                                  <p:childTnLst>
+                                    <p:set>
+                                      <p:cBhvr>
+                                        <p:cTn id="12" dur="1" fill="hold">
+                                          <p:stCondLst>
+                                            <p:cond delay="0"/>
+                                          </p:stCondLst>
+                                        </p:cTn>
+                                        <p:tgtEl>
+                                          <p:spTgt spid="10"/>
+                                        </p:tgtEl>
+                                        <p:attrNameLst>
+                                          <p:attrName>style.visibility</p:attrName>
+                                        </p:attrNameLst>
+                                      </p:cBhvr>
+                                      <p:to>
+                                        <p:strVal val="visible"/>
+                                      </p:to>
+                                    </p:set>
+                                  </p:childTnLst>
+                                </p:cTn>
+                              </p:par>
+                            </p:childTnLst>
+                          </p:cTn>
+                        </p:par>
+                      </p:childTnLst>
+                    </p:cTn>
+                  </p:par>
+                </p:childTnLst>
+              </p:cTn>
+              <p:prevCondLst>
+                <p:cond evt="onPrev" delay="0">
+                  <p:tgtEl>
+                    <p:sldTgt/>
+                  </p:tgtEl>
+                </p:cond>
+              </p:prevCondLst>
+              <p:nextCondLst>
+                <p:cond evt="onNext" delay="0">
+                  <p:tgtEl>
+                    <p:sldTgt/>
+                  </p:tgtEl>
+                </p:cond>
+              </p:nextCondLst>
+            </p:seq>
+          </p:childTnLst>
+        </p:cTn>
+      </p:par>
+    </p:tnLst>
+    <p:bldLst>
+      <p:bldP spid="9" grpId="0"/>
+    </p:bldLst>
+  </p:timing>
+</p:sld>
+</file>
+
+<file path=ppt/slides/slide9.xml><?xml version="1.0" encoding="utf-8"?>
+<p:sld xmlns:a="http://schemas.openxmlformats.org/drawingml/2006/main" xmlns:r="http://schemas.openxmlformats.org/officeDocument/2006/relationships" xmlns:p="http://schemas.openxmlformats.org/presentationml/2006/main">
+  <p:cSld>
+    <p:spTree>
+      <p:nvGrpSpPr>
+        <p:cNvPr id="1" name=""/>
+        <p:cNvGrpSpPr/>
+        <p:nvPr/>
+      </p:nvGrpSpPr>
+      <p:grpSpPr>
+        <a:xfrm>
+          <a:off x="0" y="0"/>
+          <a:ext cx="0" cy="0"/>
+          <a:chOff x="0" y="0"/>
+          <a:chExt cx="0" cy="0"/>
+        </a:xfrm>
+      </p:grpSpPr>
+      <p:sp>
+        <p:nvSpPr>
+          <p:cNvPr id="5" name="Title 4">
+            <a:extLst>
+              <a:ext uri="{FF2B5EF4-FFF2-40B4-BE49-F238E27FC236}">
+                <a16:creationId xmlns:a16="http://schemas.microsoft.com/office/drawing/2014/main" id="{51DCF938-31DD-F5BE-25A6-A3F728432D49}"/>
+              </a:ext>
+            </a:extLst>
+          </p:cNvPr>
+          <p:cNvSpPr>
+            <a:spLocks noGrp="1"/>
+          </p:cNvSpPr>
+          <p:nvPr>
+            <p:ph type="ctrTitle"/>
+          </p:nvPr>
+        </p:nvSpPr>
+        <p:spPr>
+          <a:xfrm>
+            <a:off x="0" y="0"/>
+            <a:ext cx="12192000" cy="858129"/>
+          </a:xfrm>
+        </p:spPr>
+        <p:txBody>
+          <a:bodyPr>
+            <a:normAutofit fontScale="90000"/>
+          </a:bodyPr>
+          <a:lstStyle/>
+          <a:p>
+            <a:r>
+              <a:rPr lang="en-US" dirty="0"/>
+              <a:t>USE CASE DIAGRAM</a:t>
+            </a:r>
+          </a:p>
+        </p:txBody>
+      </p:sp>
+      <p:sp>
+        <p:nvSpPr>
+          <p:cNvPr id="6" name="Subtitle 5">
+            <a:extLst>
+              <a:ext uri="{FF2B5EF4-FFF2-40B4-BE49-F238E27FC236}">
+                <a16:creationId xmlns:a16="http://schemas.microsoft.com/office/drawing/2014/main" id="{CF2D5970-61DD-F803-7C2C-D87DAB95CDFF}"/>
+              </a:ext>
+            </a:extLst>
+          </p:cNvPr>
+          <p:cNvSpPr>
+            <a:spLocks noGrp="1"/>
+          </p:cNvSpPr>
+          <p:nvPr>
+            <p:ph type="subTitle" idx="1"/>
+          </p:nvPr>
+        </p:nvSpPr>
+        <p:spPr>
+          <a:xfrm>
+            <a:off x="1524000" y="1406769"/>
+            <a:ext cx="9144000" cy="3851031"/>
+          </a:xfrm>
+        </p:spPr>
+        <p:txBody>
+          <a:bodyPr/>
+          <a:lstStyle/>
+          <a:p>
+            <a:endParaRPr lang="en-US" dirty="0"/>
+          </a:p>
+        </p:txBody>
+      </p:sp>
+      <p:pic>
+        <p:nvPicPr>
+          <p:cNvPr id="7" name="Picture 6">
+            <a:extLst>
+              <a:ext uri="{FF2B5EF4-FFF2-40B4-BE49-F238E27FC236}">
+                <a16:creationId xmlns:a16="http://schemas.microsoft.com/office/drawing/2014/main" id="{7A16F7BF-EA25-654E-E12A-B73105AEB77A}"/>
+              </a:ext>
+            </a:extLst>
+          </p:cNvPr>
+          <p:cNvPicPr>
+            <a:picLocks noChangeAspect="1"/>
+          </p:cNvPicPr>
+          <p:nvPr/>
+        </p:nvPicPr>
+        <p:blipFill>
+          <a:blip r:embed="rId2"/>
+          <a:stretch>
+            <a:fillRect/>
+          </a:stretch>
+        </p:blipFill>
+        <p:spPr>
+          <a:xfrm>
+            <a:off x="618977" y="1105852"/>
+            <a:ext cx="10930597" cy="5970197"/>
+          </a:xfrm>
+          <a:prstGeom prst="rect">
+            <a:avLst/>
+          </a:prstGeom>
+        </p:spPr>
+      </p:pic>
+    </p:spTree>
+    <p:extLst>
+      <p:ext uri="{BB962C8B-B14F-4D97-AF65-F5344CB8AC3E}">
+        <p14:creationId xmlns:p14="http://schemas.microsoft.com/office/powerpoint/2010/main" val="3331684452"/>
+      </p:ext>
+    </p:extLst>
+  </p:cSld>
+  <p:clrMapOvr>
+    <a:masterClrMapping/>
+  </p:clrMapOvr>
+  <p:transition spd="med"/>
 </p:sld>
 </file>
 

--- a/Presentation1.pptx
+++ b/Presentation1.pptx
@@ -5485,7 +5485,7 @@
                 </a:solidFill>
                 <a:latin typeface="Algerian" panose="04020705040A02060702" pitchFamily="82" charset="0"/>
               </a:rPr>
-              <a:t>Architecture </a:t>
+              <a:t>Architecture of </a:t>
             </a:r>
             <a:r>
               <a:rPr lang="fr-FR" sz="3600" b="1" dirty="0" err="1">
@@ -5494,7 +5494,16 @@
                 </a:solidFill>
                 <a:latin typeface="Algerian" panose="04020705040A02060702" pitchFamily="82" charset="0"/>
               </a:rPr>
-              <a:t>used</a:t>
+              <a:t>our</a:t>
+            </a:r>
+            <a:r>
+              <a:rPr lang="fr-FR" sz="3600" b="1" dirty="0">
+                <a:solidFill>
+                  <a:schemeClr val="bg1"/>
+                </a:solidFill>
+                <a:latin typeface="Algerian" panose="04020705040A02060702" pitchFamily="82" charset="0"/>
+              </a:rPr>
+              <a:t> system</a:t>
             </a:r>
             <a:endParaRPr lang="en-US" sz="3600" b="1" dirty="0">
               <a:solidFill>
@@ -7041,13 +7050,13 @@
           <a:p>
             <a:r>
               <a:rPr lang="en-US" dirty="0"/>
-              <a:t>Being able to dispatch the different savings into sections so as to be able to properly save</a:t>
+              <a:t>Being able to generate the statistics of the pie chart daily, weekly, monthly or yearly depending on the user</a:t>
             </a:r>
           </a:p>
           <a:p>
             <a:r>
               <a:rPr lang="en-US" dirty="0"/>
-              <a:t>Being able to generate the statistics of the pie chart daily, weekly, monthly or yearly depending on the user</a:t>
+              <a:t>Budget alerts to notify the user incase of overspending</a:t>
             </a:r>
           </a:p>
         </p:txBody>
@@ -7410,7 +7419,10 @@
           <a:bodyPr/>
           <a:lstStyle/>
           <a:p>
-            <a:endParaRPr lang="en-US" dirty="0"/>
+            <a:r>
+              <a:rPr lang="en-US" dirty="0"/>
+              <a:t>Using the K-wallet application, individuals can cultivate better financial habits, archive their financial goals and build a more secure future</a:t>
+            </a:r>
           </a:p>
         </p:txBody>
       </p:sp>
@@ -22304,13 +22316,15 @@
               </a:ext>
             </a:extLst>
           </p:cNvPr>
-          <p:cNvCxnSpPr/>
+          <p:cNvCxnSpPr>
+            <a:cxnSpLocks/>
+          </p:cNvCxnSpPr>
           <p:nvPr/>
         </p:nvCxnSpPr>
         <p:spPr>
           <a:xfrm>
-            <a:off x="3348110" y="2785403"/>
-            <a:ext cx="0" cy="2743200"/>
+            <a:off x="3418449" y="1969477"/>
+            <a:ext cx="0" cy="4290646"/>
           </a:xfrm>
           <a:prstGeom prst="line">
             <a:avLst/>
@@ -22331,6 +22345,153 @@
           </a:fontRef>
         </p:style>
       </p:cxnSp>
+      <p:sp>
+        <p:nvSpPr>
+          <p:cNvPr id="8" name="Rectangle: Rounded Corners 7">
+            <a:extLst>
+              <a:ext uri="{FF2B5EF4-FFF2-40B4-BE49-F238E27FC236}">
+                <a16:creationId xmlns:a16="http://schemas.microsoft.com/office/drawing/2014/main" id="{99AA1868-3738-0067-223D-AE538BEAA866}"/>
+              </a:ext>
+            </a:extLst>
+          </p:cNvPr>
+          <p:cNvSpPr/>
+          <p:nvPr/>
+        </p:nvSpPr>
+        <p:spPr>
+          <a:xfrm>
+            <a:off x="4907283" y="1617785"/>
+            <a:ext cx="2897942" cy="703384"/>
+          </a:xfrm>
+          <a:prstGeom prst="roundRect">
+            <a:avLst/>
+          </a:prstGeom>
+        </p:spPr>
+        <p:style>
+          <a:lnRef idx="2">
+            <a:schemeClr val="accent1">
+              <a:shade val="15000"/>
+            </a:schemeClr>
+          </a:lnRef>
+          <a:fillRef idx="1">
+            <a:schemeClr val="accent1"/>
+          </a:fillRef>
+          <a:effectRef idx="0">
+            <a:schemeClr val="accent1"/>
+          </a:effectRef>
+          <a:fontRef idx="minor">
+            <a:schemeClr val="lt1"/>
+          </a:fontRef>
+        </p:style>
+        <p:txBody>
+          <a:bodyPr rtlCol="0" anchor="ctr"/>
+          <a:lstStyle/>
+          <a:p>
+            <a:pPr algn="ctr"/>
+            <a:r>
+              <a:rPr lang="en-US" dirty="0"/>
+              <a:t>Records functionality</a:t>
+            </a:r>
+          </a:p>
+        </p:txBody>
+      </p:sp>
+      <p:sp>
+        <p:nvSpPr>
+          <p:cNvPr id="13" name="Rectangle: Rounded Corners 12">
+            <a:extLst>
+              <a:ext uri="{FF2B5EF4-FFF2-40B4-BE49-F238E27FC236}">
+                <a16:creationId xmlns:a16="http://schemas.microsoft.com/office/drawing/2014/main" id="{705061FF-F900-8F45-202B-690B39A3AEB1}"/>
+              </a:ext>
+            </a:extLst>
+          </p:cNvPr>
+          <p:cNvSpPr/>
+          <p:nvPr/>
+        </p:nvSpPr>
+        <p:spPr>
+          <a:xfrm>
+            <a:off x="4907285" y="2827606"/>
+            <a:ext cx="2897939" cy="703384"/>
+          </a:xfrm>
+          <a:prstGeom prst="roundRect">
+            <a:avLst/>
+          </a:prstGeom>
+        </p:spPr>
+        <p:style>
+          <a:lnRef idx="2">
+            <a:schemeClr val="accent1">
+              <a:shade val="15000"/>
+            </a:schemeClr>
+          </a:lnRef>
+          <a:fillRef idx="1">
+            <a:schemeClr val="accent1"/>
+          </a:fillRef>
+          <a:effectRef idx="0">
+            <a:schemeClr val="accent1"/>
+          </a:effectRef>
+          <a:fontRef idx="minor">
+            <a:schemeClr val="lt1"/>
+          </a:fontRef>
+        </p:style>
+        <p:txBody>
+          <a:bodyPr rtlCol="0" anchor="ctr"/>
+          <a:lstStyle/>
+          <a:p>
+            <a:pPr algn="ctr"/>
+            <a:r>
+              <a:rPr lang="en-US" dirty="0"/>
+              <a:t>Budget functionality</a:t>
+            </a:r>
+          </a:p>
+        </p:txBody>
+      </p:sp>
+      <p:sp>
+        <p:nvSpPr>
+          <p:cNvPr id="14" name="Rectangle: Rounded Corners 13">
+            <a:extLst>
+              <a:ext uri="{FF2B5EF4-FFF2-40B4-BE49-F238E27FC236}">
+                <a16:creationId xmlns:a16="http://schemas.microsoft.com/office/drawing/2014/main" id="{0DCC7C0E-2CBB-0AA7-A312-0A51E3B46675}"/>
+              </a:ext>
+            </a:extLst>
+          </p:cNvPr>
+          <p:cNvSpPr/>
+          <p:nvPr/>
+        </p:nvSpPr>
+        <p:spPr>
+          <a:xfrm>
+            <a:off x="4907284" y="4037427"/>
+            <a:ext cx="2897940" cy="713936"/>
+          </a:xfrm>
+          <a:prstGeom prst="roundRect">
+            <a:avLst/>
+          </a:prstGeom>
+        </p:spPr>
+        <p:style>
+          <a:lnRef idx="2">
+            <a:schemeClr val="accent1">
+              <a:shade val="15000"/>
+            </a:schemeClr>
+          </a:lnRef>
+          <a:fillRef idx="1">
+            <a:schemeClr val="accent1"/>
+          </a:fillRef>
+          <a:effectRef idx="0">
+            <a:schemeClr val="accent1"/>
+          </a:effectRef>
+          <a:fontRef idx="minor">
+            <a:schemeClr val="lt1"/>
+          </a:fontRef>
+        </p:style>
+        <p:txBody>
+          <a:bodyPr rtlCol="0" anchor="ctr"/>
+          <a:lstStyle/>
+          <a:p>
+            <a:pPr algn="ctr"/>
+            <a:r>
+              <a:rPr lang="en-US" dirty="0"/>
+              <a:t>Reminder functionality</a:t>
+            </a:r>
+          </a:p>
+        </p:txBody>
+      </p:sp>
     </p:spTree>
     <p:extLst>
       <p:ext uri="{BB962C8B-B14F-4D97-AF65-F5344CB8AC3E}">

--- a/Presentation1.pptx
+++ b/Presentation1.pptx
@@ -14,14 +14,15 @@
     <p:sldId id="268" r:id="rId8"/>
     <p:sldId id="269" r:id="rId9"/>
     <p:sldId id="270" r:id="rId10"/>
-    <p:sldId id="271" r:id="rId11"/>
-    <p:sldId id="272" r:id="rId12"/>
-    <p:sldId id="281" r:id="rId13"/>
-    <p:sldId id="273" r:id="rId14"/>
-    <p:sldId id="274" r:id="rId15"/>
-    <p:sldId id="275" r:id="rId16"/>
-    <p:sldId id="266" r:id="rId17"/>
-    <p:sldId id="276" r:id="rId18"/>
+    <p:sldId id="282" r:id="rId11"/>
+    <p:sldId id="271" r:id="rId12"/>
+    <p:sldId id="272" r:id="rId13"/>
+    <p:sldId id="281" r:id="rId14"/>
+    <p:sldId id="273" r:id="rId15"/>
+    <p:sldId id="274" r:id="rId16"/>
+    <p:sldId id="275" r:id="rId17"/>
+    <p:sldId id="266" r:id="rId18"/>
+    <p:sldId id="276" r:id="rId19"/>
   </p:sldIdLst>
   <p:sldSz cx="12192000" cy="6858000"/>
   <p:notesSz cx="6858000" cy="9144000"/>
@@ -4942,6 +4943,110 @@
           <p:cNvPr id="2" name="Title 1">
             <a:extLst>
               <a:ext uri="{FF2B5EF4-FFF2-40B4-BE49-F238E27FC236}">
+                <a16:creationId xmlns:a16="http://schemas.microsoft.com/office/drawing/2014/main" id="{FD3AEC85-4FF0-7F53-8A3F-06878790AA86}"/>
+              </a:ext>
+            </a:extLst>
+          </p:cNvPr>
+          <p:cNvSpPr>
+            <a:spLocks noGrp="1"/>
+          </p:cNvSpPr>
+          <p:nvPr>
+            <p:ph type="title"/>
+          </p:nvPr>
+        </p:nvSpPr>
+        <p:spPr>
+          <a:xfrm>
+            <a:off x="0" y="0"/>
+            <a:ext cx="12192000" cy="1434904"/>
+          </a:xfrm>
+          <a:solidFill>
+            <a:srgbClr val="6B90B2"/>
+          </a:solidFill>
+        </p:spPr>
+        <p:txBody>
+          <a:bodyPr/>
+          <a:lstStyle/>
+          <a:p>
+            <a:pPr algn="ctr"/>
+            <a:r>
+              <a:rPr lang="en-US" dirty="0">
+                <a:solidFill>
+                  <a:schemeClr val="bg1"/>
+                </a:solidFill>
+              </a:rPr>
+              <a:t>ACTIVITY DIAGRAM</a:t>
+            </a:r>
+          </a:p>
+        </p:txBody>
+      </p:sp>
+      <p:pic>
+        <p:nvPicPr>
+          <p:cNvPr id="4" name="Content Placeholder 3">
+            <a:extLst>
+              <a:ext uri="{FF2B5EF4-FFF2-40B4-BE49-F238E27FC236}">
+                <a16:creationId xmlns:a16="http://schemas.microsoft.com/office/drawing/2014/main" id="{27FCB837-1942-B82D-EA82-44F7315279DA}"/>
+              </a:ext>
+            </a:extLst>
+          </p:cNvPr>
+          <p:cNvPicPr>
+            <a:picLocks noGrp="1" noChangeAspect="1"/>
+          </p:cNvPicPr>
+          <p:nvPr>
+            <p:ph idx="1"/>
+          </p:nvPr>
+        </p:nvPicPr>
+        <p:blipFill>
+          <a:blip r:embed="rId2"/>
+          <a:stretch>
+            <a:fillRect/>
+          </a:stretch>
+        </p:blipFill>
+        <p:spPr>
+          <a:xfrm>
+            <a:off x="1" y="1434904"/>
+            <a:ext cx="12192000" cy="5423096"/>
+          </a:xfrm>
+          <a:prstGeom prst="rect">
+            <a:avLst/>
+          </a:prstGeom>
+        </p:spPr>
+      </p:pic>
+    </p:spTree>
+    <p:extLst>
+      <p:ext uri="{BB962C8B-B14F-4D97-AF65-F5344CB8AC3E}">
+        <p14:creationId xmlns:p14="http://schemas.microsoft.com/office/powerpoint/2010/main" val="2069986186"/>
+      </p:ext>
+    </p:extLst>
+  </p:cSld>
+  <p:clrMapOvr>
+    <a:masterClrMapping/>
+  </p:clrMapOvr>
+  <p:transition spd="med"/>
+</p:sld>
+</file>
+
+<file path=ppt/slides/slide11.xml><?xml version="1.0" encoding="utf-8"?>
+<p:sld xmlns:a="http://schemas.openxmlformats.org/drawingml/2006/main" xmlns:r="http://schemas.openxmlformats.org/officeDocument/2006/relationships" xmlns:p="http://schemas.openxmlformats.org/presentationml/2006/main">
+  <p:cSld>
+    <p:spTree>
+      <p:nvGrpSpPr>
+        <p:cNvPr id="1" name=""/>
+        <p:cNvGrpSpPr/>
+        <p:nvPr/>
+      </p:nvGrpSpPr>
+      <p:grpSpPr>
+        <a:xfrm>
+          <a:off x="0" y="0"/>
+          <a:ext cx="0" cy="0"/>
+          <a:chOff x="0" y="0"/>
+          <a:chExt cx="0" cy="0"/>
+        </a:xfrm>
+      </p:grpSpPr>
+      <p:sp>
+        <p:nvSpPr>
+          <p:cNvPr id="2" name="Title 1">
+            <a:extLst>
+              <a:ext uri="{FF2B5EF4-FFF2-40B4-BE49-F238E27FC236}">
                 <a16:creationId xmlns:a16="http://schemas.microsoft.com/office/drawing/2014/main" id="{F20D2E4C-95F3-4EAF-E847-895804DA3D12}"/>
               </a:ext>
             </a:extLst>
@@ -4972,7 +5077,7 @@
                   <a:schemeClr val="bg1"/>
                 </a:solidFill>
               </a:rPr>
-              <a:t>ACTIVITY DIAGRAM</a:t>
+              <a:t>CLASS DIAGRAM</a:t>
             </a:r>
           </a:p>
         </p:txBody>
@@ -5051,7 +5156,7 @@
 </p:sld>
 </file>
 
-<file path=ppt/slides/slide11.xml><?xml version="1.0" encoding="utf-8"?>
+<file path=ppt/slides/slide12.xml><?xml version="1.0" encoding="utf-8"?>
 <p:sld xmlns:a="http://schemas.openxmlformats.org/drawingml/2006/main" xmlns:r="http://schemas.openxmlformats.org/officeDocument/2006/relationships" xmlns:p="http://schemas.openxmlformats.org/presentationml/2006/main">
   <p:cSld>
     <p:spTree>
@@ -5184,7 +5289,7 @@
 </p:sld>
 </file>
 
-<file path=ppt/slides/slide12.xml><?xml version="1.0" encoding="utf-8"?>
+<file path=ppt/slides/slide13.xml><?xml version="1.0" encoding="utf-8"?>
 <p:sld xmlns:a="http://schemas.openxmlformats.org/drawingml/2006/main" xmlns:r="http://schemas.openxmlformats.org/officeDocument/2006/relationships" xmlns:p="http://schemas.openxmlformats.org/presentationml/2006/main">
   <p:cSld>
     <p:spTree>
@@ -6046,7 +6151,7 @@
 </p:sld>
 </file>
 
-<file path=ppt/slides/slide13.xml><?xml version="1.0" encoding="utf-8"?>
+<file path=ppt/slides/slide14.xml><?xml version="1.0" encoding="utf-8"?>
 <p:sld xmlns:a="http://schemas.openxmlformats.org/drawingml/2006/main" xmlns:r="http://schemas.openxmlformats.org/officeDocument/2006/relationships" xmlns:p="http://schemas.openxmlformats.org/presentationml/2006/main">
   <p:cSld>
     <p:spTree>
@@ -6704,7 +6809,7 @@
 </p:sld>
 </file>
 
-<file path=ppt/slides/slide14.xml><?xml version="1.0" encoding="utf-8"?>
+<file path=ppt/slides/slide15.xml><?xml version="1.0" encoding="utf-8"?>
 <p:sld xmlns:a="http://schemas.openxmlformats.org/drawingml/2006/main" xmlns:r="http://schemas.openxmlformats.org/officeDocument/2006/relationships" xmlns:p="http://schemas.openxmlformats.org/presentationml/2006/main">
   <p:cSld>
     <p:spTree>
@@ -6768,7 +6873,7 @@
             <a:ext cx="12192000" cy="815926"/>
           </a:xfrm>
           <a:solidFill>
-            <a:srgbClr val="082858"/>
+            <a:srgbClr val="6B90B2"/>
           </a:solidFill>
         </p:spPr>
         <p:txBody>
@@ -6896,115 +7001,10 @@
     <a:masterClrMapping/>
   </p:clrMapOvr>
   <p:transition spd="med"/>
-  <p:timing>
-    <p:tnLst>
-      <p:par>
-        <p:cTn id="1" dur="indefinite" restart="never" nodeType="tmRoot">
-          <p:childTnLst>
-            <p:seq concurrent="1" nextAc="seek">
-              <p:cTn id="2" dur="indefinite" nodeType="mainSeq">
-                <p:childTnLst>
-                  <p:par>
-                    <p:cTn id="3" fill="hold">
-                      <p:stCondLst>
-                        <p:cond delay="indefinite"/>
-                      </p:stCondLst>
-                      <p:childTnLst>
-                        <p:par>
-                          <p:cTn id="4" fill="hold">
-                            <p:stCondLst>
-                              <p:cond delay="0"/>
-                            </p:stCondLst>
-                            <p:childTnLst>
-                              <p:par>
-                                <p:cTn id="5" presetID="1" presetClass="entr" presetSubtype="0" fill="hold" nodeType="clickEffect">
-                                  <p:stCondLst>
-                                    <p:cond delay="0"/>
-                                  </p:stCondLst>
-                                  <p:childTnLst>
-                                    <p:set>
-                                      <p:cBhvr>
-                                        <p:cTn id="6" dur="1" fill="hold">
-                                          <p:stCondLst>
-                                            <p:cond delay="0"/>
-                                          </p:stCondLst>
-                                        </p:cTn>
-                                        <p:tgtEl>
-                                          <p:spTgt spid="7"/>
-                                        </p:tgtEl>
-                                        <p:attrNameLst>
-                                          <p:attrName>style.visibility</p:attrName>
-                                        </p:attrNameLst>
-                                      </p:cBhvr>
-                                      <p:to>
-                                        <p:strVal val="visible"/>
-                                      </p:to>
-                                    </p:set>
-                                  </p:childTnLst>
-                                </p:cTn>
-                              </p:par>
-                              <p:par>
-                                <p:cTn id="7" presetID="1" presetClass="entr" presetSubtype="0" fill="hold" grpId="0" nodeType="withEffect">
-                                  <p:stCondLst>
-                                    <p:cond delay="0"/>
-                                  </p:stCondLst>
-                                  <p:childTnLst>
-                                    <p:set>
-                                      <p:cBhvr>
-                                        <p:cTn id="8" dur="1" fill="hold">
-                                          <p:stCondLst>
-                                            <p:cond delay="0"/>
-                                          </p:stCondLst>
-                                        </p:cTn>
-                                        <p:tgtEl>
-                                          <p:spTgt spid="8"/>
-                                        </p:tgtEl>
-                                        <p:attrNameLst>
-                                          <p:attrName>style.visibility</p:attrName>
-                                        </p:attrNameLst>
-                                      </p:cBhvr>
-                                      <p:to>
-                                        <p:strVal val="visible"/>
-                                      </p:to>
-                                    </p:set>
-                                  </p:childTnLst>
-                                </p:cTn>
-                              </p:par>
-                            </p:childTnLst>
-                          </p:cTn>
-                        </p:par>
-                      </p:childTnLst>
-                    </p:cTn>
-                  </p:par>
-                </p:childTnLst>
-              </p:cTn>
-              <p:prevCondLst>
-                <p:cond evt="onPrev" delay="0">
-                  <p:tgtEl>
-                    <p:sldTgt/>
-                  </p:tgtEl>
-                </p:cond>
-              </p:prevCondLst>
-              <p:nextCondLst>
-                <p:cond evt="onNext" delay="0">
-                  <p:tgtEl>
-                    <p:sldTgt/>
-                  </p:tgtEl>
-                </p:cond>
-              </p:nextCondLst>
-            </p:seq>
-          </p:childTnLst>
-        </p:cTn>
-      </p:par>
-    </p:tnLst>
-    <p:bldLst>
-      <p:bldP spid="8" grpId="0"/>
-    </p:bldLst>
-  </p:timing>
 </p:sld>
 </file>
 
-<file path=ppt/slides/slide15.xml><?xml version="1.0" encoding="utf-8"?>
+<file path=ppt/slides/slide16.xml><?xml version="1.0" encoding="utf-8"?>
 <p:sld xmlns:a="http://schemas.openxmlformats.org/drawingml/2006/main" xmlns:r="http://schemas.openxmlformats.org/officeDocument/2006/relationships" xmlns:p="http://schemas.openxmlformats.org/presentationml/2006/main">
   <p:cSld>
     <p:spTree>
@@ -7059,6 +7059,17 @@
               <a:t>Budget alerts to notify the user incase of overspending</a:t>
             </a:r>
           </a:p>
+          <a:p>
+            <a:r>
+              <a:rPr lang="en-US" dirty="0"/>
+              <a:t>The admin can disable a user’s account after a long period </a:t>
+            </a:r>
+            <a:r>
+              <a:rPr lang="en-US"/>
+              <a:t>of inactivity (3months and above)</a:t>
+            </a:r>
+            <a:endParaRPr lang="en-US" dirty="0"/>
+          </a:p>
         </p:txBody>
       </p:sp>
       <p:sp>
@@ -7083,7 +7094,7 @@
             <a:ext cx="12192000" cy="681036"/>
           </a:xfrm>
           <a:solidFill>
-            <a:srgbClr val="11DFAE"/>
+            <a:srgbClr val="6B90B2"/>
           </a:solidFill>
         </p:spPr>
         <p:txBody>
@@ -7270,6 +7281,55 @@
                       </p:childTnLst>
                     </p:cTn>
                   </p:par>
+                  <p:par>
+                    <p:cTn id="15" fill="hold">
+                      <p:stCondLst>
+                        <p:cond delay="indefinite"/>
+                      </p:stCondLst>
+                      <p:childTnLst>
+                        <p:par>
+                          <p:cTn id="16" fill="hold">
+                            <p:stCondLst>
+                              <p:cond delay="0"/>
+                            </p:stCondLst>
+                            <p:childTnLst>
+                              <p:par>
+                                <p:cTn id="17" presetID="1" presetClass="entr" presetSubtype="0" fill="hold" grpId="0" nodeType="clickEffect">
+                                  <p:stCondLst>
+                                    <p:cond delay="0"/>
+                                  </p:stCondLst>
+                                  <p:childTnLst>
+                                    <p:set>
+                                      <p:cBhvr>
+                                        <p:cTn id="18" dur="1" fill="hold">
+                                          <p:stCondLst>
+                                            <p:cond delay="0"/>
+                                          </p:stCondLst>
+                                        </p:cTn>
+                                        <p:tgtEl>
+                                          <p:spTgt spid="3">
+                                            <p:txEl>
+                                              <p:pRg st="3" end="3"/>
+                                            </p:txEl>
+                                          </p:spTgt>
+                                        </p:tgtEl>
+                                        <p:attrNameLst>
+                                          <p:attrName>style.visibility</p:attrName>
+                                        </p:attrNameLst>
+                                      </p:cBhvr>
+                                      <p:to>
+                                        <p:strVal val="visible"/>
+                                      </p:to>
+                                    </p:set>
+                                  </p:childTnLst>
+                                </p:cTn>
+                              </p:par>
+                            </p:childTnLst>
+                          </p:cTn>
+                        </p:par>
+                      </p:childTnLst>
+                    </p:cTn>
+                  </p:par>
                 </p:childTnLst>
               </p:cTn>
               <p:prevCondLst>
@@ -7298,7 +7358,7 @@
 </p:sld>
 </file>
 
-<file path=ppt/slides/slide16.xml><?xml version="1.0" encoding="utf-8"?>
+<file path=ppt/slides/slide17.xml><?xml version="1.0" encoding="utf-8"?>
 <p:sld xmlns:a="http://schemas.openxmlformats.org/drawingml/2006/main" xmlns:r="http://schemas.openxmlformats.org/officeDocument/2006/relationships" xmlns:p="http://schemas.openxmlformats.org/presentationml/2006/main">
   <p:cSld>
     <p:spTree>
@@ -7376,7 +7436,7 @@
 </p:sld>
 </file>
 
-<file path=ppt/slides/slide17.xml><?xml version="1.0" encoding="utf-8"?>
+<file path=ppt/slides/slide18.xml><?xml version="1.0" encoding="utf-8"?>
 <p:sld xmlns:a="http://schemas.openxmlformats.org/drawingml/2006/main" xmlns:r="http://schemas.openxmlformats.org/officeDocument/2006/relationships" xmlns:p="http://schemas.openxmlformats.org/presentationml/2006/main">
   <p:cSld>
     <p:spTree>
@@ -7421,7 +7481,7 @@
           <a:p>
             <a:r>
               <a:rPr lang="en-US" dirty="0"/>
-              <a:t>Using the K-wallet application, individuals can cultivate better financial habits, archive their financial goals and build a more secure future</a:t>
+              <a:t>Using the K-wallet application, enables users to have control over their finances and spending habits by providing an overview of the users’ income and expenses , with features such as Records , Budget, Reminders and Categorization</a:t>
             </a:r>
           </a:p>
         </p:txBody>
@@ -7448,7 +7508,7 @@
             <a:ext cx="12192000" cy="787791"/>
           </a:xfrm>
           <a:solidFill>
-            <a:srgbClr val="11DFAE"/>
+            <a:srgbClr val="6B90B2"/>
           </a:solidFill>
         </p:spPr>
         <p:txBody>
@@ -8313,6 +8373,9 @@
                     <p:cTn id="3" fill="hold">
                       <p:stCondLst>
                         <p:cond delay="indefinite"/>
+                        <p:cond evt="onBegin" delay="0">
+                          <p:tn val="2"/>
+                        </p:cond>
                       </p:stCondLst>
                       <p:childTnLst>
                         <p:par>
@@ -8322,7 +8385,7 @@
                             </p:stCondLst>
                             <p:childTnLst>
                               <p:par>
-                                <p:cTn id="5" presetID="2" presetClass="entr" presetSubtype="4" fill="hold" grpId="0" nodeType="clickEffect">
+                                <p:cTn id="5" presetID="1" presetClass="entr" presetSubtype="0" fill="hold" grpId="0" nodeType="withEffect">
                                   <p:stCondLst>
                                     <p:cond delay="0"/>
                                   </p:stCondLst>
@@ -8335,7 +8398,7 @@
                                           </p:stCondLst>
                                         </p:cTn>
                                         <p:tgtEl>
-                                          <p:spTgt spid="2"/>
+                                          <p:spTgt spid="10"/>
                                         </p:tgtEl>
                                         <p:attrNameLst>
                                           <p:attrName>style.visibility</p:attrName>
@@ -8345,52 +8408,6 @@
                                         <p:strVal val="visible"/>
                                       </p:to>
                                     </p:set>
-                                    <p:anim calcmode="lin" valueType="num">
-                                      <p:cBhvr additive="base">
-                                        <p:cTn id="7" dur="500" fill="hold"/>
-                                        <p:tgtEl>
-                                          <p:spTgt spid="2"/>
-                                        </p:tgtEl>
-                                        <p:attrNameLst>
-                                          <p:attrName>ppt_x</p:attrName>
-                                        </p:attrNameLst>
-                                      </p:cBhvr>
-                                      <p:tavLst>
-                                        <p:tav tm="0">
-                                          <p:val>
-                                            <p:strVal val="#ppt_x"/>
-                                          </p:val>
-                                        </p:tav>
-                                        <p:tav tm="100000">
-                                          <p:val>
-                                            <p:strVal val="#ppt_x"/>
-                                          </p:val>
-                                        </p:tav>
-                                      </p:tavLst>
-                                    </p:anim>
-                                    <p:anim calcmode="lin" valueType="num">
-                                      <p:cBhvr additive="base">
-                                        <p:cTn id="8" dur="500" fill="hold"/>
-                                        <p:tgtEl>
-                                          <p:spTgt spid="2"/>
-                                        </p:tgtEl>
-                                        <p:attrNameLst>
-                                          <p:attrName>ppt_y</p:attrName>
-                                        </p:attrNameLst>
-                                      </p:cBhvr>
-                                      <p:tavLst>
-                                        <p:tav tm="0">
-                                          <p:val>
-                                            <p:strVal val="1+#ppt_h/2"/>
-                                          </p:val>
-                                        </p:tav>
-                                        <p:tav tm="100000">
-                                          <p:val>
-                                            <p:strVal val="#ppt_y"/>
-                                          </p:val>
-                                        </p:tav>
-                                      </p:tavLst>
-                                    </p:anim>
                                   </p:childTnLst>
                                 </p:cTn>
                               </p:par>
@@ -8401,26 +8418,26 @@
                     </p:cTn>
                   </p:par>
                   <p:par>
-                    <p:cTn id="9" fill="hold">
+                    <p:cTn id="7" fill="hold">
                       <p:stCondLst>
                         <p:cond delay="indefinite"/>
                       </p:stCondLst>
                       <p:childTnLst>
                         <p:par>
-                          <p:cTn id="10" fill="hold">
+                          <p:cTn id="8" fill="hold">
                             <p:stCondLst>
                               <p:cond delay="0"/>
                             </p:stCondLst>
                             <p:childTnLst>
                               <p:par>
-                                <p:cTn id="11" presetID="1" presetClass="entr" presetSubtype="0" fill="hold" grpId="0" nodeType="clickEffect">
+                                <p:cTn id="9" presetID="1" presetClass="entr" presetSubtype="0" fill="hold" grpId="0" nodeType="clickEffect">
                                   <p:stCondLst>
                                     <p:cond delay="0"/>
                                   </p:stCondLst>
                                   <p:childTnLst>
                                     <p:set>
                                       <p:cBhvr>
-                                        <p:cTn id="12" dur="1" fill="hold">
+                                        <p:cTn id="10" dur="1" fill="hold">
                                           <p:stCondLst>
                                             <p:cond delay="0"/>
                                           </p:stCondLst>
@@ -8446,26 +8463,26 @@
                     </p:cTn>
                   </p:par>
                   <p:par>
-                    <p:cTn id="13" fill="hold">
+                    <p:cTn id="11" fill="hold">
                       <p:stCondLst>
                         <p:cond delay="indefinite"/>
                       </p:stCondLst>
                       <p:childTnLst>
                         <p:par>
-                          <p:cTn id="14" fill="hold">
+                          <p:cTn id="12" fill="hold">
                             <p:stCondLst>
                               <p:cond delay="0"/>
                             </p:stCondLst>
                             <p:childTnLst>
                               <p:par>
-                                <p:cTn id="15" presetID="1" presetClass="entr" presetSubtype="0" fill="hold" grpId="0" nodeType="clickEffect">
+                                <p:cTn id="13" presetID="1" presetClass="entr" presetSubtype="0" fill="hold" grpId="0" nodeType="clickEffect">
                                   <p:stCondLst>
                                     <p:cond delay="0"/>
                                   </p:stCondLst>
                                   <p:childTnLst>
                                     <p:set>
                                       <p:cBhvr>
-                                        <p:cTn id="16" dur="1" fill="hold">
+                                        <p:cTn id="14" dur="1" fill="hold">
                                           <p:stCondLst>
                                             <p:cond delay="0"/>
                                           </p:stCondLst>
@@ -8491,26 +8508,26 @@
                     </p:cTn>
                   </p:par>
                   <p:par>
-                    <p:cTn id="17" fill="hold">
+                    <p:cTn id="15" fill="hold">
                       <p:stCondLst>
                         <p:cond delay="indefinite"/>
                       </p:stCondLst>
                       <p:childTnLst>
                         <p:par>
-                          <p:cTn id="18" fill="hold">
+                          <p:cTn id="16" fill="hold">
                             <p:stCondLst>
                               <p:cond delay="0"/>
                             </p:stCondLst>
                             <p:childTnLst>
                               <p:par>
-                                <p:cTn id="19" presetID="1" presetClass="entr" presetSubtype="0" fill="hold" grpId="0" nodeType="clickEffect">
+                                <p:cTn id="17" presetID="1" presetClass="entr" presetSubtype="0" fill="hold" grpId="0" nodeType="clickEffect">
                                   <p:stCondLst>
                                     <p:cond delay="0"/>
                                   </p:stCondLst>
                                   <p:childTnLst>
                                     <p:set>
                                       <p:cBhvr>
-                                        <p:cTn id="20" dur="1" fill="hold">
+                                        <p:cTn id="18" dur="1" fill="hold">
                                           <p:stCondLst>
                                             <p:cond delay="0"/>
                                           </p:stCondLst>
@@ -8536,26 +8553,26 @@
                     </p:cTn>
                   </p:par>
                   <p:par>
-                    <p:cTn id="21" fill="hold">
+                    <p:cTn id="19" fill="hold">
                       <p:stCondLst>
                         <p:cond delay="indefinite"/>
                       </p:stCondLst>
                       <p:childTnLst>
                         <p:par>
-                          <p:cTn id="22" fill="hold">
+                          <p:cTn id="20" fill="hold">
                             <p:stCondLst>
                               <p:cond delay="0"/>
                             </p:stCondLst>
                             <p:childTnLst>
                               <p:par>
-                                <p:cTn id="23" presetID="1" presetClass="entr" presetSubtype="0" fill="hold" grpId="0" nodeType="clickEffect">
+                                <p:cTn id="21" presetID="1" presetClass="entr" presetSubtype="0" fill="hold" grpId="0" nodeType="clickEffect">
                                   <p:stCondLst>
                                     <p:cond delay="0"/>
                                   </p:stCondLst>
                                   <p:childTnLst>
                                     <p:set>
                                       <p:cBhvr>
-                                        <p:cTn id="24" dur="1" fill="hold">
+                                        <p:cTn id="22" dur="1" fill="hold">
                                           <p:stCondLst>
                                             <p:cond delay="0"/>
                                           </p:stCondLst>
@@ -8581,26 +8598,26 @@
                     </p:cTn>
                   </p:par>
                   <p:par>
-                    <p:cTn id="25" fill="hold">
+                    <p:cTn id="23" fill="hold">
                       <p:stCondLst>
                         <p:cond delay="indefinite"/>
                       </p:stCondLst>
                       <p:childTnLst>
                         <p:par>
-                          <p:cTn id="26" fill="hold">
+                          <p:cTn id="24" fill="hold">
                             <p:stCondLst>
                               <p:cond delay="0"/>
                             </p:stCondLst>
                             <p:childTnLst>
                               <p:par>
-                                <p:cTn id="27" presetID="1" presetClass="entr" presetSubtype="0" fill="hold" grpId="0" nodeType="clickEffect">
+                                <p:cTn id="25" presetID="1" presetClass="entr" presetSubtype="0" fill="hold" grpId="0" nodeType="clickEffect">
                                   <p:stCondLst>
                                     <p:cond delay="0"/>
                                   </p:stCondLst>
                                   <p:childTnLst>
                                     <p:set>
                                       <p:cBhvr>
-                                        <p:cTn id="28" dur="1" fill="hold">
+                                        <p:cTn id="26" dur="1" fill="hold">
                                           <p:stCondLst>
                                             <p:cond delay="0"/>
                                           </p:stCondLst>
@@ -8626,26 +8643,26 @@
                     </p:cTn>
                   </p:par>
                   <p:par>
-                    <p:cTn id="29" fill="hold">
+                    <p:cTn id="27" fill="hold">
                       <p:stCondLst>
                         <p:cond delay="indefinite"/>
                       </p:stCondLst>
                       <p:childTnLst>
                         <p:par>
-                          <p:cTn id="30" fill="hold">
+                          <p:cTn id="28" fill="hold">
                             <p:stCondLst>
                               <p:cond delay="0"/>
                             </p:stCondLst>
                             <p:childTnLst>
                               <p:par>
-                                <p:cTn id="31" presetID="1" presetClass="entr" presetSubtype="0" fill="hold" grpId="0" nodeType="clickEffect">
+                                <p:cTn id="29" presetID="1" presetClass="entr" presetSubtype="0" fill="hold" grpId="0" nodeType="clickEffect">
                                   <p:stCondLst>
                                     <p:cond delay="0"/>
                                   </p:stCondLst>
                                   <p:childTnLst>
                                     <p:set>
                                       <p:cBhvr>
-                                        <p:cTn id="32" dur="1" fill="hold">
+                                        <p:cTn id="30" dur="1" fill="hold">
                                           <p:stCondLst>
                                             <p:cond delay="0"/>
                                           </p:stCondLst>
@@ -8671,26 +8688,26 @@
                     </p:cTn>
                   </p:par>
                   <p:par>
-                    <p:cTn id="33" fill="hold">
+                    <p:cTn id="31" fill="hold">
                       <p:stCondLst>
                         <p:cond delay="indefinite"/>
                       </p:stCondLst>
                       <p:childTnLst>
                         <p:par>
-                          <p:cTn id="34" fill="hold">
+                          <p:cTn id="32" fill="hold">
                             <p:stCondLst>
                               <p:cond delay="0"/>
                             </p:stCondLst>
                             <p:childTnLst>
                               <p:par>
-                                <p:cTn id="35" presetID="1" presetClass="entr" presetSubtype="0" fill="hold" grpId="0" nodeType="clickEffect">
+                                <p:cTn id="33" presetID="1" presetClass="entr" presetSubtype="0" fill="hold" grpId="0" nodeType="clickEffect">
                                   <p:stCondLst>
                                     <p:cond delay="0"/>
                                   </p:stCondLst>
                                   <p:childTnLst>
                                     <p:set>
                                       <p:cBhvr>
-                                        <p:cTn id="36" dur="1" fill="hold">
+                                        <p:cTn id="34" dur="1" fill="hold">
                                           <p:stCondLst>
                                             <p:cond delay="0"/>
                                           </p:stCondLst>
@@ -8737,7 +8754,7 @@
       </p:par>
     </p:tnLst>
     <p:bldLst>
-      <p:bldP spid="2" grpId="0" animBg="1"/>
+      <p:bldP spid="10" grpId="0" animBg="1"/>
       <p:bldP spid="3" grpId="0" animBg="1"/>
       <p:bldP spid="4" grpId="0" animBg="1"/>
       <p:bldP spid="5" grpId="0" animBg="1"/>
@@ -22389,7 +22406,7 @@
             <a:pPr algn="ctr"/>
             <a:r>
               <a:rPr lang="en-US" dirty="0"/>
-              <a:t>Records functionality</a:t>
+              <a:t>Record functionality</a:t>
             </a:r>
           </a:p>
         </p:txBody>
@@ -22503,6 +22520,240 @@
     <a:masterClrMapping/>
   </p:clrMapOvr>
   <p:transition spd="med"/>
+  <p:timing>
+    <p:tnLst>
+      <p:par>
+        <p:cTn id="1" dur="indefinite" restart="never" nodeType="tmRoot">
+          <p:childTnLst>
+            <p:seq concurrent="1" nextAc="seek">
+              <p:cTn id="2" dur="indefinite" nodeType="mainSeq">
+                <p:childTnLst>
+                  <p:par>
+                    <p:cTn id="3" fill="hold">
+                      <p:stCondLst>
+                        <p:cond delay="indefinite"/>
+                      </p:stCondLst>
+                      <p:childTnLst>
+                        <p:par>
+                          <p:cTn id="4" fill="hold">
+                            <p:stCondLst>
+                              <p:cond delay="0"/>
+                            </p:stCondLst>
+                            <p:childTnLst>
+                              <p:par>
+                                <p:cTn id="5" presetID="1" presetClass="entr" presetSubtype="0" fill="hold" grpId="0" nodeType="clickEffect">
+                                  <p:stCondLst>
+                                    <p:cond delay="0"/>
+                                  </p:stCondLst>
+                                  <p:childTnLst>
+                                    <p:set>
+                                      <p:cBhvr>
+                                        <p:cTn id="6" dur="1" fill="hold">
+                                          <p:stCondLst>
+                                            <p:cond delay="0"/>
+                                          </p:stCondLst>
+                                        </p:cTn>
+                                        <p:tgtEl>
+                                          <p:spTgt spid="4"/>
+                                        </p:tgtEl>
+                                        <p:attrNameLst>
+                                          <p:attrName>style.visibility</p:attrName>
+                                        </p:attrNameLst>
+                                      </p:cBhvr>
+                                      <p:to>
+                                        <p:strVal val="visible"/>
+                                      </p:to>
+                                    </p:set>
+                                  </p:childTnLst>
+                                </p:cTn>
+                              </p:par>
+                              <p:par>
+                                <p:cTn id="7" presetID="1" presetClass="entr" presetSubtype="0" fill="hold" nodeType="withEffect">
+                                  <p:stCondLst>
+                                    <p:cond delay="0"/>
+                                  </p:stCondLst>
+                                  <p:childTnLst>
+                                    <p:set>
+                                      <p:cBhvr>
+                                        <p:cTn id="8" dur="1" fill="hold">
+                                          <p:stCondLst>
+                                            <p:cond delay="0"/>
+                                          </p:stCondLst>
+                                        </p:cTn>
+                                        <p:tgtEl>
+                                          <p:spTgt spid="2054"/>
+                                        </p:tgtEl>
+                                        <p:attrNameLst>
+                                          <p:attrName>style.visibility</p:attrName>
+                                        </p:attrNameLst>
+                                      </p:cBhvr>
+                                      <p:to>
+                                        <p:strVal val="visible"/>
+                                      </p:to>
+                                    </p:set>
+                                  </p:childTnLst>
+                                </p:cTn>
+                              </p:par>
+                              <p:par>
+                                <p:cTn id="9" presetID="1" presetClass="entr" presetSubtype="0" fill="hold" nodeType="withEffect">
+                                  <p:stCondLst>
+                                    <p:cond delay="0"/>
+                                  </p:stCondLst>
+                                  <p:childTnLst>
+                                    <p:set>
+                                      <p:cBhvr>
+                                        <p:cTn id="10" dur="1" fill="hold">
+                                          <p:stCondLst>
+                                            <p:cond delay="0"/>
+                                          </p:stCondLst>
+                                        </p:cTn>
+                                        <p:tgtEl>
+                                          <p:spTgt spid="7"/>
+                                        </p:tgtEl>
+                                        <p:attrNameLst>
+                                          <p:attrName>style.visibility</p:attrName>
+                                        </p:attrNameLst>
+                                      </p:cBhvr>
+                                      <p:to>
+                                        <p:strVal val="visible"/>
+                                      </p:to>
+                                    </p:set>
+                                  </p:childTnLst>
+                                </p:cTn>
+                              </p:par>
+                            </p:childTnLst>
+                          </p:cTn>
+                        </p:par>
+                      </p:childTnLst>
+                    </p:cTn>
+                  </p:par>
+                  <p:par>
+                    <p:cTn id="11" fill="hold">
+                      <p:stCondLst>
+                        <p:cond delay="indefinite"/>
+                      </p:stCondLst>
+                      <p:childTnLst>
+                        <p:par>
+                          <p:cTn id="12" fill="hold">
+                            <p:stCondLst>
+                              <p:cond delay="0"/>
+                            </p:stCondLst>
+                            <p:childTnLst>
+                              <p:par>
+                                <p:cTn id="13" presetID="1" presetClass="entr" presetSubtype="0" fill="hold" grpId="0" nodeType="clickEffect">
+                                  <p:stCondLst>
+                                    <p:cond delay="0"/>
+                                  </p:stCondLst>
+                                  <p:childTnLst>
+                                    <p:set>
+                                      <p:cBhvr>
+                                        <p:cTn id="14" dur="1" fill="hold">
+                                          <p:stCondLst>
+                                            <p:cond delay="0"/>
+                                          </p:stCondLst>
+                                        </p:cTn>
+                                        <p:tgtEl>
+                                          <p:spTgt spid="8"/>
+                                        </p:tgtEl>
+                                        <p:attrNameLst>
+                                          <p:attrName>style.visibility</p:attrName>
+                                        </p:attrNameLst>
+                                      </p:cBhvr>
+                                      <p:to>
+                                        <p:strVal val="visible"/>
+                                      </p:to>
+                                    </p:set>
+                                  </p:childTnLst>
+                                </p:cTn>
+                              </p:par>
+                              <p:par>
+                                <p:cTn id="15" presetID="1" presetClass="entr" presetSubtype="0" fill="hold" grpId="0" nodeType="withEffect">
+                                  <p:stCondLst>
+                                    <p:cond delay="0"/>
+                                  </p:stCondLst>
+                                  <p:childTnLst>
+                                    <p:set>
+                                      <p:cBhvr>
+                                        <p:cTn id="16" dur="1" fill="hold">
+                                          <p:stCondLst>
+                                            <p:cond delay="0"/>
+                                          </p:stCondLst>
+                                        </p:cTn>
+                                        <p:tgtEl>
+                                          <p:spTgt spid="13"/>
+                                        </p:tgtEl>
+                                        <p:attrNameLst>
+                                          <p:attrName>style.visibility</p:attrName>
+                                        </p:attrNameLst>
+                                      </p:cBhvr>
+                                      <p:to>
+                                        <p:strVal val="visible"/>
+                                      </p:to>
+                                    </p:set>
+                                  </p:childTnLst>
+                                </p:cTn>
+                              </p:par>
+                              <p:par>
+                                <p:cTn id="17" presetID="1" presetClass="entr" presetSubtype="0" fill="hold" grpId="0" nodeType="withEffect">
+                                  <p:stCondLst>
+                                    <p:cond delay="0"/>
+                                  </p:stCondLst>
+                                  <p:childTnLst>
+                                    <p:set>
+                                      <p:cBhvr>
+                                        <p:cTn id="18" dur="1" fill="hold">
+                                          <p:stCondLst>
+                                            <p:cond delay="0"/>
+                                          </p:stCondLst>
+                                        </p:cTn>
+                                        <p:tgtEl>
+                                          <p:spTgt spid="14"/>
+                                        </p:tgtEl>
+                                        <p:attrNameLst>
+                                          <p:attrName>style.visibility</p:attrName>
+                                        </p:attrNameLst>
+                                      </p:cBhvr>
+                                      <p:to>
+                                        <p:strVal val="visible"/>
+                                      </p:to>
+                                    </p:set>
+                                  </p:childTnLst>
+                                </p:cTn>
+                              </p:par>
+                            </p:childTnLst>
+                          </p:cTn>
+                        </p:par>
+                      </p:childTnLst>
+                    </p:cTn>
+                  </p:par>
+                </p:childTnLst>
+              </p:cTn>
+              <p:prevCondLst>
+                <p:cond evt="onPrev" delay="0">
+                  <p:tgtEl>
+                    <p:sldTgt/>
+                  </p:tgtEl>
+                </p:cond>
+              </p:prevCondLst>
+              <p:nextCondLst>
+                <p:cond evt="onNext" delay="0">
+                  <p:tgtEl>
+                    <p:sldTgt/>
+                  </p:tgtEl>
+                </p:cond>
+              </p:nextCondLst>
+            </p:seq>
+          </p:childTnLst>
+        </p:cTn>
+      </p:par>
+    </p:tnLst>
+    <p:bldLst>
+      <p:bldP spid="4" grpId="0"/>
+      <p:bldP spid="8" grpId="0" animBg="1"/>
+      <p:bldP spid="13" grpId="0" animBg="1"/>
+      <p:bldP spid="14" grpId="0" animBg="1"/>
+    </p:bldLst>
+  </p:timing>
 </p:sld>
 </file>
 
